--- a/material/20_CSharp_WPF (Dataframe).pptx
+++ b/material/20_CSharp_WPF (Dataframe).pptx
@@ -5,58 +5,69 @@
     <p:sldMasterId id="2147483660" r:id="rId1"/>
   </p:sldMasterIdLst>
   <p:notesMasterIdLst>
-    <p:notesMasterId r:id="rId31"/>
+    <p:notesMasterId r:id="rId38"/>
   </p:notesMasterIdLst>
   <p:sldIdLst>
-    <p:sldId id="684" r:id="rId2"/>
-    <p:sldId id="256" r:id="rId3"/>
-    <p:sldId id="679" r:id="rId4"/>
-    <p:sldId id="685" r:id="rId5"/>
-    <p:sldId id="688" r:id="rId6"/>
-    <p:sldId id="686" r:id="rId7"/>
-    <p:sldId id="687" r:id="rId8"/>
-    <p:sldId id="680" r:id="rId9"/>
-    <p:sldId id="689" r:id="rId10"/>
-    <p:sldId id="690" r:id="rId11"/>
-    <p:sldId id="692" r:id="rId12"/>
-    <p:sldId id="691" r:id="rId13"/>
-    <p:sldId id="693" r:id="rId14"/>
-    <p:sldId id="694" r:id="rId15"/>
-    <p:sldId id="695" r:id="rId16"/>
-    <p:sldId id="696" r:id="rId17"/>
-    <p:sldId id="697" r:id="rId18"/>
-    <p:sldId id="698" r:id="rId19"/>
-    <p:sldId id="699" r:id="rId20"/>
-    <p:sldId id="700" r:id="rId21"/>
-    <p:sldId id="701" r:id="rId22"/>
-    <p:sldId id="702" r:id="rId23"/>
-    <p:sldId id="707" r:id="rId24"/>
-    <p:sldId id="708" r:id="rId25"/>
-    <p:sldId id="703" r:id="rId26"/>
-    <p:sldId id="704" r:id="rId27"/>
-    <p:sldId id="705" r:id="rId28"/>
-    <p:sldId id="706" r:id="rId29"/>
-    <p:sldId id="683" r:id="rId30"/>
+    <p:sldId id="709" r:id="rId2"/>
+    <p:sldId id="710" r:id="rId3"/>
+    <p:sldId id="711" r:id="rId4"/>
+    <p:sldId id="712" r:id="rId5"/>
+    <p:sldId id="713" r:id="rId6"/>
+    <p:sldId id="714" r:id="rId7"/>
+    <p:sldId id="715" r:id="rId8"/>
+    <p:sldId id="684" r:id="rId9"/>
+    <p:sldId id="256" r:id="rId10"/>
+    <p:sldId id="679" r:id="rId11"/>
+    <p:sldId id="685" r:id="rId12"/>
+    <p:sldId id="688" r:id="rId13"/>
+    <p:sldId id="686" r:id="rId14"/>
+    <p:sldId id="687" r:id="rId15"/>
+    <p:sldId id="680" r:id="rId16"/>
+    <p:sldId id="689" r:id="rId17"/>
+    <p:sldId id="690" r:id="rId18"/>
+    <p:sldId id="692" r:id="rId19"/>
+    <p:sldId id="691" r:id="rId20"/>
+    <p:sldId id="693" r:id="rId21"/>
+    <p:sldId id="694" r:id="rId22"/>
+    <p:sldId id="695" r:id="rId23"/>
+    <p:sldId id="696" r:id="rId24"/>
+    <p:sldId id="697" r:id="rId25"/>
+    <p:sldId id="698" r:id="rId26"/>
+    <p:sldId id="699" r:id="rId27"/>
+    <p:sldId id="700" r:id="rId28"/>
+    <p:sldId id="701" r:id="rId29"/>
+    <p:sldId id="702" r:id="rId30"/>
+    <p:sldId id="707" r:id="rId31"/>
+    <p:sldId id="708" r:id="rId32"/>
+    <p:sldId id="703" r:id="rId33"/>
+    <p:sldId id="704" r:id="rId34"/>
+    <p:sldId id="705" r:id="rId35"/>
+    <p:sldId id="706" r:id="rId36"/>
+    <p:sldId id="683" r:id="rId37"/>
   </p:sldIdLst>
   <p:sldSz cx="12192000" cy="6858000"/>
   <p:notesSz cx="6858000" cy="9144000"/>
   <p:embeddedFontLst>
     <p:embeddedFont>
-      <p:font typeface="나눔바른고딕" panose="020B0600000101010101" charset="-127"/>
-      <p:regular r:id="rId32"/>
+      <p:font typeface="AppleSDGothicNeoH00" panose="020B0600000101010101" charset="-127"/>
+      <p:regular r:id="rId39"/>
     </p:embeddedFont>
     <p:embeddedFont>
-      <p:font typeface="AppleSDGothicNeoB00" panose="02000503000000000000" pitchFamily="2" charset="-127"/>
-      <p:regular r:id="rId33"/>
+      <p:font typeface="AppleSDGothicNeoB00" panose="020B0600000101010101" charset="-127"/>
+      <p:regular r:id="rId40"/>
     </p:embeddedFont>
     <p:embeddedFont>
-      <p:font typeface="AppleSDGothicNeoH00" panose="02000503000000000000" pitchFamily="2" charset="-127"/>
-      <p:regular r:id="rId34"/>
+      <p:font typeface="Malgun Gothic Semilight" panose="020B0502040204020203" pitchFamily="50" charset="-127"/>
+      <p:regular r:id="rId41"/>
+    </p:embeddedFont>
+    <p:embeddedFont>
+      <p:font typeface="나눔바른고딕" panose="020B0600000101010101" charset="-127"/>
+      <p:regular r:id="rId42"/>
     </p:embeddedFont>
     <p:embeddedFont>
       <p:font typeface="맑은 고딕" panose="020B0503020000020004" pitchFamily="50" charset="-127"/>
-      <p:regular r:id="rId35"/>
-      <p:bold r:id="rId36"/>
+      <p:regular r:id="rId43"/>
+      <p:bold r:id="rId44"/>
     </p:embeddedFont>
   </p:embeddedFontLst>
   <p:defaultTextStyle>
@@ -253,7 +264,7 @@
           <a:p>
             <a:fld id="{2EF3F159-7250-4DD4-91C2-13B35D56E1AF}" type="datetimeFigureOut">
               <a:rPr lang="ko-KR" altLang="en-US" smtClean="0"/>
-              <a:t>2024-12-11</a:t>
+              <a:t>2025-05-26</a:t>
             </a:fld>
             <a:endParaRPr lang="ko-KR" altLang="en-US"/>
           </a:p>
@@ -564,6 +575,10 @@
           <a:bodyPr/>
           <a:lstStyle/>
           <a:p>
+            <a:r>
+              <a:rPr lang="en-US" altLang="ko-KR" dirty="0"/>
+              <a:t>https://itisguide.tistory.com/4</a:t>
+            </a:r>
             <a:endParaRPr lang="ko-KR" altLang="en-US" dirty="0"/>
           </a:p>
         </p:txBody>
@@ -575,27 +590,26 @@
             <a:spLocks noGrp="1"/>
           </p:cNvSpPr>
           <p:nvPr>
-            <p:ph type="sldNum" sz="quarter" idx="10"/>
-          </p:nvPr>
-        </p:nvSpPr>
-        <p:spPr/>
-        <p:txBody>
-          <a:bodyPr/>
-          <a:lstStyle/>
-          <a:p>
-            <a:fld id="{3E35EA20-6519-4513-9EDC-C89C5369BAEC}" type="slidenum">
+            <p:ph type="sldNum" sz="quarter" idx="5"/>
+          </p:nvPr>
+        </p:nvSpPr>
+        <p:spPr/>
+        <p:txBody>
+          <a:bodyPr/>
+          <a:lstStyle/>
+          <a:p>
+            <a:fld id="{C09E5BFC-1559-42F1-8940-AB342D56BF02}" type="slidenum">
               <a:rPr lang="ko-KR" altLang="en-US" smtClean="0"/>
-              <a:pPr/>
               <a:t>1</a:t>
             </a:fld>
-            <a:endParaRPr lang="ko-KR" altLang="en-US" dirty="0"/>
+            <a:endParaRPr lang="ko-KR" altLang="en-US"/>
           </a:p>
         </p:txBody>
       </p:sp>
     </p:spTree>
     <p:extLst>
       <p:ext uri="{BB962C8B-B14F-4D97-AF65-F5344CB8AC3E}">
-        <p14:creationId xmlns:p14="http://schemas.microsoft.com/office/powerpoint/2010/main" val="2445361790"/>
+        <p14:creationId xmlns:p14="http://schemas.microsoft.com/office/powerpoint/2010/main" val="1960148856"/>
       </p:ext>
     </p:extLst>
   </p:cSld>
@@ -649,46 +663,7 @@
           <a:bodyPr/>
           <a:lstStyle/>
           <a:p>
-            <a:r>
-              <a:rPr lang="ko-KR" altLang="en-US"/>
-              <a:t>새로운 언어를 배울 때는 내가 알고 있는 기존 언어와 차이점만 기억을 하면 됨</a:t>
-            </a:r>
-            <a:r>
-              <a:rPr lang="en-US" altLang="ko-KR"/>
-              <a:t>.</a:t>
-            </a:r>
-          </a:p>
-          <a:p>
-            <a:endParaRPr lang="en-US" altLang="ko-KR"/>
-          </a:p>
-          <a:p>
-            <a:r>
-              <a:rPr lang="ko-KR" altLang="en-US"/>
-              <a:t>자세한 문법 또는 함수의 사용법은 그때그때 검색을 통해 찾아보고 적용하면 됨</a:t>
-            </a:r>
-            <a:r>
-              <a:rPr lang="en-US" altLang="ko-KR"/>
-              <a:t>. </a:t>
-            </a:r>
-          </a:p>
-          <a:p>
-            <a:endParaRPr lang="en-US" altLang="ko-KR"/>
-          </a:p>
-          <a:p>
-            <a:r>
-              <a:rPr lang="ko-KR" altLang="en-US"/>
-              <a:t>이론을 충분히 공부하고 무언가 시작하기 보다는 일단 시작하고 부딪히는 곳을 적극적으로 검색하여 찾아보며 해결해나가는 것이 훨씬 좋음</a:t>
-            </a:r>
-            <a:r>
-              <a:rPr lang="en-US" altLang="ko-KR"/>
-              <a:t>.</a:t>
-            </a:r>
-          </a:p>
-          <a:p>
-            <a:endParaRPr lang="en-US" altLang="ko-KR"/>
-          </a:p>
-          <a:p>
-            <a:endParaRPr lang="ko-KR" altLang="en-US"/>
+            <a:endParaRPr lang="ko-KR" altLang="en-US" dirty="0"/>
           </a:p>
         </p:txBody>
       </p:sp>
@@ -699,26 +674,27 @@
             <a:spLocks noGrp="1"/>
           </p:cNvSpPr>
           <p:nvPr>
-            <p:ph type="sldNum" sz="quarter" idx="5"/>
-          </p:nvPr>
-        </p:nvSpPr>
-        <p:spPr/>
-        <p:txBody>
-          <a:bodyPr/>
-          <a:lstStyle/>
-          <a:p>
-            <a:fld id="{C09E5BFC-1559-42F1-8940-AB342D56BF02}" type="slidenum">
+            <p:ph type="sldNum" sz="quarter" idx="10"/>
+          </p:nvPr>
+        </p:nvSpPr>
+        <p:spPr/>
+        <p:txBody>
+          <a:bodyPr/>
+          <a:lstStyle/>
+          <a:p>
+            <a:fld id="{3E35EA20-6519-4513-9EDC-C89C5369BAEC}" type="slidenum">
               <a:rPr lang="ko-KR" altLang="en-US" smtClean="0"/>
-              <a:t>2</a:t>
+              <a:pPr/>
+              <a:t>8</a:t>
             </a:fld>
-            <a:endParaRPr lang="ko-KR" altLang="en-US"/>
+            <a:endParaRPr lang="ko-KR" altLang="en-US" dirty="0"/>
           </a:p>
         </p:txBody>
       </p:sp>
     </p:spTree>
     <p:extLst>
       <p:ext uri="{BB962C8B-B14F-4D97-AF65-F5344CB8AC3E}">
-        <p14:creationId xmlns:p14="http://schemas.microsoft.com/office/powerpoint/2010/main" val="3940979676"/>
+        <p14:creationId xmlns:p14="http://schemas.microsoft.com/office/powerpoint/2010/main" val="2445361790"/>
       </p:ext>
     </p:extLst>
   </p:cSld>
@@ -772,7 +748,46 @@
           <a:bodyPr/>
           <a:lstStyle/>
           <a:p>
-            <a:endParaRPr lang="ko-KR" altLang="en-US" dirty="0"/>
+            <a:r>
+              <a:rPr lang="ko-KR" altLang="en-US"/>
+              <a:t>새로운 언어를 배울 때는 내가 알고 있는 기존 언어와 차이점만 기억을 하면 됨</a:t>
+            </a:r>
+            <a:r>
+              <a:rPr lang="en-US" altLang="ko-KR"/>
+              <a:t>.</a:t>
+            </a:r>
+          </a:p>
+          <a:p>
+            <a:endParaRPr lang="en-US" altLang="ko-KR"/>
+          </a:p>
+          <a:p>
+            <a:r>
+              <a:rPr lang="ko-KR" altLang="en-US"/>
+              <a:t>자세한 문법 또는 함수의 사용법은 그때그때 검색을 통해 찾아보고 적용하면 됨</a:t>
+            </a:r>
+            <a:r>
+              <a:rPr lang="en-US" altLang="ko-KR"/>
+              <a:t>. </a:t>
+            </a:r>
+          </a:p>
+          <a:p>
+            <a:endParaRPr lang="en-US" altLang="ko-KR"/>
+          </a:p>
+          <a:p>
+            <a:r>
+              <a:rPr lang="ko-KR" altLang="en-US"/>
+              <a:t>이론을 충분히 공부하고 무언가 시작하기 보다는 일단 시작하고 부딪히는 곳을 적극적으로 검색하여 찾아보며 해결해나가는 것이 훨씬 좋음</a:t>
+            </a:r>
+            <a:r>
+              <a:rPr lang="en-US" altLang="ko-KR"/>
+              <a:t>.</a:t>
+            </a:r>
+          </a:p>
+          <a:p>
+            <a:endParaRPr lang="en-US" altLang="ko-KR"/>
+          </a:p>
+          <a:p>
+            <a:endParaRPr lang="ko-KR" altLang="en-US"/>
           </a:p>
         </p:txBody>
       </p:sp>
@@ -793,7 +808,91 @@
           <a:p>
             <a:fld id="{C09E5BFC-1559-42F1-8940-AB342D56BF02}" type="slidenum">
               <a:rPr lang="ko-KR" altLang="en-US" smtClean="0"/>
-              <a:t>29</a:t>
+              <a:t>9</a:t>
+            </a:fld>
+            <a:endParaRPr lang="ko-KR" altLang="en-US"/>
+          </a:p>
+        </p:txBody>
+      </p:sp>
+    </p:spTree>
+    <p:extLst>
+      <p:ext uri="{BB962C8B-B14F-4D97-AF65-F5344CB8AC3E}">
+        <p14:creationId xmlns:p14="http://schemas.microsoft.com/office/powerpoint/2010/main" val="3940979676"/>
+      </p:ext>
+    </p:extLst>
+  </p:cSld>
+  <p:clrMapOvr>
+    <a:masterClrMapping/>
+  </p:clrMapOvr>
+</p:notes>
+</file>
+
+<file path=ppt/notesSlides/notesSlide4.xml><?xml version="1.0" encoding="utf-8"?>
+<p:notes xmlns:a="http://schemas.openxmlformats.org/drawingml/2006/main" xmlns:r="http://schemas.openxmlformats.org/officeDocument/2006/relationships" xmlns:p="http://schemas.openxmlformats.org/presentationml/2006/main">
+  <p:cSld>
+    <p:spTree>
+      <p:nvGrpSpPr>
+        <p:cNvPr id="1" name=""/>
+        <p:cNvGrpSpPr/>
+        <p:nvPr/>
+      </p:nvGrpSpPr>
+      <p:grpSpPr>
+        <a:xfrm>
+          <a:off x="0" y="0"/>
+          <a:ext cx="0" cy="0"/>
+          <a:chOff x="0" y="0"/>
+          <a:chExt cx="0" cy="0"/>
+        </a:xfrm>
+      </p:grpSpPr>
+      <p:sp>
+        <p:nvSpPr>
+          <p:cNvPr id="2" name="슬라이드 이미지 개체 틀 1"/>
+          <p:cNvSpPr>
+            <a:spLocks noGrp="1" noRot="1" noChangeAspect="1"/>
+          </p:cNvSpPr>
+          <p:nvPr>
+            <p:ph type="sldImg"/>
+          </p:nvPr>
+        </p:nvSpPr>
+        <p:spPr/>
+      </p:sp>
+      <p:sp>
+        <p:nvSpPr>
+          <p:cNvPr id="3" name="슬라이드 노트 개체 틀 2"/>
+          <p:cNvSpPr>
+            <a:spLocks noGrp="1"/>
+          </p:cNvSpPr>
+          <p:nvPr>
+            <p:ph type="body" idx="1"/>
+          </p:nvPr>
+        </p:nvSpPr>
+        <p:spPr/>
+        <p:txBody>
+          <a:bodyPr/>
+          <a:lstStyle/>
+          <a:p>
+            <a:endParaRPr lang="ko-KR" altLang="en-US" dirty="0"/>
+          </a:p>
+        </p:txBody>
+      </p:sp>
+      <p:sp>
+        <p:nvSpPr>
+          <p:cNvPr id="4" name="슬라이드 번호 개체 틀 3"/>
+          <p:cNvSpPr>
+            <a:spLocks noGrp="1"/>
+          </p:cNvSpPr>
+          <p:nvPr>
+            <p:ph type="sldNum" sz="quarter" idx="5"/>
+          </p:nvPr>
+        </p:nvSpPr>
+        <p:spPr/>
+        <p:txBody>
+          <a:bodyPr/>
+          <a:lstStyle/>
+          <a:p>
+            <a:fld id="{C09E5BFC-1559-42F1-8940-AB342D56BF02}" type="slidenum">
+              <a:rPr lang="ko-KR" altLang="en-US" smtClean="0"/>
+              <a:t>36</a:t>
             </a:fld>
             <a:endParaRPr lang="ko-KR" altLang="en-US"/>
           </a:p>
@@ -953,7 +1052,7 @@
           <a:p>
             <a:fld id="{442BEE3F-2E9A-4FD8-8B8A-8619F3E161C0}" type="datetime1">
               <a:rPr lang="ko-KR" altLang="en-US" smtClean="0"/>
-              <a:t>2024-12-11</a:t>
+              <a:t>2025-05-26</a:t>
             </a:fld>
             <a:endParaRPr lang="ko-KR" altLang="en-US"/>
           </a:p>
@@ -1139,7 +1238,7 @@
           <a:p>
             <a:fld id="{2EAE422B-0E68-47B5-84BB-CA2BDA8EE46C}" type="datetime1">
               <a:rPr lang="ko-KR" altLang="en-US" smtClean="0"/>
-              <a:t>2024-12-11</a:t>
+              <a:t>2025-05-26</a:t>
             </a:fld>
             <a:endParaRPr lang="ko-KR" altLang="en-US"/>
           </a:p>
@@ -1347,7 +1446,7 @@
           <a:p>
             <a:fld id="{AF7C623F-179B-417F-99B6-50F6DF228D4B}" type="datetime1">
               <a:rPr lang="ko-KR" altLang="en-US" smtClean="0"/>
-              <a:t>2024-12-11</a:t>
+              <a:t>2025-05-26</a:t>
             </a:fld>
             <a:endParaRPr lang="ko-KR" altLang="en-US"/>
           </a:p>
@@ -1576,7 +1675,7 @@
           <a:p>
             <a:fld id="{0F78D9C4-20C1-4B15-A116-16DC77AD9A1E}" type="datetime1">
               <a:rPr lang="ko-KR" altLang="en-US" smtClean="0"/>
-              <a:t>2024-12-11</a:t>
+              <a:t>2025-05-26</a:t>
             </a:fld>
             <a:endParaRPr lang="ko-KR" altLang="en-US"/>
           </a:p>
@@ -1851,7 +1950,7 @@
           <a:p>
             <a:fld id="{C7F43723-C509-4DEA-8428-B50818F79709}" type="datetime1">
               <a:rPr lang="ko-KR" altLang="en-US" smtClean="0"/>
-              <a:t>2024-12-11</a:t>
+              <a:t>2025-05-26</a:t>
             </a:fld>
             <a:endParaRPr lang="ko-KR" altLang="en-US"/>
           </a:p>
@@ -2116,7 +2215,7 @@
           <a:p>
             <a:fld id="{5D2B7482-EE74-4DBD-97F4-D0DAC0C0E4E5}" type="datetime1">
               <a:rPr lang="ko-KR" altLang="en-US" smtClean="0"/>
-              <a:t>2024-12-11</a:t>
+              <a:t>2025-05-26</a:t>
             </a:fld>
             <a:endParaRPr lang="ko-KR" altLang="en-US"/>
           </a:p>
@@ -2529,7 +2628,7 @@
           <a:p>
             <a:fld id="{051A8C49-CED7-4A86-9B4A-621D7F62EE92}" type="datetime1">
               <a:rPr lang="ko-KR" altLang="en-US" smtClean="0"/>
-              <a:t>2024-12-11</a:t>
+              <a:t>2025-05-26</a:t>
             </a:fld>
             <a:endParaRPr lang="ko-KR" altLang="en-US"/>
           </a:p>
@@ -2676,7 +2775,7 @@
           <a:p>
             <a:fld id="{84082D76-7079-412D-848B-E1B9E7A6A286}" type="datetime1">
               <a:rPr lang="ko-KR" altLang="en-US" smtClean="0"/>
-              <a:t>2024-12-11</a:t>
+              <a:t>2025-05-26</a:t>
             </a:fld>
             <a:endParaRPr lang="ko-KR" altLang="en-US"/>
           </a:p>
@@ -2789,7 +2888,7 @@
           <a:p>
             <a:fld id="{10C5FEB5-5F88-4F49-9108-1795E314F09F}" type="datetime1">
               <a:rPr lang="ko-KR" altLang="en-US" smtClean="0"/>
-              <a:t>2024-12-11</a:t>
+              <a:t>2025-05-26</a:t>
             </a:fld>
             <a:endParaRPr lang="ko-KR" altLang="en-US"/>
           </a:p>
@@ -3100,7 +3199,7 @@
           <a:p>
             <a:fld id="{E37ABBEE-D8D4-48AD-9887-4DC578B8A684}" type="datetime1">
               <a:rPr lang="ko-KR" altLang="en-US" smtClean="0"/>
-              <a:t>2024-12-11</a:t>
+              <a:t>2025-05-26</a:t>
             </a:fld>
             <a:endParaRPr lang="ko-KR" altLang="en-US"/>
           </a:p>
@@ -3391,7 +3490,7 @@
           <a:p>
             <a:fld id="{A2D6A55C-F3DD-45DD-9D50-F8680410167D}" type="datetime1">
               <a:rPr lang="ko-KR" altLang="en-US" smtClean="0"/>
-              <a:t>2024-12-11</a:t>
+              <a:t>2025-05-26</a:t>
             </a:fld>
             <a:endParaRPr lang="ko-KR" altLang="en-US"/>
           </a:p>
@@ -3635,7 +3734,7 @@
             <a:fld id="{7F5E23C3-0E3D-4E4E-8486-D7FB4C073DC1}" type="datetime1">
               <a:rPr lang="ko-KR" altLang="en-US" smtClean="0"/>
               <a:pPr/>
-              <a:t>2024-12-11</a:t>
+              <a:t>2025-05-26</a:t>
             </a:fld>
             <a:endParaRPr lang="ko-KR" altLang="en-US" dirty="0"/>
           </a:p>
@@ -3751,7 +3850,7 @@
           <p:nvPr/>
         </p:nvPicPr>
         <p:blipFill>
-          <a:blip r:embed="rId13">
+          <a:blip r:embed="rId13" cstate="hqprint">
             <a:extLst>
               <a:ext uri="{28A0092B-C50C-407E-A947-70E740481C1C}">
                 <a14:useLocalDpi xmlns:a14="http://schemas.microsoft.com/office/drawing/2010/main" val="0"/>
@@ -4099,179 +4198,361 @@
           <p:cNvPr id="2" name="제목 1">
             <a:extLst>
               <a:ext uri="{FF2B5EF4-FFF2-40B4-BE49-F238E27FC236}">
-                <a16:creationId xmlns:a16="http://schemas.microsoft.com/office/drawing/2014/main" id="{CBEFE122-E831-904C-0AAE-87F481BD3AE0}"/>
-              </a:ext>
-            </a:extLst>
-          </p:cNvPr>
-          <p:cNvSpPr>
-            <a:spLocks noGrp="1"/>
-          </p:cNvSpPr>
-          <p:nvPr>
-            <p:ph type="ctrTitle"/>
-          </p:nvPr>
-        </p:nvSpPr>
-        <p:spPr/>
-        <p:txBody>
-          <a:bodyPr/>
-          <a:lstStyle/>
-          <a:p>
-            <a:r>
-              <a:rPr lang="en-US" altLang="ko-KR" b="1" dirty="0">
-                <a:solidFill>
-                  <a:schemeClr val="accent2"/>
-                </a:solidFill>
-              </a:rPr>
-              <a:t>    </a:t>
-            </a:r>
-            <a:r>
-              <a:rPr lang="en-US" altLang="ko-KR" b="1" dirty="0">
-                <a:latin typeface="나눔바른고딕" panose="020B0603020101020101" pitchFamily="50" charset="-127"/>
-                <a:ea typeface="나눔바른고딕" panose="020B0603020101020101" pitchFamily="50" charset="-127"/>
-              </a:rPr>
-              <a:t>x</a:t>
-            </a:r>
-            <a:endParaRPr lang="ko-KR" altLang="en-US" b="1" dirty="0">
-              <a:solidFill>
-                <a:srgbClr val="0070C0"/>
-              </a:solidFill>
-              <a:latin typeface="나눔바른고딕" panose="020B0603020101020101" pitchFamily="50" charset="-127"/>
-              <a:ea typeface="나눔바른고딕" panose="020B0603020101020101" pitchFamily="50" charset="-127"/>
-            </a:endParaRPr>
-          </a:p>
-        </p:txBody>
-      </p:sp>
-      <p:pic>
-        <p:nvPicPr>
-          <p:cNvPr id="9" name="그림 8">
-            <a:extLst>
-              <a:ext uri="{FF2B5EF4-FFF2-40B4-BE49-F238E27FC236}">
-                <a16:creationId xmlns:a16="http://schemas.microsoft.com/office/drawing/2014/main" id="{CE78D3EA-D15D-AC23-FCDE-3921C42927AA}"/>
-              </a:ext>
-            </a:extLst>
-          </p:cNvPr>
-          <p:cNvPicPr>
-            <a:picLocks noChangeAspect="1"/>
-          </p:cNvPicPr>
-          <p:nvPr/>
-        </p:nvPicPr>
-        <p:blipFill>
-          <a:blip r:embed="rId3">
-            <a:extLst>
-              <a:ext uri="{28A0092B-C50C-407E-A947-70E740481C1C}">
-                <a14:useLocalDpi xmlns:a14="http://schemas.microsoft.com/office/drawing/2010/main" val="0"/>
-              </a:ext>
-            </a:extLst>
-          </a:blip>
-          <a:stretch>
-            <a:fillRect/>
-          </a:stretch>
-        </p:blipFill>
-        <p:spPr>
-          <a:xfrm>
-            <a:off x="7069307" y="2667000"/>
-            <a:ext cx="2996917" cy="935038"/>
-          </a:xfrm>
-          <a:prstGeom prst="rect">
-            <a:avLst/>
-          </a:prstGeom>
-        </p:spPr>
-      </p:pic>
-      <p:pic>
-        <p:nvPicPr>
-          <p:cNvPr id="7" name="그림 6">
-            <a:extLst>
-              <a:ext uri="{FF2B5EF4-FFF2-40B4-BE49-F238E27FC236}">
-                <a16:creationId xmlns:a16="http://schemas.microsoft.com/office/drawing/2014/main" id="{63D59D44-8929-10F4-AB8C-A6FAA90497EF}"/>
-              </a:ext>
-            </a:extLst>
-          </p:cNvPr>
-          <p:cNvPicPr>
-            <a:picLocks noChangeAspect="1"/>
-          </p:cNvPicPr>
-          <p:nvPr/>
-        </p:nvPicPr>
-        <p:blipFill>
-          <a:blip r:embed="rId4">
-            <a:extLst>
-              <a:ext uri="{28A0092B-C50C-407E-A947-70E740481C1C}">
-                <a14:useLocalDpi xmlns:a14="http://schemas.microsoft.com/office/drawing/2010/main" val="0"/>
-              </a:ext>
-            </a:extLst>
-          </a:blip>
-          <a:stretch>
-            <a:fillRect/>
-          </a:stretch>
-        </p:blipFill>
-        <p:spPr>
-          <a:xfrm>
-            <a:off x="2363836" y="2667000"/>
-            <a:ext cx="3698753" cy="795104"/>
-          </a:xfrm>
-          <a:prstGeom prst="rect">
-            <a:avLst/>
-          </a:prstGeom>
-        </p:spPr>
-      </p:pic>
-      <p:sp>
-        <p:nvSpPr>
-          <p:cNvPr id="6" name="부제목 5">
-            <a:extLst>
-              <a:ext uri="{FF2B5EF4-FFF2-40B4-BE49-F238E27FC236}">
-                <a16:creationId xmlns:a16="http://schemas.microsoft.com/office/drawing/2014/main" id="{FF576DF6-99CD-A87A-B713-47EC34274334}"/>
-              </a:ext>
-            </a:extLst>
-          </p:cNvPr>
-          <p:cNvSpPr>
-            <a:spLocks noGrp="1"/>
-          </p:cNvSpPr>
-          <p:nvPr>
-            <p:ph type="subTitle" idx="1"/>
-          </p:nvPr>
-        </p:nvSpPr>
-        <p:spPr/>
-        <p:txBody>
-          <a:bodyPr/>
-          <a:lstStyle/>
-          <a:p>
-            <a:r>
-              <a:rPr lang="en-US" altLang="ko-KR" dirty="0"/>
-              <a:t>K-Digital Training  </a:t>
-            </a:r>
-            <a:r>
-              <a:rPr lang="ko-KR" altLang="en-US" dirty="0" err="1"/>
-              <a:t>스마트팩토리</a:t>
-            </a:r>
+                <a16:creationId xmlns:a16="http://schemas.microsoft.com/office/drawing/2014/main" id="{15672117-1215-C3DF-77AC-07D54AB22051}"/>
+              </a:ext>
+            </a:extLst>
+          </p:cNvPr>
+          <p:cNvSpPr>
+            <a:spLocks noGrp="1"/>
+          </p:cNvSpPr>
+          <p:nvPr>
+            <p:ph type="title"/>
+          </p:nvPr>
+        </p:nvSpPr>
+        <p:spPr/>
+        <p:txBody>
+          <a:bodyPr/>
+          <a:lstStyle/>
+          <a:p>
             <a:r>
               <a:rPr lang="ko-KR" altLang="en-US" dirty="0"/>
-              <a:t> 단기 </a:t>
-            </a:r>
-            <a:r>
-              <a:rPr lang="en-US" altLang="ko-KR" dirty="0"/>
-              <a:t>3</a:t>
-            </a:r>
+              <a:t>릴리즈 빌드</a:t>
+            </a:r>
+          </a:p>
+        </p:txBody>
+      </p:sp>
+      <p:sp>
+        <p:nvSpPr>
+          <p:cNvPr id="3" name="내용 개체 틀 2">
+            <a:extLst>
+              <a:ext uri="{FF2B5EF4-FFF2-40B4-BE49-F238E27FC236}">
+                <a16:creationId xmlns:a16="http://schemas.microsoft.com/office/drawing/2014/main" id="{7467AB6C-494C-2C1F-67AC-F5513D30568C}"/>
+              </a:ext>
+            </a:extLst>
+          </p:cNvPr>
+          <p:cNvSpPr>
+            <a:spLocks noGrp="1"/>
+          </p:cNvSpPr>
+          <p:nvPr>
+            <p:ph idx="1"/>
+          </p:nvPr>
+        </p:nvSpPr>
+        <p:spPr/>
+        <p:txBody>
+          <a:bodyPr/>
+          <a:lstStyle/>
+          <a:p>
             <a:r>
               <a:rPr lang="ko-KR" altLang="en-US" dirty="0"/>
-              <a:t>기</a:t>
-            </a:r>
-          </a:p>
-          <a:p>
-            <a:endParaRPr lang="ko-KR" altLang="en-US" dirty="0"/>
-          </a:p>
-          <a:p>
-            <a:endParaRPr lang="ko-KR" altLang="en-US" dirty="0"/>
-          </a:p>
-          <a:p>
-            <a:endParaRPr lang="ko-KR" altLang="en-US" dirty="0"/>
-          </a:p>
-          <a:p>
-            <a:endParaRPr lang="ko-KR" altLang="en-US" dirty="0"/>
-          </a:p>
-        </p:txBody>
-      </p:sp>
+              <a:t>코드 실행 결과는 동일</a:t>
+            </a:r>
+          </a:p>
+        </p:txBody>
+      </p:sp>
+      <p:sp>
+        <p:nvSpPr>
+          <p:cNvPr id="4" name="날짜 개체 틀 3">
+            <a:extLst>
+              <a:ext uri="{FF2B5EF4-FFF2-40B4-BE49-F238E27FC236}">
+                <a16:creationId xmlns:a16="http://schemas.microsoft.com/office/drawing/2014/main" id="{AB7580D8-0674-1F59-341E-CF8E218CABA0}"/>
+              </a:ext>
+            </a:extLst>
+          </p:cNvPr>
+          <p:cNvSpPr>
+            <a:spLocks noGrp="1"/>
+          </p:cNvSpPr>
+          <p:nvPr>
+            <p:ph type="dt" sz="half" idx="10"/>
+          </p:nvPr>
+        </p:nvSpPr>
+        <p:spPr/>
+        <p:txBody>
+          <a:bodyPr/>
+          <a:lstStyle/>
+          <a:p>
+            <a:fld id="{0F78D9C4-20C1-4B15-A116-16DC77AD9A1E}" type="datetime1">
+              <a:rPr lang="ko-KR" altLang="en-US" smtClean="0"/>
+              <a:t>2025-05-26</a:t>
+            </a:fld>
+            <a:endParaRPr lang="ko-KR" altLang="en-US"/>
+          </a:p>
+        </p:txBody>
+      </p:sp>
+      <p:sp>
+        <p:nvSpPr>
+          <p:cNvPr id="5" name="슬라이드 번호 개체 틀 4">
+            <a:extLst>
+              <a:ext uri="{FF2B5EF4-FFF2-40B4-BE49-F238E27FC236}">
+                <a16:creationId xmlns:a16="http://schemas.microsoft.com/office/drawing/2014/main" id="{2644C262-F118-1637-D7E6-29B396333A0D}"/>
+              </a:ext>
+            </a:extLst>
+          </p:cNvPr>
+          <p:cNvSpPr>
+            <a:spLocks noGrp="1"/>
+          </p:cNvSpPr>
+          <p:nvPr>
+            <p:ph type="sldNum" sz="quarter" idx="12"/>
+          </p:nvPr>
+        </p:nvSpPr>
+        <p:spPr/>
+        <p:txBody>
+          <a:bodyPr/>
+          <a:lstStyle/>
+          <a:p>
+            <a:fld id="{083A2CE0-18CD-4102-B738-4ACFF9E68BA4}" type="slidenum">
+              <a:rPr lang="ko-KR" altLang="en-US" smtClean="0"/>
+              <a:t>1</a:t>
+            </a:fld>
+            <a:endParaRPr lang="ko-KR" altLang="en-US"/>
+          </a:p>
+        </p:txBody>
+      </p:sp>
+      <p:graphicFrame>
+        <p:nvGraphicFramePr>
+          <p:cNvPr id="6" name="표 5">
+            <a:extLst>
+              <a:ext uri="{FF2B5EF4-FFF2-40B4-BE49-F238E27FC236}">
+                <a16:creationId xmlns:a16="http://schemas.microsoft.com/office/drawing/2014/main" id="{3A488628-0F6A-B4CE-6F55-BE915DA1DCF5}"/>
+              </a:ext>
+            </a:extLst>
+          </p:cNvPr>
+          <p:cNvGraphicFramePr>
+            <a:graphicFrameLocks noGrp="1"/>
+          </p:cNvGraphicFramePr>
+          <p:nvPr>
+            <p:extLst/>
+          </p:nvPr>
+        </p:nvGraphicFramePr>
+        <p:xfrm>
+          <a:off x="1276120" y="2577419"/>
+          <a:ext cx="9639760" cy="3334442"/>
+        </p:xfrm>
+        <a:graphic>
+          <a:graphicData uri="http://schemas.openxmlformats.org/drawingml/2006/table">
+            <a:tbl>
+              <a:tblPr firstRow="1" bandRow="1">
+                <a:tableStyleId>{912C8C85-51F0-491E-9774-3900AFEF0FD7}</a:tableStyleId>
+              </a:tblPr>
+              <a:tblGrid>
+                <a:gridCol w="4819880">
+                  <a:extLst>
+                    <a:ext uri="{9D8B030D-6E8A-4147-A177-3AD203B41FA5}">
+                      <a16:colId xmlns:a16="http://schemas.microsoft.com/office/drawing/2014/main" val="2124534598"/>
+                    </a:ext>
+                  </a:extLst>
+                </a:gridCol>
+                <a:gridCol w="4819880">
+                  <a:extLst>
+                    <a:ext uri="{9D8B030D-6E8A-4147-A177-3AD203B41FA5}">
+                      <a16:colId xmlns:a16="http://schemas.microsoft.com/office/drawing/2014/main" val="174622155"/>
+                    </a:ext>
+                  </a:extLst>
+                </a:gridCol>
+              </a:tblGrid>
+              <a:tr h="499802">
+                <a:tc>
+                  <a:txBody>
+                    <a:bodyPr/>
+                    <a:lstStyle/>
+                    <a:p>
+                      <a:pPr algn="ctr" latinLnBrk="1"/>
+                      <a:r>
+                        <a:rPr lang="en-US" altLang="ko-KR" sz="2400" dirty="0"/>
+                        <a:t>Debug</a:t>
+                      </a:r>
+                      <a:endParaRPr lang="ko-KR" altLang="en-US" sz="2400" dirty="0"/>
+                    </a:p>
+                  </a:txBody>
+                  <a:tcPr/>
+                </a:tc>
+                <a:tc>
+                  <a:txBody>
+                    <a:bodyPr/>
+                    <a:lstStyle/>
+                    <a:p>
+                      <a:pPr algn="ctr" latinLnBrk="1"/>
+                      <a:r>
+                        <a:rPr lang="en-US" altLang="ko-KR" sz="2400" dirty="0"/>
+                        <a:t>Release</a:t>
+                      </a:r>
+                      <a:endParaRPr lang="ko-KR" altLang="en-US" sz="2400" dirty="0"/>
+                    </a:p>
+                  </a:txBody>
+                  <a:tcPr/>
+                </a:tc>
+                <a:extLst>
+                  <a:ext uri="{0D108BD9-81ED-4DB2-BD59-A6C34878D82A}">
+                    <a16:rowId xmlns:a16="http://schemas.microsoft.com/office/drawing/2014/main" val="4290322977"/>
+                  </a:ext>
+                </a:extLst>
+              </a:tr>
+              <a:tr h="2511140">
+                <a:tc>
+                  <a:txBody>
+                    <a:bodyPr/>
+                    <a:lstStyle/>
+                    <a:p>
+                      <a:pPr marL="342900" indent="-342900" algn="l" latinLnBrk="1">
+                        <a:lnSpc>
+                          <a:spcPct val="150000"/>
+                        </a:lnSpc>
+                        <a:buFont typeface="Arial" panose="020B0604020202020204" pitchFamily="34" charset="0"/>
+                        <a:buChar char="•"/>
+                      </a:pPr>
+                      <a:r>
+                        <a:rPr lang="ko-KR" altLang="en-US" sz="2000" dirty="0"/>
+                        <a:t>코드 최적화 없음</a:t>
+                      </a:r>
+                      <a:endParaRPr lang="en-US" altLang="ko-KR" sz="2000" dirty="0"/>
+                    </a:p>
+                    <a:p>
+                      <a:pPr marL="342900" indent="-342900" algn="l" latinLnBrk="1">
+                        <a:lnSpc>
+                          <a:spcPct val="150000"/>
+                        </a:lnSpc>
+                        <a:buFont typeface="Arial" panose="020B0604020202020204" pitchFamily="34" charset="0"/>
+                        <a:buChar char="•"/>
+                      </a:pPr>
+                      <a:r>
+                        <a:rPr lang="ko-KR" altLang="en-US" sz="2000" dirty="0"/>
+                        <a:t>코드 실행 속도 느림</a:t>
+                      </a:r>
+                      <a:endParaRPr lang="en-US" altLang="ko-KR" sz="2000" dirty="0"/>
+                    </a:p>
+                    <a:p>
+                      <a:pPr marL="342900" indent="-342900" algn="l" latinLnBrk="1">
+                        <a:lnSpc>
+                          <a:spcPct val="150000"/>
+                        </a:lnSpc>
+                        <a:buFont typeface="Arial" panose="020B0604020202020204" pitchFamily="34" charset="0"/>
+                        <a:buChar char="•"/>
+                      </a:pPr>
+                      <a:r>
+                        <a:rPr lang="ko-KR" altLang="en-US" sz="2000" dirty="0"/>
+                        <a:t>메모리 사용량이 많음</a:t>
+                      </a:r>
+                      <a:endParaRPr lang="en-US" altLang="ko-KR" sz="2000" dirty="0"/>
+                    </a:p>
+                    <a:p>
+                      <a:pPr marL="342900" indent="-342900" algn="l" latinLnBrk="1">
+                        <a:lnSpc>
+                          <a:spcPct val="150000"/>
+                        </a:lnSpc>
+                        <a:buFont typeface="Arial" panose="020B0604020202020204" pitchFamily="34" charset="0"/>
+                        <a:buChar char="•"/>
+                      </a:pPr>
+                      <a:r>
+                        <a:rPr lang="ko-KR" altLang="en-US" sz="2000" dirty="0"/>
+                        <a:t>실행 파일에 디버깅에 필요한 정보 포함</a:t>
+                      </a:r>
+                      <a:endParaRPr lang="en-US" altLang="ko-KR" sz="2000" dirty="0"/>
+                    </a:p>
+                    <a:p>
+                      <a:pPr marL="342900" indent="-342900" algn="l" latinLnBrk="1">
+                        <a:lnSpc>
+                          <a:spcPct val="150000"/>
+                        </a:lnSpc>
+                        <a:buFont typeface="Arial" panose="020B0604020202020204" pitchFamily="34" charset="0"/>
+                        <a:buChar char="•"/>
+                      </a:pPr>
+                      <a:r>
+                        <a:rPr lang="ko-KR" altLang="en-US" sz="2000" dirty="0"/>
+                        <a:t>컴파일 속도 빠름</a:t>
+                      </a:r>
+                    </a:p>
+                  </a:txBody>
+                  <a:tcPr/>
+                </a:tc>
+                <a:tc>
+                  <a:txBody>
+                    <a:bodyPr/>
+                    <a:lstStyle/>
+                    <a:p>
+                      <a:pPr marL="342900" indent="-342900" algn="l" latinLnBrk="1">
+                        <a:lnSpc>
+                          <a:spcPct val="150000"/>
+                        </a:lnSpc>
+                        <a:buFont typeface="Arial" panose="020B0604020202020204" pitchFamily="34" charset="0"/>
+                        <a:buChar char="•"/>
+                      </a:pPr>
+                      <a:r>
+                        <a:rPr lang="ko-KR" altLang="en-US" sz="2000" dirty="0"/>
+                        <a:t>코드 최적화 진행</a:t>
+                      </a:r>
+                      <a:endParaRPr lang="en-US" altLang="ko-KR" sz="2000" dirty="0"/>
+                    </a:p>
+                    <a:p>
+                      <a:pPr marL="342900" indent="-342900" algn="l" latinLnBrk="1">
+                        <a:lnSpc>
+                          <a:spcPct val="150000"/>
+                        </a:lnSpc>
+                        <a:buFont typeface="Arial" panose="020B0604020202020204" pitchFamily="34" charset="0"/>
+                        <a:buChar char="•"/>
+                      </a:pPr>
+                      <a:r>
+                        <a:rPr lang="ko-KR" altLang="en-US" sz="2000" dirty="0"/>
+                        <a:t>코드 실행 속도 빠름</a:t>
+                      </a:r>
+                      <a:endParaRPr lang="en-US" altLang="ko-KR" sz="2000" dirty="0"/>
+                    </a:p>
+                    <a:p>
+                      <a:pPr marL="342900" indent="-342900" algn="l" latinLnBrk="1">
+                        <a:lnSpc>
+                          <a:spcPct val="150000"/>
+                        </a:lnSpc>
+                        <a:buFont typeface="Arial" panose="020B0604020202020204" pitchFamily="34" charset="0"/>
+                        <a:buChar char="•"/>
+                      </a:pPr>
+                      <a:r>
+                        <a:rPr lang="ko-KR" altLang="en-US" sz="2000" dirty="0"/>
+                        <a:t>메모리 사용량이 적음</a:t>
+                      </a:r>
+                      <a:endParaRPr lang="en-US" altLang="ko-KR" sz="2000" dirty="0"/>
+                    </a:p>
+                    <a:p>
+                      <a:pPr marL="342900" indent="-342900" algn="l" latinLnBrk="1">
+                        <a:lnSpc>
+                          <a:spcPct val="150000"/>
+                        </a:lnSpc>
+                        <a:buFont typeface="Arial" panose="020B0604020202020204" pitchFamily="34" charset="0"/>
+                        <a:buChar char="•"/>
+                      </a:pPr>
+                      <a:r>
+                        <a:rPr lang="ko-KR" altLang="en-US" sz="2000" dirty="0"/>
+                        <a:t>디버깅에 필요한 정보가 거의 포함되지 않음</a:t>
+                      </a:r>
+                      <a:endParaRPr lang="en-US" altLang="ko-KR" sz="2000" dirty="0"/>
+                    </a:p>
+                    <a:p>
+                      <a:pPr marL="342900" indent="-342900" algn="l" latinLnBrk="1">
+                        <a:lnSpc>
+                          <a:spcPct val="150000"/>
+                        </a:lnSpc>
+                        <a:buFont typeface="Arial" panose="020B0604020202020204" pitchFamily="34" charset="0"/>
+                        <a:buChar char="•"/>
+                      </a:pPr>
+                      <a:r>
+                        <a:rPr lang="ko-KR" altLang="en-US" sz="2000" dirty="0"/>
+                        <a:t>최적화 때문에 컴파일 속도 느림</a:t>
+                      </a:r>
+                    </a:p>
+                  </a:txBody>
+                  <a:tcPr/>
+                </a:tc>
+                <a:extLst>
+                  <a:ext uri="{0D108BD9-81ED-4DB2-BD59-A6C34878D82A}">
+                    <a16:rowId xmlns:a16="http://schemas.microsoft.com/office/drawing/2014/main" val="1949447302"/>
+                  </a:ext>
+                </a:extLst>
+              </a:tr>
+            </a:tbl>
+          </a:graphicData>
+        </a:graphic>
+      </p:graphicFrame>
     </p:spTree>
     <p:extLst>
       <p:ext uri="{BB962C8B-B14F-4D97-AF65-F5344CB8AC3E}">
-        <p14:creationId xmlns:p14="http://schemas.microsoft.com/office/powerpoint/2010/main" val="2452028597"/>
+        <p14:creationId xmlns:p14="http://schemas.microsoft.com/office/powerpoint/2010/main" val="4272991361"/>
       </p:ext>
     </p:extLst>
   </p:cSld>
@@ -4350,13 +4631,61 @@
           <a:p>
             <a:r>
               <a:rPr lang="en-US" altLang="ko-KR" dirty="0"/>
-              <a:t>csv </a:t>
+              <a:t>Python</a:t>
             </a:r>
             <a:r>
               <a:rPr lang="ko-KR" altLang="en-US" dirty="0"/>
-              <a:t>로드</a:t>
+              <a:t>의 </a:t>
+            </a:r>
+            <a:r>
+              <a:rPr lang="en-US" altLang="ko-KR" dirty="0"/>
+              <a:t>pandas </a:t>
+            </a:r>
+            <a:r>
+              <a:rPr lang="ko-KR" altLang="en-US" dirty="0"/>
+              <a:t>라이브러리의 </a:t>
+            </a:r>
+            <a:r>
+              <a:rPr lang="en-US" altLang="ko-KR" dirty="0" err="1"/>
+              <a:t>DataFrame</a:t>
+            </a:r>
+            <a:r>
+              <a:rPr lang="ko-KR" altLang="en-US" dirty="0"/>
+              <a:t>과 유사한 데이터 구조</a:t>
             </a:r>
             <a:endParaRPr lang="en-US" altLang="ko-KR" dirty="0"/>
+          </a:p>
+          <a:p>
+            <a:r>
+              <a:rPr lang="ko-KR" altLang="en-US" dirty="0"/>
+              <a:t>데이터 조작 및 분석을 위해서 설계</a:t>
+            </a:r>
+            <a:endParaRPr lang="en-US" altLang="ko-KR" dirty="0"/>
+          </a:p>
+          <a:p>
+            <a:r>
+              <a:rPr lang="ko-KR" altLang="en-US" dirty="0"/>
+              <a:t>표 형식으로 데이터를 처리하는 방법 제공</a:t>
+            </a:r>
+            <a:endParaRPr lang="en-US" altLang="ko-KR" dirty="0"/>
+          </a:p>
+          <a:p>
+            <a:endParaRPr lang="en-US" altLang="ko-KR" dirty="0"/>
+          </a:p>
+          <a:p>
+            <a:r>
+              <a:rPr lang="en-US" altLang="ko-KR" b="1" dirty="0" err="1"/>
+              <a:t>Microsoft.Data.Analysis</a:t>
+            </a:r>
+            <a:r>
+              <a:rPr lang="en-US" altLang="ko-KR" b="1" dirty="0"/>
+              <a:t> </a:t>
+            </a:r>
+            <a:r>
+              <a:rPr lang="ko-KR" altLang="en-US" b="1" dirty="0"/>
+              <a:t>에 포함</a:t>
+            </a:r>
+            <a:endParaRPr lang="ko-KR" altLang="en-US" dirty="0"/>
           </a:p>
         </p:txBody>
       </p:sp>
@@ -4383,7 +4712,7 @@
           <a:p>
             <a:fld id="{0F78D9C4-20C1-4B15-A116-16DC77AD9A1E}" type="datetime1">
               <a:rPr lang="ko-KR" altLang="en-US" smtClean="0"/>
-              <a:t>2024-12-11</a:t>
+              <a:t>2025-05-26</a:t>
             </a:fld>
             <a:endParaRPr lang="ko-KR" altLang="en-US"/>
           </a:p>
@@ -4413,6 +4742,1502 @@
             <a:fld id="{083A2CE0-18CD-4102-B738-4ACFF9E68BA4}" type="slidenum">
               <a:rPr lang="ko-KR" altLang="en-US" smtClean="0"/>
               <a:t>10</a:t>
+            </a:fld>
+            <a:endParaRPr lang="ko-KR" altLang="en-US"/>
+          </a:p>
+        </p:txBody>
+      </p:sp>
+    </p:spTree>
+    <p:extLst>
+      <p:ext uri="{BB962C8B-B14F-4D97-AF65-F5344CB8AC3E}">
+        <p14:creationId xmlns:p14="http://schemas.microsoft.com/office/powerpoint/2010/main" val="488401202"/>
+      </p:ext>
+    </p:extLst>
+  </p:cSld>
+  <p:clrMapOvr>
+    <a:masterClrMapping/>
+  </p:clrMapOvr>
+</p:sld>
+</file>
+
+<file path=ppt/slides/slide11.xml><?xml version="1.0" encoding="utf-8"?>
+<p:sld xmlns:a="http://schemas.openxmlformats.org/drawingml/2006/main" xmlns:r="http://schemas.openxmlformats.org/officeDocument/2006/relationships" xmlns:p="http://schemas.openxmlformats.org/presentationml/2006/main">
+  <p:cSld>
+    <p:spTree>
+      <p:nvGrpSpPr>
+        <p:cNvPr id="1" name=""/>
+        <p:cNvGrpSpPr/>
+        <p:nvPr/>
+      </p:nvGrpSpPr>
+      <p:grpSpPr>
+        <a:xfrm>
+          <a:off x="0" y="0"/>
+          <a:ext cx="0" cy="0"/>
+          <a:chOff x="0" y="0"/>
+          <a:chExt cx="0" cy="0"/>
+        </a:xfrm>
+      </p:grpSpPr>
+      <p:sp>
+        <p:nvSpPr>
+          <p:cNvPr id="2" name="제목 1">
+            <a:extLst>
+              <a:ext uri="{FF2B5EF4-FFF2-40B4-BE49-F238E27FC236}">
+                <a16:creationId xmlns:a16="http://schemas.microsoft.com/office/drawing/2014/main" id="{061F91DF-B2CB-9B0A-089A-E7636D1C92E9}"/>
+              </a:ext>
+            </a:extLst>
+          </p:cNvPr>
+          <p:cNvSpPr>
+            <a:spLocks noGrp="1"/>
+          </p:cNvSpPr>
+          <p:nvPr>
+            <p:ph type="title"/>
+          </p:nvPr>
+        </p:nvSpPr>
+        <p:spPr/>
+        <p:txBody>
+          <a:bodyPr/>
+          <a:lstStyle/>
+          <a:p>
+            <a:r>
+              <a:rPr lang="en-US" altLang="ko-KR" dirty="0" err="1"/>
+              <a:t>DataFrame</a:t>
+            </a:r>
+            <a:r>
+              <a:rPr lang="en-US" altLang="ko-KR" dirty="0"/>
+              <a:t> </a:t>
+            </a:r>
+            <a:r>
+              <a:rPr lang="ko-KR" altLang="en-US" dirty="0"/>
+              <a:t>설치방법</a:t>
+            </a:r>
+          </a:p>
+        </p:txBody>
+      </p:sp>
+      <p:sp>
+        <p:nvSpPr>
+          <p:cNvPr id="6" name="내용 개체 틀 5">
+            <a:extLst>
+              <a:ext uri="{FF2B5EF4-FFF2-40B4-BE49-F238E27FC236}">
+                <a16:creationId xmlns:a16="http://schemas.microsoft.com/office/drawing/2014/main" id="{5EB2918C-1851-B2B5-60C1-B1A81C584C14}"/>
+              </a:ext>
+            </a:extLst>
+          </p:cNvPr>
+          <p:cNvSpPr>
+            <a:spLocks noGrp="1"/>
+          </p:cNvSpPr>
+          <p:nvPr>
+            <p:ph idx="1"/>
+          </p:nvPr>
+        </p:nvSpPr>
+        <p:spPr/>
+        <p:txBody>
+          <a:bodyPr/>
+          <a:lstStyle/>
+          <a:p>
+            <a:r>
+              <a:rPr lang="en-US" altLang="ko-KR" dirty="0"/>
+              <a:t>VS code</a:t>
+            </a:r>
+            <a:r>
+              <a:rPr lang="ko-KR" altLang="en-US" dirty="0"/>
+              <a:t>에 설치</a:t>
+            </a:r>
+            <a:endParaRPr lang="en-US" altLang="ko-KR" dirty="0"/>
+          </a:p>
+          <a:p>
+            <a:pPr lvl="1"/>
+            <a:r>
+              <a:rPr lang="en-US" altLang="ko-KR" b="1" dirty="0"/>
+              <a:t>Polyglot Notebooks </a:t>
+            </a:r>
+            <a:r>
+              <a:rPr lang="en-US" altLang="ko-KR" dirty="0"/>
+              <a:t>extension </a:t>
+            </a:r>
+            <a:r>
+              <a:rPr lang="ko-KR" altLang="en-US" dirty="0"/>
+              <a:t>설치</a:t>
+            </a:r>
+            <a:endParaRPr lang="en-US" altLang="ko-KR" dirty="0"/>
+          </a:p>
+          <a:p>
+            <a:pPr lvl="1"/>
+            <a:endParaRPr lang="en-US" altLang="ko-KR" dirty="0"/>
+          </a:p>
+          <a:p>
+            <a:pPr lvl="1"/>
+            <a:endParaRPr lang="en-US" altLang="ko-KR" dirty="0"/>
+          </a:p>
+          <a:p>
+            <a:pPr lvl="1"/>
+            <a:endParaRPr lang="en-US" altLang="ko-KR" dirty="0"/>
+          </a:p>
+          <a:p>
+            <a:pPr lvl="1"/>
+            <a:endParaRPr lang="en-US" altLang="ko-KR" dirty="0"/>
+          </a:p>
+          <a:p>
+            <a:pPr lvl="1"/>
+            <a:endParaRPr lang="en-US" altLang="ko-KR" dirty="0"/>
+          </a:p>
+          <a:p>
+            <a:pPr lvl="1"/>
+            <a:endParaRPr lang="en-US" altLang="ko-KR" dirty="0"/>
+          </a:p>
+        </p:txBody>
+      </p:sp>
+      <p:sp>
+        <p:nvSpPr>
+          <p:cNvPr id="4" name="날짜 개체 틀 3">
+            <a:extLst>
+              <a:ext uri="{FF2B5EF4-FFF2-40B4-BE49-F238E27FC236}">
+                <a16:creationId xmlns:a16="http://schemas.microsoft.com/office/drawing/2014/main" id="{4C9F154D-80D0-D2D6-C02A-E28620F9963F}"/>
+              </a:ext>
+            </a:extLst>
+          </p:cNvPr>
+          <p:cNvSpPr>
+            <a:spLocks noGrp="1"/>
+          </p:cNvSpPr>
+          <p:nvPr>
+            <p:ph type="dt" sz="half" idx="10"/>
+          </p:nvPr>
+        </p:nvSpPr>
+        <p:spPr/>
+        <p:txBody>
+          <a:bodyPr/>
+          <a:lstStyle/>
+          <a:p>
+            <a:fld id="{0F78D9C4-20C1-4B15-A116-16DC77AD9A1E}" type="datetime1">
+              <a:rPr lang="ko-KR" altLang="en-US" smtClean="0"/>
+              <a:t>2025-05-26</a:t>
+            </a:fld>
+            <a:endParaRPr lang="ko-KR" altLang="en-US"/>
+          </a:p>
+        </p:txBody>
+      </p:sp>
+      <p:sp>
+        <p:nvSpPr>
+          <p:cNvPr id="5" name="슬라이드 번호 개체 틀 4">
+            <a:extLst>
+              <a:ext uri="{FF2B5EF4-FFF2-40B4-BE49-F238E27FC236}">
+                <a16:creationId xmlns:a16="http://schemas.microsoft.com/office/drawing/2014/main" id="{7AAAC558-F07A-2E7F-8713-874FAB29BA07}"/>
+              </a:ext>
+            </a:extLst>
+          </p:cNvPr>
+          <p:cNvSpPr>
+            <a:spLocks noGrp="1"/>
+          </p:cNvSpPr>
+          <p:nvPr>
+            <p:ph type="sldNum" sz="quarter" idx="12"/>
+          </p:nvPr>
+        </p:nvSpPr>
+        <p:spPr/>
+        <p:txBody>
+          <a:bodyPr/>
+          <a:lstStyle/>
+          <a:p>
+            <a:fld id="{083A2CE0-18CD-4102-B738-4ACFF9E68BA4}" type="slidenum">
+              <a:rPr lang="ko-KR" altLang="en-US" smtClean="0"/>
+              <a:t>11</a:t>
+            </a:fld>
+            <a:endParaRPr lang="ko-KR" altLang="en-US"/>
+          </a:p>
+        </p:txBody>
+      </p:sp>
+      <p:pic>
+        <p:nvPicPr>
+          <p:cNvPr id="7" name="그림 6">
+            <a:extLst>
+              <a:ext uri="{FF2B5EF4-FFF2-40B4-BE49-F238E27FC236}">
+                <a16:creationId xmlns:a16="http://schemas.microsoft.com/office/drawing/2014/main" id="{173CC92C-6C13-5AC5-38E3-C8A89BC4ABFB}"/>
+              </a:ext>
+            </a:extLst>
+          </p:cNvPr>
+          <p:cNvPicPr>
+            <a:picLocks noChangeAspect="1"/>
+          </p:cNvPicPr>
+          <p:nvPr/>
+        </p:nvPicPr>
+        <p:blipFill>
+          <a:blip r:embed="rId2"/>
+          <a:stretch>
+            <a:fillRect/>
+          </a:stretch>
+        </p:blipFill>
+        <p:spPr>
+          <a:xfrm>
+            <a:off x="1597704" y="2767299"/>
+            <a:ext cx="7421011" cy="2181529"/>
+          </a:xfrm>
+          <a:prstGeom prst="rect">
+            <a:avLst/>
+          </a:prstGeom>
+        </p:spPr>
+      </p:pic>
+    </p:spTree>
+    <p:extLst>
+      <p:ext uri="{BB962C8B-B14F-4D97-AF65-F5344CB8AC3E}">
+        <p14:creationId xmlns:p14="http://schemas.microsoft.com/office/powerpoint/2010/main" val="1076201096"/>
+      </p:ext>
+    </p:extLst>
+  </p:cSld>
+  <p:clrMapOvr>
+    <a:masterClrMapping/>
+  </p:clrMapOvr>
+</p:sld>
+</file>
+
+<file path=ppt/slides/slide12.xml><?xml version="1.0" encoding="utf-8"?>
+<p:sld xmlns:a="http://schemas.openxmlformats.org/drawingml/2006/main" xmlns:r="http://schemas.openxmlformats.org/officeDocument/2006/relationships" xmlns:p="http://schemas.openxmlformats.org/presentationml/2006/main">
+  <p:cSld>
+    <p:spTree>
+      <p:nvGrpSpPr>
+        <p:cNvPr id="1" name=""/>
+        <p:cNvGrpSpPr/>
+        <p:nvPr/>
+      </p:nvGrpSpPr>
+      <p:grpSpPr>
+        <a:xfrm>
+          <a:off x="0" y="0"/>
+          <a:ext cx="0" cy="0"/>
+          <a:chOff x="0" y="0"/>
+          <a:chExt cx="0" cy="0"/>
+        </a:xfrm>
+      </p:grpSpPr>
+      <p:sp>
+        <p:nvSpPr>
+          <p:cNvPr id="2" name="제목 1">
+            <a:extLst>
+              <a:ext uri="{FF2B5EF4-FFF2-40B4-BE49-F238E27FC236}">
+                <a16:creationId xmlns:a16="http://schemas.microsoft.com/office/drawing/2014/main" id="{061F91DF-B2CB-9B0A-089A-E7636D1C92E9}"/>
+              </a:ext>
+            </a:extLst>
+          </p:cNvPr>
+          <p:cNvSpPr>
+            <a:spLocks noGrp="1"/>
+          </p:cNvSpPr>
+          <p:nvPr>
+            <p:ph type="title"/>
+          </p:nvPr>
+        </p:nvSpPr>
+        <p:spPr/>
+        <p:txBody>
+          <a:bodyPr/>
+          <a:lstStyle/>
+          <a:p>
+            <a:r>
+              <a:rPr lang="en-US" altLang="ko-KR" dirty="0" err="1"/>
+              <a:t>DataFrame</a:t>
+            </a:r>
+            <a:r>
+              <a:rPr lang="en-US" altLang="ko-KR" dirty="0"/>
+              <a:t> </a:t>
+            </a:r>
+            <a:r>
+              <a:rPr lang="ko-KR" altLang="en-US" dirty="0"/>
+              <a:t>설치방법</a:t>
+            </a:r>
+          </a:p>
+        </p:txBody>
+      </p:sp>
+      <p:sp>
+        <p:nvSpPr>
+          <p:cNvPr id="6" name="내용 개체 틀 5">
+            <a:extLst>
+              <a:ext uri="{FF2B5EF4-FFF2-40B4-BE49-F238E27FC236}">
+                <a16:creationId xmlns:a16="http://schemas.microsoft.com/office/drawing/2014/main" id="{5EB2918C-1851-B2B5-60C1-B1A81C584C14}"/>
+              </a:ext>
+            </a:extLst>
+          </p:cNvPr>
+          <p:cNvSpPr>
+            <a:spLocks noGrp="1"/>
+          </p:cNvSpPr>
+          <p:nvPr>
+            <p:ph idx="1"/>
+          </p:nvPr>
+        </p:nvSpPr>
+        <p:spPr/>
+        <p:txBody>
+          <a:bodyPr/>
+          <a:lstStyle/>
+          <a:p>
+            <a:r>
+              <a:rPr lang="en-US" altLang="ko-KR" dirty="0"/>
+              <a:t>VS code</a:t>
+            </a:r>
+            <a:r>
+              <a:rPr lang="ko-KR" altLang="en-US" dirty="0"/>
+              <a:t>에 설치</a:t>
+            </a:r>
+            <a:endParaRPr lang="en-US" altLang="ko-KR" dirty="0"/>
+          </a:p>
+          <a:p>
+            <a:pPr lvl="1"/>
+            <a:r>
+              <a:rPr lang="ko-KR" altLang="en-US" dirty="0"/>
+              <a:t>커널을 </a:t>
+            </a:r>
+            <a:r>
+              <a:rPr lang="en-US" altLang="ko-KR" b="1" dirty="0"/>
+              <a:t>.NET Interactive</a:t>
+            </a:r>
+            <a:r>
+              <a:rPr lang="en-US" altLang="ko-KR" dirty="0"/>
+              <a:t> </a:t>
+            </a:r>
+            <a:r>
+              <a:rPr lang="ko-KR" altLang="en-US" dirty="0"/>
+              <a:t>선택</a:t>
+            </a:r>
+          </a:p>
+        </p:txBody>
+      </p:sp>
+      <p:sp>
+        <p:nvSpPr>
+          <p:cNvPr id="4" name="날짜 개체 틀 3">
+            <a:extLst>
+              <a:ext uri="{FF2B5EF4-FFF2-40B4-BE49-F238E27FC236}">
+                <a16:creationId xmlns:a16="http://schemas.microsoft.com/office/drawing/2014/main" id="{4C9F154D-80D0-D2D6-C02A-E28620F9963F}"/>
+              </a:ext>
+            </a:extLst>
+          </p:cNvPr>
+          <p:cNvSpPr>
+            <a:spLocks noGrp="1"/>
+          </p:cNvSpPr>
+          <p:nvPr>
+            <p:ph type="dt" sz="half" idx="10"/>
+          </p:nvPr>
+        </p:nvSpPr>
+        <p:spPr/>
+        <p:txBody>
+          <a:bodyPr/>
+          <a:lstStyle/>
+          <a:p>
+            <a:fld id="{0F78D9C4-20C1-4B15-A116-16DC77AD9A1E}" type="datetime1">
+              <a:rPr lang="ko-KR" altLang="en-US" smtClean="0"/>
+              <a:t>2025-05-26</a:t>
+            </a:fld>
+            <a:endParaRPr lang="ko-KR" altLang="en-US"/>
+          </a:p>
+        </p:txBody>
+      </p:sp>
+      <p:sp>
+        <p:nvSpPr>
+          <p:cNvPr id="5" name="슬라이드 번호 개체 틀 4">
+            <a:extLst>
+              <a:ext uri="{FF2B5EF4-FFF2-40B4-BE49-F238E27FC236}">
+                <a16:creationId xmlns:a16="http://schemas.microsoft.com/office/drawing/2014/main" id="{7AAAC558-F07A-2E7F-8713-874FAB29BA07}"/>
+              </a:ext>
+            </a:extLst>
+          </p:cNvPr>
+          <p:cNvSpPr>
+            <a:spLocks noGrp="1"/>
+          </p:cNvSpPr>
+          <p:nvPr>
+            <p:ph type="sldNum" sz="quarter" idx="12"/>
+          </p:nvPr>
+        </p:nvSpPr>
+        <p:spPr/>
+        <p:txBody>
+          <a:bodyPr/>
+          <a:lstStyle/>
+          <a:p>
+            <a:fld id="{083A2CE0-18CD-4102-B738-4ACFF9E68BA4}" type="slidenum">
+              <a:rPr lang="ko-KR" altLang="en-US" smtClean="0"/>
+              <a:t>12</a:t>
+            </a:fld>
+            <a:endParaRPr lang="ko-KR" altLang="en-US"/>
+          </a:p>
+        </p:txBody>
+      </p:sp>
+      <p:pic>
+        <p:nvPicPr>
+          <p:cNvPr id="8" name="그림 7">
+            <a:extLst>
+              <a:ext uri="{FF2B5EF4-FFF2-40B4-BE49-F238E27FC236}">
+                <a16:creationId xmlns:a16="http://schemas.microsoft.com/office/drawing/2014/main" id="{24AE81E7-7A60-6CE0-377E-9ED4A227B406}"/>
+              </a:ext>
+            </a:extLst>
+          </p:cNvPr>
+          <p:cNvPicPr>
+            <a:picLocks noChangeAspect="1"/>
+          </p:cNvPicPr>
+          <p:nvPr/>
+        </p:nvPicPr>
+        <p:blipFill>
+          <a:blip r:embed="rId2"/>
+          <a:stretch>
+            <a:fillRect/>
+          </a:stretch>
+        </p:blipFill>
+        <p:spPr>
+          <a:xfrm>
+            <a:off x="1656587" y="2766920"/>
+            <a:ext cx="7878274" cy="1324160"/>
+          </a:xfrm>
+          <a:prstGeom prst="rect">
+            <a:avLst/>
+          </a:prstGeom>
+        </p:spPr>
+      </p:pic>
+    </p:spTree>
+    <p:extLst>
+      <p:ext uri="{BB962C8B-B14F-4D97-AF65-F5344CB8AC3E}">
+        <p14:creationId xmlns:p14="http://schemas.microsoft.com/office/powerpoint/2010/main" val="320472504"/>
+      </p:ext>
+    </p:extLst>
+  </p:cSld>
+  <p:clrMapOvr>
+    <a:masterClrMapping/>
+  </p:clrMapOvr>
+</p:sld>
+</file>
+
+<file path=ppt/slides/slide13.xml><?xml version="1.0" encoding="utf-8"?>
+<p:sld xmlns:a="http://schemas.openxmlformats.org/drawingml/2006/main" xmlns:r="http://schemas.openxmlformats.org/officeDocument/2006/relationships" xmlns:p="http://schemas.openxmlformats.org/presentationml/2006/main">
+  <p:cSld>
+    <p:spTree>
+      <p:nvGrpSpPr>
+        <p:cNvPr id="1" name=""/>
+        <p:cNvGrpSpPr/>
+        <p:nvPr/>
+      </p:nvGrpSpPr>
+      <p:grpSpPr>
+        <a:xfrm>
+          <a:off x="0" y="0"/>
+          <a:ext cx="0" cy="0"/>
+          <a:chOff x="0" y="0"/>
+          <a:chExt cx="0" cy="0"/>
+        </a:xfrm>
+      </p:grpSpPr>
+      <p:sp>
+        <p:nvSpPr>
+          <p:cNvPr id="2" name="제목 1">
+            <a:extLst>
+              <a:ext uri="{FF2B5EF4-FFF2-40B4-BE49-F238E27FC236}">
+                <a16:creationId xmlns:a16="http://schemas.microsoft.com/office/drawing/2014/main" id="{061F91DF-B2CB-9B0A-089A-E7636D1C92E9}"/>
+              </a:ext>
+            </a:extLst>
+          </p:cNvPr>
+          <p:cNvSpPr>
+            <a:spLocks noGrp="1"/>
+          </p:cNvSpPr>
+          <p:nvPr>
+            <p:ph type="title"/>
+          </p:nvPr>
+        </p:nvSpPr>
+        <p:spPr/>
+        <p:txBody>
+          <a:bodyPr/>
+          <a:lstStyle/>
+          <a:p>
+            <a:r>
+              <a:rPr lang="en-US" altLang="ko-KR" dirty="0" err="1"/>
+              <a:t>DataFrame</a:t>
+            </a:r>
+            <a:r>
+              <a:rPr lang="en-US" altLang="ko-KR" dirty="0"/>
+              <a:t> </a:t>
+            </a:r>
+            <a:r>
+              <a:rPr lang="ko-KR" altLang="en-US" dirty="0"/>
+              <a:t>설치방법</a:t>
+            </a:r>
+          </a:p>
+        </p:txBody>
+      </p:sp>
+      <p:sp>
+        <p:nvSpPr>
+          <p:cNvPr id="6" name="내용 개체 틀 5">
+            <a:extLst>
+              <a:ext uri="{FF2B5EF4-FFF2-40B4-BE49-F238E27FC236}">
+                <a16:creationId xmlns:a16="http://schemas.microsoft.com/office/drawing/2014/main" id="{5EB2918C-1851-B2B5-60C1-B1A81C584C14}"/>
+              </a:ext>
+            </a:extLst>
+          </p:cNvPr>
+          <p:cNvSpPr>
+            <a:spLocks noGrp="1"/>
+          </p:cNvSpPr>
+          <p:nvPr>
+            <p:ph idx="1"/>
+          </p:nvPr>
+        </p:nvSpPr>
+        <p:spPr/>
+        <p:txBody>
+          <a:bodyPr/>
+          <a:lstStyle/>
+          <a:p>
+            <a:r>
+              <a:rPr lang="en-US" altLang="ko-KR" dirty="0"/>
+              <a:t>Jupiter</a:t>
+            </a:r>
+            <a:r>
+              <a:rPr lang="ko-KR" altLang="en-US" dirty="0"/>
+              <a:t> </a:t>
+            </a:r>
+            <a:r>
+              <a:rPr lang="en-US" altLang="ko-KR" dirty="0"/>
+              <a:t>Notebook</a:t>
+            </a:r>
+            <a:r>
+              <a:rPr lang="ko-KR" altLang="en-US" dirty="0"/>
+              <a:t>에 설치</a:t>
+            </a:r>
+            <a:endParaRPr lang="en-US" altLang="ko-KR" dirty="0"/>
+          </a:p>
+          <a:p>
+            <a:pPr lvl="1"/>
+            <a:r>
+              <a:rPr lang="en-US" altLang="ko-KR" dirty="0"/>
+              <a:t>dotnet tool install -g </a:t>
+            </a:r>
+            <a:r>
+              <a:rPr lang="en-US" altLang="ko-KR" dirty="0" err="1"/>
+              <a:t>Microsoft.dotnet</a:t>
+            </a:r>
+            <a:r>
+              <a:rPr lang="en-US" altLang="ko-KR" dirty="0"/>
+              <a:t>-interactive </a:t>
+            </a:r>
+          </a:p>
+          <a:p>
+            <a:pPr lvl="1"/>
+            <a:r>
+              <a:rPr lang="ko-KR" altLang="en-US" dirty="0"/>
+              <a:t>실행 안될 경우에</a:t>
+            </a:r>
+            <a:endParaRPr lang="en-US" altLang="ko-KR" dirty="0"/>
+          </a:p>
+          <a:p>
+            <a:pPr lvl="2"/>
+            <a:r>
+              <a:rPr lang="en-US" altLang="ko-KR" dirty="0"/>
+              <a:t>dotnet </a:t>
+            </a:r>
+            <a:r>
+              <a:rPr lang="en-US" altLang="ko-KR" dirty="0" err="1"/>
+              <a:t>nuget</a:t>
+            </a:r>
+            <a:r>
+              <a:rPr lang="en-US" altLang="ko-KR" dirty="0"/>
+              <a:t> add source </a:t>
+            </a:r>
+            <a:r>
+              <a:rPr lang="en-US" altLang="ko-KR" dirty="0">
+                <a:hlinkClick r:id="rId2"/>
+              </a:rPr>
+              <a:t>https://api.nuget.org/v3/index.json -n nuget.org</a:t>
+            </a:r>
+            <a:endParaRPr lang="en-US" altLang="ko-KR" dirty="0"/>
+          </a:p>
+          <a:p>
+            <a:pPr lvl="2"/>
+            <a:r>
+              <a:rPr lang="ko-KR" altLang="en-US" dirty="0"/>
+              <a:t>위 명령어 실행 후 다시 실행</a:t>
+            </a:r>
+            <a:endParaRPr lang="en-US" altLang="ko-KR" dirty="0"/>
+          </a:p>
+          <a:p>
+            <a:pPr lvl="1"/>
+            <a:r>
+              <a:rPr lang="en-US" altLang="ko-KR" dirty="0"/>
+              <a:t>dotnet interactive </a:t>
+            </a:r>
+            <a:r>
+              <a:rPr lang="en-US" altLang="ko-KR" dirty="0" err="1"/>
+              <a:t>jupyter</a:t>
+            </a:r>
+            <a:r>
+              <a:rPr lang="en-US" altLang="ko-KR" dirty="0"/>
+              <a:t> install</a:t>
+            </a:r>
+          </a:p>
+          <a:p>
+            <a:pPr lvl="1"/>
+            <a:r>
+              <a:rPr lang="en-US" altLang="ko-KR" dirty="0" err="1"/>
+              <a:t>mkdir</a:t>
+            </a:r>
+            <a:r>
+              <a:rPr lang="en-US" altLang="ko-KR" dirty="0"/>
+              <a:t> -p C:\Users\SPREATICS\AppData\Roaming\jupyter\kernels</a:t>
+            </a:r>
+            <a:endParaRPr lang="ko-KR" altLang="en-US" dirty="0"/>
+          </a:p>
+        </p:txBody>
+      </p:sp>
+      <p:sp>
+        <p:nvSpPr>
+          <p:cNvPr id="4" name="날짜 개체 틀 3">
+            <a:extLst>
+              <a:ext uri="{FF2B5EF4-FFF2-40B4-BE49-F238E27FC236}">
+                <a16:creationId xmlns:a16="http://schemas.microsoft.com/office/drawing/2014/main" id="{4C9F154D-80D0-D2D6-C02A-E28620F9963F}"/>
+              </a:ext>
+            </a:extLst>
+          </p:cNvPr>
+          <p:cNvSpPr>
+            <a:spLocks noGrp="1"/>
+          </p:cNvSpPr>
+          <p:nvPr>
+            <p:ph type="dt" sz="half" idx="10"/>
+          </p:nvPr>
+        </p:nvSpPr>
+        <p:spPr/>
+        <p:txBody>
+          <a:bodyPr/>
+          <a:lstStyle/>
+          <a:p>
+            <a:fld id="{0F78D9C4-20C1-4B15-A116-16DC77AD9A1E}" type="datetime1">
+              <a:rPr lang="ko-KR" altLang="en-US" smtClean="0"/>
+              <a:t>2025-05-26</a:t>
+            </a:fld>
+            <a:endParaRPr lang="ko-KR" altLang="en-US"/>
+          </a:p>
+        </p:txBody>
+      </p:sp>
+      <p:sp>
+        <p:nvSpPr>
+          <p:cNvPr id="5" name="슬라이드 번호 개체 틀 4">
+            <a:extLst>
+              <a:ext uri="{FF2B5EF4-FFF2-40B4-BE49-F238E27FC236}">
+                <a16:creationId xmlns:a16="http://schemas.microsoft.com/office/drawing/2014/main" id="{7AAAC558-F07A-2E7F-8713-874FAB29BA07}"/>
+              </a:ext>
+            </a:extLst>
+          </p:cNvPr>
+          <p:cNvSpPr>
+            <a:spLocks noGrp="1"/>
+          </p:cNvSpPr>
+          <p:nvPr>
+            <p:ph type="sldNum" sz="quarter" idx="12"/>
+          </p:nvPr>
+        </p:nvSpPr>
+        <p:spPr/>
+        <p:txBody>
+          <a:bodyPr/>
+          <a:lstStyle/>
+          <a:p>
+            <a:fld id="{083A2CE0-18CD-4102-B738-4ACFF9E68BA4}" type="slidenum">
+              <a:rPr lang="ko-KR" altLang="en-US" smtClean="0"/>
+              <a:t>13</a:t>
+            </a:fld>
+            <a:endParaRPr lang="ko-KR" altLang="en-US"/>
+          </a:p>
+        </p:txBody>
+      </p:sp>
+    </p:spTree>
+    <p:extLst>
+      <p:ext uri="{BB962C8B-B14F-4D97-AF65-F5344CB8AC3E}">
+        <p14:creationId xmlns:p14="http://schemas.microsoft.com/office/powerpoint/2010/main" val="1868331962"/>
+      </p:ext>
+    </p:extLst>
+  </p:cSld>
+  <p:clrMapOvr>
+    <a:masterClrMapping/>
+  </p:clrMapOvr>
+</p:sld>
+</file>
+
+<file path=ppt/slides/slide14.xml><?xml version="1.0" encoding="utf-8"?>
+<p:sld xmlns:a="http://schemas.openxmlformats.org/drawingml/2006/main" xmlns:r="http://schemas.openxmlformats.org/officeDocument/2006/relationships" xmlns:p="http://schemas.openxmlformats.org/presentationml/2006/main">
+  <p:cSld>
+    <p:spTree>
+      <p:nvGrpSpPr>
+        <p:cNvPr id="1" name=""/>
+        <p:cNvGrpSpPr/>
+        <p:nvPr/>
+      </p:nvGrpSpPr>
+      <p:grpSpPr>
+        <a:xfrm>
+          <a:off x="0" y="0"/>
+          <a:ext cx="0" cy="0"/>
+          <a:chOff x="0" y="0"/>
+          <a:chExt cx="0" cy="0"/>
+        </a:xfrm>
+      </p:grpSpPr>
+      <p:sp>
+        <p:nvSpPr>
+          <p:cNvPr id="2" name="제목 1">
+            <a:extLst>
+              <a:ext uri="{FF2B5EF4-FFF2-40B4-BE49-F238E27FC236}">
+                <a16:creationId xmlns:a16="http://schemas.microsoft.com/office/drawing/2014/main" id="{061F91DF-B2CB-9B0A-089A-E7636D1C92E9}"/>
+              </a:ext>
+            </a:extLst>
+          </p:cNvPr>
+          <p:cNvSpPr>
+            <a:spLocks noGrp="1"/>
+          </p:cNvSpPr>
+          <p:nvPr>
+            <p:ph type="title"/>
+          </p:nvPr>
+        </p:nvSpPr>
+        <p:spPr/>
+        <p:txBody>
+          <a:bodyPr/>
+          <a:lstStyle/>
+          <a:p>
+            <a:r>
+              <a:rPr lang="en-US" altLang="ko-KR" dirty="0" err="1"/>
+              <a:t>DataFrame</a:t>
+            </a:r>
+            <a:r>
+              <a:rPr lang="en-US" altLang="ko-KR" dirty="0"/>
+              <a:t> </a:t>
+            </a:r>
+            <a:r>
+              <a:rPr lang="ko-KR" altLang="en-US" dirty="0"/>
+              <a:t>설치방법</a:t>
+            </a:r>
+          </a:p>
+        </p:txBody>
+      </p:sp>
+      <p:sp>
+        <p:nvSpPr>
+          <p:cNvPr id="6" name="내용 개체 틀 5">
+            <a:extLst>
+              <a:ext uri="{FF2B5EF4-FFF2-40B4-BE49-F238E27FC236}">
+                <a16:creationId xmlns:a16="http://schemas.microsoft.com/office/drawing/2014/main" id="{5EB2918C-1851-B2B5-60C1-B1A81C584C14}"/>
+              </a:ext>
+            </a:extLst>
+          </p:cNvPr>
+          <p:cNvSpPr>
+            <a:spLocks noGrp="1"/>
+          </p:cNvSpPr>
+          <p:nvPr>
+            <p:ph idx="1"/>
+          </p:nvPr>
+        </p:nvSpPr>
+        <p:spPr/>
+        <p:txBody>
+          <a:bodyPr/>
+          <a:lstStyle/>
+          <a:p>
+            <a:r>
+              <a:rPr lang="en-US" altLang="ko-KR" dirty="0"/>
+              <a:t>Jupiter</a:t>
+            </a:r>
+            <a:r>
+              <a:rPr lang="ko-KR" altLang="en-US" dirty="0"/>
+              <a:t> </a:t>
+            </a:r>
+            <a:r>
+              <a:rPr lang="en-US" altLang="ko-KR" dirty="0"/>
+              <a:t>Notebook</a:t>
+            </a:r>
+            <a:r>
+              <a:rPr lang="ko-KR" altLang="en-US" dirty="0"/>
+              <a:t>에 설치</a:t>
+            </a:r>
+            <a:endParaRPr lang="en-US" altLang="ko-KR" dirty="0"/>
+          </a:p>
+        </p:txBody>
+      </p:sp>
+      <p:sp>
+        <p:nvSpPr>
+          <p:cNvPr id="4" name="날짜 개체 틀 3">
+            <a:extLst>
+              <a:ext uri="{FF2B5EF4-FFF2-40B4-BE49-F238E27FC236}">
+                <a16:creationId xmlns:a16="http://schemas.microsoft.com/office/drawing/2014/main" id="{4C9F154D-80D0-D2D6-C02A-E28620F9963F}"/>
+              </a:ext>
+            </a:extLst>
+          </p:cNvPr>
+          <p:cNvSpPr>
+            <a:spLocks noGrp="1"/>
+          </p:cNvSpPr>
+          <p:nvPr>
+            <p:ph type="dt" sz="half" idx="10"/>
+          </p:nvPr>
+        </p:nvSpPr>
+        <p:spPr/>
+        <p:txBody>
+          <a:bodyPr/>
+          <a:lstStyle/>
+          <a:p>
+            <a:fld id="{0F78D9C4-20C1-4B15-A116-16DC77AD9A1E}" type="datetime1">
+              <a:rPr lang="ko-KR" altLang="en-US" smtClean="0"/>
+              <a:t>2025-05-26</a:t>
+            </a:fld>
+            <a:endParaRPr lang="ko-KR" altLang="en-US"/>
+          </a:p>
+        </p:txBody>
+      </p:sp>
+      <p:sp>
+        <p:nvSpPr>
+          <p:cNvPr id="5" name="슬라이드 번호 개체 틀 4">
+            <a:extLst>
+              <a:ext uri="{FF2B5EF4-FFF2-40B4-BE49-F238E27FC236}">
+                <a16:creationId xmlns:a16="http://schemas.microsoft.com/office/drawing/2014/main" id="{7AAAC558-F07A-2E7F-8713-874FAB29BA07}"/>
+              </a:ext>
+            </a:extLst>
+          </p:cNvPr>
+          <p:cNvSpPr>
+            <a:spLocks noGrp="1"/>
+          </p:cNvSpPr>
+          <p:nvPr>
+            <p:ph type="sldNum" sz="quarter" idx="12"/>
+          </p:nvPr>
+        </p:nvSpPr>
+        <p:spPr/>
+        <p:txBody>
+          <a:bodyPr/>
+          <a:lstStyle/>
+          <a:p>
+            <a:fld id="{083A2CE0-18CD-4102-B738-4ACFF9E68BA4}" type="slidenum">
+              <a:rPr lang="ko-KR" altLang="en-US" smtClean="0"/>
+              <a:t>14</a:t>
+            </a:fld>
+            <a:endParaRPr lang="ko-KR" altLang="en-US"/>
+          </a:p>
+        </p:txBody>
+      </p:sp>
+      <p:pic>
+        <p:nvPicPr>
+          <p:cNvPr id="7" name="그림 6">
+            <a:extLst>
+              <a:ext uri="{FF2B5EF4-FFF2-40B4-BE49-F238E27FC236}">
+                <a16:creationId xmlns:a16="http://schemas.microsoft.com/office/drawing/2014/main" id="{55808094-1BEB-1D3B-4234-2A9E418647CD}"/>
+              </a:ext>
+            </a:extLst>
+          </p:cNvPr>
+          <p:cNvPicPr>
+            <a:picLocks noChangeAspect="1"/>
+          </p:cNvPicPr>
+          <p:nvPr/>
+        </p:nvPicPr>
+        <p:blipFill>
+          <a:blip r:embed="rId2"/>
+          <a:stretch>
+            <a:fillRect/>
+          </a:stretch>
+        </p:blipFill>
+        <p:spPr>
+          <a:xfrm>
+            <a:off x="1223889" y="2547220"/>
+            <a:ext cx="7554379" cy="2410161"/>
+          </a:xfrm>
+          <a:prstGeom prst="rect">
+            <a:avLst/>
+          </a:prstGeom>
+        </p:spPr>
+      </p:pic>
+    </p:spTree>
+    <p:extLst>
+      <p:ext uri="{BB962C8B-B14F-4D97-AF65-F5344CB8AC3E}">
+        <p14:creationId xmlns:p14="http://schemas.microsoft.com/office/powerpoint/2010/main" val="2877573840"/>
+      </p:ext>
+    </p:extLst>
+  </p:cSld>
+  <p:clrMapOvr>
+    <a:masterClrMapping/>
+  </p:clrMapOvr>
+</p:sld>
+</file>
+
+<file path=ppt/slides/slide15.xml><?xml version="1.0" encoding="utf-8"?>
+<p:sld xmlns:a="http://schemas.openxmlformats.org/drawingml/2006/main" xmlns:r="http://schemas.openxmlformats.org/officeDocument/2006/relationships" xmlns:p="http://schemas.openxmlformats.org/presentationml/2006/main">
+  <p:cSld>
+    <p:spTree>
+      <p:nvGrpSpPr>
+        <p:cNvPr id="1" name=""/>
+        <p:cNvGrpSpPr/>
+        <p:nvPr/>
+      </p:nvGrpSpPr>
+      <p:grpSpPr>
+        <a:xfrm>
+          <a:off x="0" y="0"/>
+          <a:ext cx="0" cy="0"/>
+          <a:chOff x="0" y="0"/>
+          <a:chExt cx="0" cy="0"/>
+        </a:xfrm>
+      </p:grpSpPr>
+      <p:sp>
+        <p:nvSpPr>
+          <p:cNvPr id="2" name="제목 1">
+            <a:extLst>
+              <a:ext uri="{FF2B5EF4-FFF2-40B4-BE49-F238E27FC236}">
+                <a16:creationId xmlns:a16="http://schemas.microsoft.com/office/drawing/2014/main" id="{061F91DF-B2CB-9B0A-089A-E7636D1C92E9}"/>
+              </a:ext>
+            </a:extLst>
+          </p:cNvPr>
+          <p:cNvSpPr>
+            <a:spLocks noGrp="1"/>
+          </p:cNvSpPr>
+          <p:nvPr>
+            <p:ph type="title"/>
+          </p:nvPr>
+        </p:nvSpPr>
+        <p:spPr/>
+        <p:txBody>
+          <a:bodyPr/>
+          <a:lstStyle/>
+          <a:p>
+            <a:r>
+              <a:rPr lang="en-US" altLang="ko-KR" dirty="0" err="1"/>
+              <a:t>DataFrame</a:t>
+            </a:r>
+            <a:r>
+              <a:rPr lang="en-US" altLang="ko-KR" dirty="0"/>
+              <a:t> </a:t>
+            </a:r>
+            <a:r>
+              <a:rPr lang="ko-KR" altLang="en-US" dirty="0"/>
+              <a:t>설치방법</a:t>
+            </a:r>
+          </a:p>
+        </p:txBody>
+      </p:sp>
+      <p:sp>
+        <p:nvSpPr>
+          <p:cNvPr id="6" name="내용 개체 틀 5">
+            <a:extLst>
+              <a:ext uri="{FF2B5EF4-FFF2-40B4-BE49-F238E27FC236}">
+                <a16:creationId xmlns:a16="http://schemas.microsoft.com/office/drawing/2014/main" id="{5EB2918C-1851-B2B5-60C1-B1A81C584C14}"/>
+              </a:ext>
+            </a:extLst>
+          </p:cNvPr>
+          <p:cNvSpPr>
+            <a:spLocks noGrp="1"/>
+          </p:cNvSpPr>
+          <p:nvPr>
+            <p:ph idx="1"/>
+          </p:nvPr>
+        </p:nvSpPr>
+        <p:spPr/>
+        <p:txBody>
+          <a:bodyPr/>
+          <a:lstStyle/>
+          <a:p>
+            <a:r>
+              <a:rPr lang="en-US" altLang="ko-KR" dirty="0"/>
+              <a:t>NuGet</a:t>
+            </a:r>
+            <a:r>
+              <a:rPr lang="ko-KR" altLang="en-US" dirty="0"/>
+              <a:t>에서 </a:t>
+            </a:r>
+            <a:r>
+              <a:rPr lang="en-US" altLang="ko-KR" dirty="0" err="1"/>
+              <a:t>dataframe</a:t>
+            </a:r>
+            <a:r>
+              <a:rPr lang="ko-KR" altLang="en-US" dirty="0"/>
+              <a:t> 검색하여 설치</a:t>
+            </a:r>
+          </a:p>
+        </p:txBody>
+      </p:sp>
+      <p:sp>
+        <p:nvSpPr>
+          <p:cNvPr id="4" name="날짜 개체 틀 3">
+            <a:extLst>
+              <a:ext uri="{FF2B5EF4-FFF2-40B4-BE49-F238E27FC236}">
+                <a16:creationId xmlns:a16="http://schemas.microsoft.com/office/drawing/2014/main" id="{4C9F154D-80D0-D2D6-C02A-E28620F9963F}"/>
+              </a:ext>
+            </a:extLst>
+          </p:cNvPr>
+          <p:cNvSpPr>
+            <a:spLocks noGrp="1"/>
+          </p:cNvSpPr>
+          <p:nvPr>
+            <p:ph type="dt" sz="half" idx="10"/>
+          </p:nvPr>
+        </p:nvSpPr>
+        <p:spPr/>
+        <p:txBody>
+          <a:bodyPr/>
+          <a:lstStyle/>
+          <a:p>
+            <a:fld id="{0F78D9C4-20C1-4B15-A116-16DC77AD9A1E}" type="datetime1">
+              <a:rPr lang="ko-KR" altLang="en-US" smtClean="0"/>
+              <a:t>2025-05-26</a:t>
+            </a:fld>
+            <a:endParaRPr lang="ko-KR" altLang="en-US"/>
+          </a:p>
+        </p:txBody>
+      </p:sp>
+      <p:sp>
+        <p:nvSpPr>
+          <p:cNvPr id="5" name="슬라이드 번호 개체 틀 4">
+            <a:extLst>
+              <a:ext uri="{FF2B5EF4-FFF2-40B4-BE49-F238E27FC236}">
+                <a16:creationId xmlns:a16="http://schemas.microsoft.com/office/drawing/2014/main" id="{7AAAC558-F07A-2E7F-8713-874FAB29BA07}"/>
+              </a:ext>
+            </a:extLst>
+          </p:cNvPr>
+          <p:cNvSpPr>
+            <a:spLocks noGrp="1"/>
+          </p:cNvSpPr>
+          <p:nvPr>
+            <p:ph type="sldNum" sz="quarter" idx="12"/>
+          </p:nvPr>
+        </p:nvSpPr>
+        <p:spPr/>
+        <p:txBody>
+          <a:bodyPr/>
+          <a:lstStyle/>
+          <a:p>
+            <a:fld id="{083A2CE0-18CD-4102-B738-4ACFF9E68BA4}" type="slidenum">
+              <a:rPr lang="ko-KR" altLang="en-US" smtClean="0"/>
+              <a:t>15</a:t>
+            </a:fld>
+            <a:endParaRPr lang="ko-KR" altLang="en-US"/>
+          </a:p>
+        </p:txBody>
+      </p:sp>
+      <p:pic>
+        <p:nvPicPr>
+          <p:cNvPr id="9" name="그림 8">
+            <a:extLst>
+              <a:ext uri="{FF2B5EF4-FFF2-40B4-BE49-F238E27FC236}">
+                <a16:creationId xmlns:a16="http://schemas.microsoft.com/office/drawing/2014/main" id="{E7EFC436-6BD3-A5B0-E771-75A7E2178470}"/>
+              </a:ext>
+            </a:extLst>
+          </p:cNvPr>
+          <p:cNvPicPr>
+            <a:picLocks noChangeAspect="1"/>
+          </p:cNvPicPr>
+          <p:nvPr/>
+        </p:nvPicPr>
+        <p:blipFill>
+          <a:blip r:embed="rId2"/>
+          <a:stretch>
+            <a:fillRect/>
+          </a:stretch>
+        </p:blipFill>
+        <p:spPr>
+          <a:xfrm>
+            <a:off x="1107331" y="2448502"/>
+            <a:ext cx="7163800" cy="3105583"/>
+          </a:xfrm>
+          <a:prstGeom prst="rect">
+            <a:avLst/>
+          </a:prstGeom>
+        </p:spPr>
+      </p:pic>
+      <p:sp>
+        <p:nvSpPr>
+          <p:cNvPr id="11" name="직사각형 10">
+            <a:extLst>
+              <a:ext uri="{FF2B5EF4-FFF2-40B4-BE49-F238E27FC236}">
+                <a16:creationId xmlns:a16="http://schemas.microsoft.com/office/drawing/2014/main" id="{ECE2880C-CEEF-C74C-5BA9-41D6F1CAAC81}"/>
+              </a:ext>
+            </a:extLst>
+          </p:cNvPr>
+          <p:cNvSpPr/>
+          <p:nvPr/>
+        </p:nvSpPr>
+        <p:spPr>
+          <a:xfrm>
+            <a:off x="1107331" y="3429000"/>
+            <a:ext cx="5999871" cy="608428"/>
+          </a:xfrm>
+          <a:prstGeom prst="rect">
+            <a:avLst/>
+          </a:prstGeom>
+          <a:noFill/>
+          <a:ln>
+            <a:solidFill>
+              <a:schemeClr val="accent2"/>
+            </a:solidFill>
+          </a:ln>
+        </p:spPr>
+        <p:style>
+          <a:lnRef idx="2">
+            <a:schemeClr val="accent1">
+              <a:shade val="15000"/>
+            </a:schemeClr>
+          </a:lnRef>
+          <a:fillRef idx="1">
+            <a:schemeClr val="accent1"/>
+          </a:fillRef>
+          <a:effectRef idx="0">
+            <a:schemeClr val="accent1"/>
+          </a:effectRef>
+          <a:fontRef idx="minor">
+            <a:schemeClr val="lt1"/>
+          </a:fontRef>
+        </p:style>
+        <p:txBody>
+          <a:bodyPr rtlCol="0" anchor="ctr"/>
+          <a:lstStyle/>
+          <a:p>
+            <a:pPr algn="ctr"/>
+            <a:endParaRPr lang="ko-KR" altLang="en-US"/>
+          </a:p>
+        </p:txBody>
+      </p:sp>
+    </p:spTree>
+    <p:extLst>
+      <p:ext uri="{BB962C8B-B14F-4D97-AF65-F5344CB8AC3E}">
+        <p14:creationId xmlns:p14="http://schemas.microsoft.com/office/powerpoint/2010/main" val="4183649854"/>
+      </p:ext>
+    </p:extLst>
+  </p:cSld>
+  <p:clrMapOvr>
+    <a:masterClrMapping/>
+  </p:clrMapOvr>
+</p:sld>
+</file>
+
+<file path=ppt/slides/slide16.xml><?xml version="1.0" encoding="utf-8"?>
+<p:sld xmlns:a="http://schemas.openxmlformats.org/drawingml/2006/main" xmlns:r="http://schemas.openxmlformats.org/officeDocument/2006/relationships" xmlns:p="http://schemas.openxmlformats.org/presentationml/2006/main">
+  <p:cSld>
+    <p:spTree>
+      <p:nvGrpSpPr>
+        <p:cNvPr id="1" name=""/>
+        <p:cNvGrpSpPr/>
+        <p:nvPr/>
+      </p:nvGrpSpPr>
+      <p:grpSpPr>
+        <a:xfrm>
+          <a:off x="0" y="0"/>
+          <a:ext cx="0" cy="0"/>
+          <a:chOff x="0" y="0"/>
+          <a:chExt cx="0" cy="0"/>
+        </a:xfrm>
+      </p:grpSpPr>
+      <p:sp>
+        <p:nvSpPr>
+          <p:cNvPr id="2" name="제목 1">
+            <a:extLst>
+              <a:ext uri="{FF2B5EF4-FFF2-40B4-BE49-F238E27FC236}">
+                <a16:creationId xmlns:a16="http://schemas.microsoft.com/office/drawing/2014/main" id="{061F91DF-B2CB-9B0A-089A-E7636D1C92E9}"/>
+              </a:ext>
+            </a:extLst>
+          </p:cNvPr>
+          <p:cNvSpPr>
+            <a:spLocks noGrp="1"/>
+          </p:cNvSpPr>
+          <p:nvPr>
+            <p:ph type="title"/>
+          </p:nvPr>
+        </p:nvSpPr>
+        <p:spPr/>
+        <p:txBody>
+          <a:bodyPr/>
+          <a:lstStyle/>
+          <a:p>
+            <a:r>
+              <a:rPr lang="en-US" altLang="ko-KR" dirty="0" err="1"/>
+              <a:t>DataFrame</a:t>
+            </a:r>
+            <a:endParaRPr lang="ko-KR" altLang="en-US" dirty="0"/>
+          </a:p>
+        </p:txBody>
+      </p:sp>
+      <p:sp>
+        <p:nvSpPr>
+          <p:cNvPr id="6" name="내용 개체 틀 5">
+            <a:extLst>
+              <a:ext uri="{FF2B5EF4-FFF2-40B4-BE49-F238E27FC236}">
+                <a16:creationId xmlns:a16="http://schemas.microsoft.com/office/drawing/2014/main" id="{5EB2918C-1851-B2B5-60C1-B1A81C584C14}"/>
+              </a:ext>
+            </a:extLst>
+          </p:cNvPr>
+          <p:cNvSpPr>
+            <a:spLocks noGrp="1"/>
+          </p:cNvSpPr>
+          <p:nvPr>
+            <p:ph idx="1"/>
+          </p:nvPr>
+        </p:nvSpPr>
+        <p:spPr/>
+        <p:txBody>
+          <a:bodyPr/>
+          <a:lstStyle/>
+          <a:p>
+            <a:r>
+              <a:rPr lang="ko-KR" altLang="en-US" dirty="0"/>
+              <a:t>패키지 설치</a:t>
+            </a:r>
+            <a:endParaRPr lang="en-US" altLang="ko-KR" dirty="0"/>
+          </a:p>
+          <a:p>
+            <a:pPr lvl="1"/>
+            <a:endParaRPr lang="en-US" altLang="ko-KR" dirty="0"/>
+          </a:p>
+          <a:p>
+            <a:pPr lvl="1"/>
+            <a:endParaRPr lang="en-US" altLang="ko-KR" dirty="0"/>
+          </a:p>
+          <a:p>
+            <a:r>
+              <a:rPr lang="en-US" altLang="ko-KR" dirty="0" err="1"/>
+              <a:t>Dataframe</a:t>
+            </a:r>
+            <a:r>
+              <a:rPr lang="en-US" altLang="ko-KR" dirty="0"/>
+              <a:t> import</a:t>
+            </a:r>
+          </a:p>
+          <a:p>
+            <a:endParaRPr lang="ko-KR" altLang="en-US" dirty="0"/>
+          </a:p>
+        </p:txBody>
+      </p:sp>
+      <p:sp>
+        <p:nvSpPr>
+          <p:cNvPr id="4" name="날짜 개체 틀 3">
+            <a:extLst>
+              <a:ext uri="{FF2B5EF4-FFF2-40B4-BE49-F238E27FC236}">
+                <a16:creationId xmlns:a16="http://schemas.microsoft.com/office/drawing/2014/main" id="{4C9F154D-80D0-D2D6-C02A-E28620F9963F}"/>
+              </a:ext>
+            </a:extLst>
+          </p:cNvPr>
+          <p:cNvSpPr>
+            <a:spLocks noGrp="1"/>
+          </p:cNvSpPr>
+          <p:nvPr>
+            <p:ph type="dt" sz="half" idx="10"/>
+          </p:nvPr>
+        </p:nvSpPr>
+        <p:spPr/>
+        <p:txBody>
+          <a:bodyPr/>
+          <a:lstStyle/>
+          <a:p>
+            <a:fld id="{0F78D9C4-20C1-4B15-A116-16DC77AD9A1E}" type="datetime1">
+              <a:rPr lang="ko-KR" altLang="en-US" smtClean="0"/>
+              <a:t>2025-05-26</a:t>
+            </a:fld>
+            <a:endParaRPr lang="ko-KR" altLang="en-US"/>
+          </a:p>
+        </p:txBody>
+      </p:sp>
+      <p:sp>
+        <p:nvSpPr>
+          <p:cNvPr id="5" name="슬라이드 번호 개체 틀 4">
+            <a:extLst>
+              <a:ext uri="{FF2B5EF4-FFF2-40B4-BE49-F238E27FC236}">
+                <a16:creationId xmlns:a16="http://schemas.microsoft.com/office/drawing/2014/main" id="{7AAAC558-F07A-2E7F-8713-874FAB29BA07}"/>
+              </a:ext>
+            </a:extLst>
+          </p:cNvPr>
+          <p:cNvSpPr>
+            <a:spLocks noGrp="1"/>
+          </p:cNvSpPr>
+          <p:nvPr>
+            <p:ph type="sldNum" sz="quarter" idx="12"/>
+          </p:nvPr>
+        </p:nvSpPr>
+        <p:spPr/>
+        <p:txBody>
+          <a:bodyPr/>
+          <a:lstStyle/>
+          <a:p>
+            <a:fld id="{083A2CE0-18CD-4102-B738-4ACFF9E68BA4}" type="slidenum">
+              <a:rPr lang="ko-KR" altLang="en-US" smtClean="0"/>
+              <a:t>16</a:t>
+            </a:fld>
+            <a:endParaRPr lang="ko-KR" altLang="en-US"/>
+          </a:p>
+        </p:txBody>
+      </p:sp>
+      <p:pic>
+        <p:nvPicPr>
+          <p:cNvPr id="10" name="그림 9">
+            <a:extLst>
+              <a:ext uri="{FF2B5EF4-FFF2-40B4-BE49-F238E27FC236}">
+                <a16:creationId xmlns:a16="http://schemas.microsoft.com/office/drawing/2014/main" id="{A3B6C196-421B-06EB-10A1-FF4DAF157A87}"/>
+              </a:ext>
+            </a:extLst>
+          </p:cNvPr>
+          <p:cNvPicPr>
+            <a:picLocks noChangeAspect="1"/>
+          </p:cNvPicPr>
+          <p:nvPr/>
+        </p:nvPicPr>
+        <p:blipFill>
+          <a:blip r:embed="rId2"/>
+          <a:stretch>
+            <a:fillRect/>
+          </a:stretch>
+        </p:blipFill>
+        <p:spPr>
+          <a:xfrm>
+            <a:off x="1441259" y="2314768"/>
+            <a:ext cx="8141561" cy="547450"/>
+          </a:xfrm>
+          <a:prstGeom prst="rect">
+            <a:avLst/>
+          </a:prstGeom>
+        </p:spPr>
+      </p:pic>
+      <p:pic>
+        <p:nvPicPr>
+          <p:cNvPr id="13" name="그림 12">
+            <a:extLst>
+              <a:ext uri="{FF2B5EF4-FFF2-40B4-BE49-F238E27FC236}">
+                <a16:creationId xmlns:a16="http://schemas.microsoft.com/office/drawing/2014/main" id="{77F65470-995A-A420-FB1C-5B83BCBC9F52}"/>
+              </a:ext>
+            </a:extLst>
+          </p:cNvPr>
+          <p:cNvPicPr>
+            <a:picLocks noChangeAspect="1"/>
+          </p:cNvPicPr>
+          <p:nvPr/>
+        </p:nvPicPr>
+        <p:blipFill>
+          <a:blip r:embed="rId3"/>
+          <a:stretch>
+            <a:fillRect/>
+          </a:stretch>
+        </p:blipFill>
+        <p:spPr>
+          <a:xfrm>
+            <a:off x="1441258" y="3686925"/>
+            <a:ext cx="7133437" cy="547450"/>
+          </a:xfrm>
+          <a:prstGeom prst="rect">
+            <a:avLst/>
+          </a:prstGeom>
+        </p:spPr>
+      </p:pic>
+    </p:spTree>
+    <p:extLst>
+      <p:ext uri="{BB962C8B-B14F-4D97-AF65-F5344CB8AC3E}">
+        <p14:creationId xmlns:p14="http://schemas.microsoft.com/office/powerpoint/2010/main" val="3896698845"/>
+      </p:ext>
+    </p:extLst>
+  </p:cSld>
+  <p:clrMapOvr>
+    <a:masterClrMapping/>
+  </p:clrMapOvr>
+</p:sld>
+</file>
+
+<file path=ppt/slides/slide17.xml><?xml version="1.0" encoding="utf-8"?>
+<p:sld xmlns:a="http://schemas.openxmlformats.org/drawingml/2006/main" xmlns:r="http://schemas.openxmlformats.org/officeDocument/2006/relationships" xmlns:p="http://schemas.openxmlformats.org/presentationml/2006/main">
+  <p:cSld>
+    <p:spTree>
+      <p:nvGrpSpPr>
+        <p:cNvPr id="1" name=""/>
+        <p:cNvGrpSpPr/>
+        <p:nvPr/>
+      </p:nvGrpSpPr>
+      <p:grpSpPr>
+        <a:xfrm>
+          <a:off x="0" y="0"/>
+          <a:ext cx="0" cy="0"/>
+          <a:chOff x="0" y="0"/>
+          <a:chExt cx="0" cy="0"/>
+        </a:xfrm>
+      </p:grpSpPr>
+      <p:sp>
+        <p:nvSpPr>
+          <p:cNvPr id="2" name="제목 1">
+            <a:extLst>
+              <a:ext uri="{FF2B5EF4-FFF2-40B4-BE49-F238E27FC236}">
+                <a16:creationId xmlns:a16="http://schemas.microsoft.com/office/drawing/2014/main" id="{061F91DF-B2CB-9B0A-089A-E7636D1C92E9}"/>
+              </a:ext>
+            </a:extLst>
+          </p:cNvPr>
+          <p:cNvSpPr>
+            <a:spLocks noGrp="1"/>
+          </p:cNvSpPr>
+          <p:nvPr>
+            <p:ph type="title"/>
+          </p:nvPr>
+        </p:nvSpPr>
+        <p:spPr/>
+        <p:txBody>
+          <a:bodyPr/>
+          <a:lstStyle/>
+          <a:p>
+            <a:r>
+              <a:rPr lang="en-US" altLang="ko-KR" dirty="0" err="1"/>
+              <a:t>DataFrame</a:t>
+            </a:r>
+            <a:endParaRPr lang="ko-KR" altLang="en-US" dirty="0"/>
+          </a:p>
+        </p:txBody>
+      </p:sp>
+      <p:sp>
+        <p:nvSpPr>
+          <p:cNvPr id="6" name="내용 개체 틀 5">
+            <a:extLst>
+              <a:ext uri="{FF2B5EF4-FFF2-40B4-BE49-F238E27FC236}">
+                <a16:creationId xmlns:a16="http://schemas.microsoft.com/office/drawing/2014/main" id="{5EB2918C-1851-B2B5-60C1-B1A81C584C14}"/>
+              </a:ext>
+            </a:extLst>
+          </p:cNvPr>
+          <p:cNvSpPr>
+            <a:spLocks noGrp="1"/>
+          </p:cNvSpPr>
+          <p:nvPr>
+            <p:ph idx="1"/>
+          </p:nvPr>
+        </p:nvSpPr>
+        <p:spPr/>
+        <p:txBody>
+          <a:bodyPr/>
+          <a:lstStyle/>
+          <a:p>
+            <a:r>
+              <a:rPr lang="en-US" altLang="ko-KR" dirty="0"/>
+              <a:t>csv </a:t>
+            </a:r>
+            <a:r>
+              <a:rPr lang="ko-KR" altLang="en-US" dirty="0"/>
+              <a:t>로드</a:t>
+            </a:r>
+            <a:endParaRPr lang="en-US" altLang="ko-KR" dirty="0"/>
+          </a:p>
+        </p:txBody>
+      </p:sp>
+      <p:sp>
+        <p:nvSpPr>
+          <p:cNvPr id="4" name="날짜 개체 틀 3">
+            <a:extLst>
+              <a:ext uri="{FF2B5EF4-FFF2-40B4-BE49-F238E27FC236}">
+                <a16:creationId xmlns:a16="http://schemas.microsoft.com/office/drawing/2014/main" id="{4C9F154D-80D0-D2D6-C02A-E28620F9963F}"/>
+              </a:ext>
+            </a:extLst>
+          </p:cNvPr>
+          <p:cNvSpPr>
+            <a:spLocks noGrp="1"/>
+          </p:cNvSpPr>
+          <p:nvPr>
+            <p:ph type="dt" sz="half" idx="10"/>
+          </p:nvPr>
+        </p:nvSpPr>
+        <p:spPr/>
+        <p:txBody>
+          <a:bodyPr/>
+          <a:lstStyle/>
+          <a:p>
+            <a:fld id="{0F78D9C4-20C1-4B15-A116-16DC77AD9A1E}" type="datetime1">
+              <a:rPr lang="ko-KR" altLang="en-US" smtClean="0"/>
+              <a:t>2025-05-26</a:t>
+            </a:fld>
+            <a:endParaRPr lang="ko-KR" altLang="en-US"/>
+          </a:p>
+        </p:txBody>
+      </p:sp>
+      <p:sp>
+        <p:nvSpPr>
+          <p:cNvPr id="5" name="슬라이드 번호 개체 틀 4">
+            <a:extLst>
+              <a:ext uri="{FF2B5EF4-FFF2-40B4-BE49-F238E27FC236}">
+                <a16:creationId xmlns:a16="http://schemas.microsoft.com/office/drawing/2014/main" id="{7AAAC558-F07A-2E7F-8713-874FAB29BA07}"/>
+              </a:ext>
+            </a:extLst>
+          </p:cNvPr>
+          <p:cNvSpPr>
+            <a:spLocks noGrp="1"/>
+          </p:cNvSpPr>
+          <p:nvPr>
+            <p:ph type="sldNum" sz="quarter" idx="12"/>
+          </p:nvPr>
+        </p:nvSpPr>
+        <p:spPr/>
+        <p:txBody>
+          <a:bodyPr/>
+          <a:lstStyle/>
+          <a:p>
+            <a:fld id="{083A2CE0-18CD-4102-B738-4ACFF9E68BA4}" type="slidenum">
+              <a:rPr lang="ko-KR" altLang="en-US" smtClean="0"/>
+              <a:t>17</a:t>
             </a:fld>
             <a:endParaRPr lang="ko-KR" altLang="en-US"/>
           </a:p>
@@ -4461,7 +6286,7 @@
 </p:sld>
 </file>
 
-<file path=ppt/slides/slide11.xml><?xml version="1.0" encoding="utf-8"?>
+<file path=ppt/slides/slide18.xml><?xml version="1.0" encoding="utf-8"?>
 <p:sld xmlns:a="http://schemas.openxmlformats.org/drawingml/2006/main" xmlns:r="http://schemas.openxmlformats.org/officeDocument/2006/relationships" xmlns:p="http://schemas.openxmlformats.org/presentationml/2006/main">
   <p:cSld>
     <p:spTree>
@@ -4584,7 +6409,7 @@
           <a:p>
             <a:fld id="{0F78D9C4-20C1-4B15-A116-16DC77AD9A1E}" type="datetime1">
               <a:rPr lang="ko-KR" altLang="en-US" smtClean="0"/>
-              <a:t>2024-12-11</a:t>
+              <a:t>2025-05-26</a:t>
             </a:fld>
             <a:endParaRPr lang="ko-KR" altLang="en-US"/>
           </a:p>
@@ -4613,7 +6438,7 @@
           <a:p>
             <a:fld id="{083A2CE0-18CD-4102-B738-4ACFF9E68BA4}" type="slidenum">
               <a:rPr lang="ko-KR" altLang="en-US" smtClean="0"/>
-              <a:t>11</a:t>
+              <a:t>18</a:t>
             </a:fld>
             <a:endParaRPr lang="ko-KR" altLang="en-US"/>
           </a:p>
@@ -4662,7 +6487,7 @@
 </p:sld>
 </file>
 
-<file path=ppt/slides/slide12.xml><?xml version="1.0" encoding="utf-8"?>
+<file path=ppt/slides/slide19.xml><?xml version="1.0" encoding="utf-8"?>
 <p:sld xmlns:a="http://schemas.openxmlformats.org/drawingml/2006/main" xmlns:r="http://schemas.openxmlformats.org/officeDocument/2006/relationships" xmlns:p="http://schemas.openxmlformats.org/presentationml/2006/main">
   <p:cSld>
     <p:spTree>
@@ -4834,7 +6659,7 @@
           <a:p>
             <a:fld id="{0F78D9C4-20C1-4B15-A116-16DC77AD9A1E}" type="datetime1">
               <a:rPr lang="ko-KR" altLang="en-US" smtClean="0"/>
-              <a:t>2024-12-11</a:t>
+              <a:t>2025-05-26</a:t>
             </a:fld>
             <a:endParaRPr lang="ko-KR" altLang="en-US"/>
           </a:p>
@@ -4863,7 +6688,7 @@
           <a:p>
             <a:fld id="{083A2CE0-18CD-4102-B738-4ACFF9E68BA4}" type="slidenum">
               <a:rPr lang="ko-KR" altLang="en-US" smtClean="0"/>
-              <a:t>12</a:t>
+              <a:t>19</a:t>
             </a:fld>
             <a:endParaRPr lang="ko-KR" altLang="en-US"/>
           </a:p>
@@ -4912,7 +6737,7 @@
 </p:sld>
 </file>
 
-<file path=ppt/slides/slide13.xml><?xml version="1.0" encoding="utf-8"?>
+<file path=ppt/slides/slide2.xml><?xml version="1.0" encoding="utf-8"?>
 <p:sld xmlns:a="http://schemas.openxmlformats.org/drawingml/2006/main" xmlns:r="http://schemas.openxmlformats.org/officeDocument/2006/relationships" xmlns:p="http://schemas.openxmlformats.org/presentationml/2006/main">
   <p:cSld>
     <p:spTree>
@@ -4934,6 +6759,447 @@
           <p:cNvPr id="2" name="제목 1">
             <a:extLst>
               <a:ext uri="{FF2B5EF4-FFF2-40B4-BE49-F238E27FC236}">
+                <a16:creationId xmlns:a16="http://schemas.microsoft.com/office/drawing/2014/main" id="{8A1DB8B8-99D7-15FA-E225-02DC04E740E9}"/>
+              </a:ext>
+            </a:extLst>
+          </p:cNvPr>
+          <p:cNvSpPr>
+            <a:spLocks noGrp="1"/>
+          </p:cNvSpPr>
+          <p:nvPr>
+            <p:ph type="title"/>
+          </p:nvPr>
+        </p:nvSpPr>
+        <p:spPr/>
+        <p:txBody>
+          <a:bodyPr/>
+          <a:lstStyle/>
+          <a:p>
+            <a:r>
+              <a:rPr lang="ko-KR" altLang="en-US" dirty="0"/>
+              <a:t>릴리즈 빌드</a:t>
+            </a:r>
+          </a:p>
+        </p:txBody>
+      </p:sp>
+      <p:sp>
+        <p:nvSpPr>
+          <p:cNvPr id="4" name="날짜 개체 틀 3">
+            <a:extLst>
+              <a:ext uri="{FF2B5EF4-FFF2-40B4-BE49-F238E27FC236}">
+                <a16:creationId xmlns:a16="http://schemas.microsoft.com/office/drawing/2014/main" id="{E98717C0-F3BE-023F-9494-A252B27411F6}"/>
+              </a:ext>
+            </a:extLst>
+          </p:cNvPr>
+          <p:cNvSpPr>
+            <a:spLocks noGrp="1"/>
+          </p:cNvSpPr>
+          <p:nvPr>
+            <p:ph type="dt" sz="half" idx="10"/>
+          </p:nvPr>
+        </p:nvSpPr>
+        <p:spPr/>
+        <p:txBody>
+          <a:bodyPr/>
+          <a:lstStyle/>
+          <a:p>
+            <a:fld id="{0F78D9C4-20C1-4B15-A116-16DC77AD9A1E}" type="datetime1">
+              <a:rPr lang="ko-KR" altLang="en-US" smtClean="0"/>
+              <a:t>2025-05-26</a:t>
+            </a:fld>
+            <a:endParaRPr lang="ko-KR" altLang="en-US"/>
+          </a:p>
+        </p:txBody>
+      </p:sp>
+      <p:sp>
+        <p:nvSpPr>
+          <p:cNvPr id="5" name="슬라이드 번호 개체 틀 4">
+            <a:extLst>
+              <a:ext uri="{FF2B5EF4-FFF2-40B4-BE49-F238E27FC236}">
+                <a16:creationId xmlns:a16="http://schemas.microsoft.com/office/drawing/2014/main" id="{EC738FD2-126E-A4A0-34E1-FB5E8B7459D2}"/>
+              </a:ext>
+            </a:extLst>
+          </p:cNvPr>
+          <p:cNvSpPr>
+            <a:spLocks noGrp="1"/>
+          </p:cNvSpPr>
+          <p:nvPr>
+            <p:ph type="sldNum" sz="quarter" idx="12"/>
+          </p:nvPr>
+        </p:nvSpPr>
+        <p:spPr/>
+        <p:txBody>
+          <a:bodyPr/>
+          <a:lstStyle/>
+          <a:p>
+            <a:fld id="{083A2CE0-18CD-4102-B738-4ACFF9E68BA4}" type="slidenum">
+              <a:rPr lang="ko-KR" altLang="en-US" smtClean="0"/>
+              <a:t>2</a:t>
+            </a:fld>
+            <a:endParaRPr lang="ko-KR" altLang="en-US"/>
+          </a:p>
+        </p:txBody>
+      </p:sp>
+      <p:pic>
+        <p:nvPicPr>
+          <p:cNvPr id="6" name="그림 5">
+            <a:extLst>
+              <a:ext uri="{FF2B5EF4-FFF2-40B4-BE49-F238E27FC236}">
+                <a16:creationId xmlns:a16="http://schemas.microsoft.com/office/drawing/2014/main" id="{A404D55A-3035-763B-93E4-07CAD8C6D46A}"/>
+              </a:ext>
+            </a:extLst>
+          </p:cNvPr>
+          <p:cNvPicPr>
+            <a:picLocks noChangeAspect="1"/>
+          </p:cNvPicPr>
+          <p:nvPr/>
+        </p:nvPicPr>
+        <p:blipFill>
+          <a:blip r:embed="rId2"/>
+          <a:stretch>
+            <a:fillRect/>
+          </a:stretch>
+        </p:blipFill>
+        <p:spPr>
+          <a:xfrm>
+            <a:off x="838200" y="1600984"/>
+            <a:ext cx="6557074" cy="2966774"/>
+          </a:xfrm>
+          <a:prstGeom prst="rect">
+            <a:avLst/>
+          </a:prstGeom>
+        </p:spPr>
+      </p:pic>
+      <p:cxnSp>
+        <p:nvCxnSpPr>
+          <p:cNvPr id="8" name="직선 연결선 7">
+            <a:extLst>
+              <a:ext uri="{FF2B5EF4-FFF2-40B4-BE49-F238E27FC236}">
+                <a16:creationId xmlns:a16="http://schemas.microsoft.com/office/drawing/2014/main" id="{ABCE0421-94EC-3A1A-B3DD-FB45FDA6BFC4}"/>
+              </a:ext>
+            </a:extLst>
+          </p:cNvPr>
+          <p:cNvCxnSpPr/>
+          <p:nvPr/>
+        </p:nvCxnSpPr>
+        <p:spPr>
+          <a:xfrm>
+            <a:off x="4512989" y="1916934"/>
+            <a:ext cx="661012" cy="0"/>
+          </a:xfrm>
+          <a:prstGeom prst="line">
+            <a:avLst/>
+          </a:prstGeom>
+        </p:spPr>
+        <p:style>
+          <a:lnRef idx="3">
+            <a:schemeClr val="accent2"/>
+          </a:lnRef>
+          <a:fillRef idx="0">
+            <a:schemeClr val="accent2"/>
+          </a:fillRef>
+          <a:effectRef idx="2">
+            <a:schemeClr val="accent2"/>
+          </a:effectRef>
+          <a:fontRef idx="minor">
+            <a:schemeClr val="tx1"/>
+          </a:fontRef>
+        </p:style>
+      </p:cxnSp>
+      <p:cxnSp>
+        <p:nvCxnSpPr>
+          <p:cNvPr id="9" name="직선 연결선 8">
+            <a:extLst>
+              <a:ext uri="{FF2B5EF4-FFF2-40B4-BE49-F238E27FC236}">
+                <a16:creationId xmlns:a16="http://schemas.microsoft.com/office/drawing/2014/main" id="{BDC53C88-1A5B-DC5C-492F-10F070BF33FB}"/>
+              </a:ext>
+            </a:extLst>
+          </p:cNvPr>
+          <p:cNvCxnSpPr>
+            <a:cxnSpLocks/>
+          </p:cNvCxnSpPr>
+          <p:nvPr/>
+        </p:nvCxnSpPr>
+        <p:spPr>
+          <a:xfrm>
+            <a:off x="1139991" y="3798982"/>
+            <a:ext cx="1048439" cy="0"/>
+          </a:xfrm>
+          <a:prstGeom prst="line">
+            <a:avLst/>
+          </a:prstGeom>
+        </p:spPr>
+        <p:style>
+          <a:lnRef idx="3">
+            <a:schemeClr val="accent2"/>
+          </a:lnRef>
+          <a:fillRef idx="0">
+            <a:schemeClr val="accent2"/>
+          </a:fillRef>
+          <a:effectRef idx="2">
+            <a:schemeClr val="accent2"/>
+          </a:effectRef>
+          <a:fontRef idx="minor">
+            <a:schemeClr val="tx1"/>
+          </a:fontRef>
+        </p:style>
+      </p:cxnSp>
+      <p:cxnSp>
+        <p:nvCxnSpPr>
+          <p:cNvPr id="15" name="직선 연결선 14">
+            <a:extLst>
+              <a:ext uri="{FF2B5EF4-FFF2-40B4-BE49-F238E27FC236}">
+                <a16:creationId xmlns:a16="http://schemas.microsoft.com/office/drawing/2014/main" id="{CF2E4E28-6112-15C7-04DE-92D311D393C7}"/>
+              </a:ext>
+            </a:extLst>
+          </p:cNvPr>
+          <p:cNvCxnSpPr>
+            <a:cxnSpLocks/>
+          </p:cNvCxnSpPr>
+          <p:nvPr/>
+        </p:nvCxnSpPr>
+        <p:spPr>
+          <a:xfrm>
+            <a:off x="1139991" y="3488673"/>
+            <a:ext cx="1048439" cy="0"/>
+          </a:xfrm>
+          <a:prstGeom prst="line">
+            <a:avLst/>
+          </a:prstGeom>
+        </p:spPr>
+        <p:style>
+          <a:lnRef idx="3">
+            <a:schemeClr val="accent2"/>
+          </a:lnRef>
+          <a:fillRef idx="0">
+            <a:schemeClr val="accent2"/>
+          </a:fillRef>
+          <a:effectRef idx="2">
+            <a:schemeClr val="accent2"/>
+          </a:effectRef>
+          <a:fontRef idx="minor">
+            <a:schemeClr val="tx1"/>
+          </a:fontRef>
+        </p:style>
+      </p:cxnSp>
+      <p:sp>
+        <p:nvSpPr>
+          <p:cNvPr id="18" name="TextBox 17">
+            <a:extLst>
+              <a:ext uri="{FF2B5EF4-FFF2-40B4-BE49-F238E27FC236}">
+                <a16:creationId xmlns:a16="http://schemas.microsoft.com/office/drawing/2014/main" id="{B9DE7ADE-D4F0-CC06-E498-E3DCAAE9C10F}"/>
+              </a:ext>
+            </a:extLst>
+          </p:cNvPr>
+          <p:cNvSpPr txBox="1"/>
+          <p:nvPr/>
+        </p:nvSpPr>
+        <p:spPr>
+          <a:xfrm>
+            <a:off x="3941471" y="4687367"/>
+            <a:ext cx="3043358" cy="369332"/>
+          </a:xfrm>
+          <a:prstGeom prst="rect">
+            <a:avLst/>
+          </a:prstGeom>
+          <a:noFill/>
+        </p:spPr>
+        <p:txBody>
+          <a:bodyPr wrap="square" rtlCol="0">
+            <a:spAutoFit/>
+          </a:bodyPr>
+          <a:lstStyle/>
+          <a:p>
+            <a:pPr algn="r"/>
+            <a:r>
+              <a:rPr lang="ko-KR" altLang="en-US"/>
+              <a:t>다른 위치에 복사 및 실행</a:t>
+            </a:r>
+          </a:p>
+        </p:txBody>
+      </p:sp>
+      <p:cxnSp>
+        <p:nvCxnSpPr>
+          <p:cNvPr id="3" name="직선 연결선 2">
+            <a:extLst>
+              <a:ext uri="{FF2B5EF4-FFF2-40B4-BE49-F238E27FC236}">
+                <a16:creationId xmlns:a16="http://schemas.microsoft.com/office/drawing/2014/main" id="{5ABCCE77-2D6F-E441-9AD0-CD6B3DE529B5}"/>
+              </a:ext>
+            </a:extLst>
+          </p:cNvPr>
+          <p:cNvCxnSpPr>
+            <a:cxnSpLocks/>
+          </p:cNvCxnSpPr>
+          <p:nvPr/>
+        </p:nvCxnSpPr>
+        <p:spPr>
+          <a:xfrm>
+            <a:off x="1139991" y="3200398"/>
+            <a:ext cx="1345895" cy="0"/>
+          </a:xfrm>
+          <a:prstGeom prst="line">
+            <a:avLst/>
+          </a:prstGeom>
+        </p:spPr>
+        <p:style>
+          <a:lnRef idx="3">
+            <a:schemeClr val="accent2"/>
+          </a:lnRef>
+          <a:fillRef idx="0">
+            <a:schemeClr val="accent2"/>
+          </a:fillRef>
+          <a:effectRef idx="2">
+            <a:schemeClr val="accent2"/>
+          </a:effectRef>
+          <a:fontRef idx="minor">
+            <a:schemeClr val="tx1"/>
+          </a:fontRef>
+        </p:style>
+      </p:cxnSp>
+      <p:cxnSp>
+        <p:nvCxnSpPr>
+          <p:cNvPr id="10" name="직선 연결선 9">
+            <a:extLst>
+              <a:ext uri="{FF2B5EF4-FFF2-40B4-BE49-F238E27FC236}">
+                <a16:creationId xmlns:a16="http://schemas.microsoft.com/office/drawing/2014/main" id="{0A99030A-790A-2607-C367-34BB003F809C}"/>
+              </a:ext>
+            </a:extLst>
+          </p:cNvPr>
+          <p:cNvCxnSpPr>
+            <a:cxnSpLocks/>
+          </p:cNvCxnSpPr>
+          <p:nvPr/>
+        </p:nvCxnSpPr>
+        <p:spPr>
+          <a:xfrm>
+            <a:off x="1139991" y="4410418"/>
+            <a:ext cx="1852671" cy="0"/>
+          </a:xfrm>
+          <a:prstGeom prst="line">
+            <a:avLst/>
+          </a:prstGeom>
+        </p:spPr>
+        <p:style>
+          <a:lnRef idx="3">
+            <a:schemeClr val="accent2"/>
+          </a:lnRef>
+          <a:fillRef idx="0">
+            <a:schemeClr val="accent2"/>
+          </a:fillRef>
+          <a:effectRef idx="2">
+            <a:schemeClr val="accent2"/>
+          </a:effectRef>
+          <a:fontRef idx="minor">
+            <a:schemeClr val="tx1"/>
+          </a:fontRef>
+        </p:style>
+      </p:cxnSp>
+      <p:pic>
+        <p:nvPicPr>
+          <p:cNvPr id="13" name="그림 12">
+            <a:extLst>
+              <a:ext uri="{FF2B5EF4-FFF2-40B4-BE49-F238E27FC236}">
+                <a16:creationId xmlns:a16="http://schemas.microsoft.com/office/drawing/2014/main" id="{1D6D0876-E2BE-D900-9515-108BD6E98444}"/>
+              </a:ext>
+            </a:extLst>
+          </p:cNvPr>
+          <p:cNvPicPr>
+            <a:picLocks noChangeAspect="1"/>
+          </p:cNvPicPr>
+          <p:nvPr/>
+        </p:nvPicPr>
+        <p:blipFill>
+          <a:blip r:embed="rId3"/>
+          <a:stretch>
+            <a:fillRect/>
+          </a:stretch>
+        </p:blipFill>
+        <p:spPr>
+          <a:xfrm>
+            <a:off x="7731554" y="3986932"/>
+            <a:ext cx="2838846" cy="2238687"/>
+          </a:xfrm>
+          <a:prstGeom prst="rect">
+            <a:avLst/>
+          </a:prstGeom>
+        </p:spPr>
+      </p:pic>
+      <p:cxnSp>
+        <p:nvCxnSpPr>
+          <p:cNvPr id="17" name="직선 화살표 연결선 16">
+            <a:extLst>
+              <a:ext uri="{FF2B5EF4-FFF2-40B4-BE49-F238E27FC236}">
+                <a16:creationId xmlns:a16="http://schemas.microsoft.com/office/drawing/2014/main" id="{21235FBA-4283-6924-D363-3BEF75D8E9FD}"/>
+              </a:ext>
+            </a:extLst>
+          </p:cNvPr>
+          <p:cNvCxnSpPr>
+            <a:cxnSpLocks/>
+          </p:cNvCxnSpPr>
+          <p:nvPr/>
+        </p:nvCxnSpPr>
+        <p:spPr>
+          <a:xfrm>
+            <a:off x="2331650" y="3704421"/>
+            <a:ext cx="5535282" cy="1179287"/>
+          </a:xfrm>
+          <a:prstGeom prst="straightConnector1">
+            <a:avLst/>
+          </a:prstGeom>
+          <a:ln>
+            <a:tailEnd type="triangle"/>
+          </a:ln>
+        </p:spPr>
+        <p:style>
+          <a:lnRef idx="3">
+            <a:schemeClr val="accent2"/>
+          </a:lnRef>
+          <a:fillRef idx="0">
+            <a:schemeClr val="accent2"/>
+          </a:fillRef>
+          <a:effectRef idx="2">
+            <a:schemeClr val="accent2"/>
+          </a:effectRef>
+          <a:fontRef idx="minor">
+            <a:schemeClr val="tx1"/>
+          </a:fontRef>
+        </p:style>
+      </p:cxnSp>
+    </p:spTree>
+    <p:extLst>
+      <p:ext uri="{BB962C8B-B14F-4D97-AF65-F5344CB8AC3E}">
+        <p14:creationId xmlns:p14="http://schemas.microsoft.com/office/powerpoint/2010/main" val="2812805349"/>
+      </p:ext>
+    </p:extLst>
+  </p:cSld>
+  <p:clrMapOvr>
+    <a:masterClrMapping/>
+  </p:clrMapOvr>
+</p:sld>
+</file>
+
+<file path=ppt/slides/slide20.xml><?xml version="1.0" encoding="utf-8"?>
+<p:sld xmlns:a="http://schemas.openxmlformats.org/drawingml/2006/main" xmlns:r="http://schemas.openxmlformats.org/officeDocument/2006/relationships" xmlns:p="http://schemas.openxmlformats.org/presentationml/2006/main">
+  <p:cSld>
+    <p:spTree>
+      <p:nvGrpSpPr>
+        <p:cNvPr id="1" name=""/>
+        <p:cNvGrpSpPr/>
+        <p:nvPr/>
+      </p:nvGrpSpPr>
+      <p:grpSpPr>
+        <a:xfrm>
+          <a:off x="0" y="0"/>
+          <a:ext cx="0" cy="0"/>
+          <a:chOff x="0" y="0"/>
+          <a:chExt cx="0" cy="0"/>
+        </a:xfrm>
+      </p:grpSpPr>
+      <p:sp>
+        <p:nvSpPr>
+          <p:cNvPr id="2" name="제목 1">
+            <a:extLst>
+              <a:ext uri="{FF2B5EF4-FFF2-40B4-BE49-F238E27FC236}">
                 <a16:creationId xmlns:a16="http://schemas.microsoft.com/office/drawing/2014/main" id="{061F91DF-B2CB-9B0A-089A-E7636D1C92E9}"/>
               </a:ext>
             </a:extLst>
@@ -5028,7 +7294,7 @@
           <a:p>
             <a:fld id="{0F78D9C4-20C1-4B15-A116-16DC77AD9A1E}" type="datetime1">
               <a:rPr lang="ko-KR" altLang="en-US" smtClean="0"/>
-              <a:t>2024-12-11</a:t>
+              <a:t>2025-05-26</a:t>
             </a:fld>
             <a:endParaRPr lang="ko-KR" altLang="en-US"/>
           </a:p>
@@ -5057,7 +7323,7 @@
           <a:p>
             <a:fld id="{083A2CE0-18CD-4102-B738-4ACFF9E68BA4}" type="slidenum">
               <a:rPr lang="ko-KR" altLang="en-US" smtClean="0"/>
-              <a:t>13</a:t>
+              <a:t>20</a:t>
             </a:fld>
             <a:endParaRPr lang="ko-KR" altLang="en-US"/>
           </a:p>
@@ -5136,7 +7402,7 @@
 </p:sld>
 </file>
 
-<file path=ppt/slides/slide14.xml><?xml version="1.0" encoding="utf-8"?>
+<file path=ppt/slides/slide21.xml><?xml version="1.0" encoding="utf-8"?>
 <p:sld xmlns:a="http://schemas.openxmlformats.org/drawingml/2006/main" xmlns:r="http://schemas.openxmlformats.org/officeDocument/2006/relationships" xmlns:p="http://schemas.openxmlformats.org/presentationml/2006/main">
   <p:cSld>
     <p:spTree>
@@ -5252,7 +7518,7 @@
           <a:p>
             <a:fld id="{0F78D9C4-20C1-4B15-A116-16DC77AD9A1E}" type="datetime1">
               <a:rPr lang="ko-KR" altLang="en-US" smtClean="0"/>
-              <a:t>2024-12-11</a:t>
+              <a:t>2025-05-26</a:t>
             </a:fld>
             <a:endParaRPr lang="ko-KR" altLang="en-US"/>
           </a:p>
@@ -5281,7 +7547,7 @@
           <a:p>
             <a:fld id="{083A2CE0-18CD-4102-B738-4ACFF9E68BA4}" type="slidenum">
               <a:rPr lang="ko-KR" altLang="en-US" smtClean="0"/>
-              <a:t>14</a:t>
+              <a:t>21</a:t>
             </a:fld>
             <a:endParaRPr lang="ko-KR" altLang="en-US"/>
           </a:p>
@@ -5360,7 +7626,7 @@
 </p:sld>
 </file>
 
-<file path=ppt/slides/slide15.xml><?xml version="1.0" encoding="utf-8"?>
+<file path=ppt/slides/slide22.xml><?xml version="1.0" encoding="utf-8"?>
 <p:sld xmlns:a="http://schemas.openxmlformats.org/drawingml/2006/main" xmlns:r="http://schemas.openxmlformats.org/officeDocument/2006/relationships" xmlns:p="http://schemas.openxmlformats.org/presentationml/2006/main">
   <p:cSld>
     <p:spTree>
@@ -5481,7 +7747,7 @@
           <a:p>
             <a:fld id="{0F78D9C4-20C1-4B15-A116-16DC77AD9A1E}" type="datetime1">
               <a:rPr lang="ko-KR" altLang="en-US" smtClean="0"/>
-              <a:t>2024-12-11</a:t>
+              <a:t>2025-05-26</a:t>
             </a:fld>
             <a:endParaRPr lang="ko-KR" altLang="en-US"/>
           </a:p>
@@ -5510,7 +7776,7 @@
           <a:p>
             <a:fld id="{083A2CE0-18CD-4102-B738-4ACFF9E68BA4}" type="slidenum">
               <a:rPr lang="ko-KR" altLang="en-US" smtClean="0"/>
-              <a:t>15</a:t>
+              <a:t>22</a:t>
             </a:fld>
             <a:endParaRPr lang="ko-KR" altLang="en-US"/>
           </a:p>
@@ -5589,7 +7855,7 @@
 </p:sld>
 </file>
 
-<file path=ppt/slides/slide16.xml><?xml version="1.0" encoding="utf-8"?>
+<file path=ppt/slides/slide23.xml><?xml version="1.0" encoding="utf-8"?>
 <p:sld xmlns:a="http://schemas.openxmlformats.org/drawingml/2006/main" xmlns:r="http://schemas.openxmlformats.org/officeDocument/2006/relationships" xmlns:p="http://schemas.openxmlformats.org/presentationml/2006/main">
   <p:cSld>
     <p:spTree>
@@ -5722,7 +7988,7 @@
           <a:p>
             <a:fld id="{0F78D9C4-20C1-4B15-A116-16DC77AD9A1E}" type="datetime1">
               <a:rPr lang="ko-KR" altLang="en-US" smtClean="0"/>
-              <a:t>2024-12-11</a:t>
+              <a:t>2025-05-26</a:t>
             </a:fld>
             <a:endParaRPr lang="ko-KR" altLang="en-US"/>
           </a:p>
@@ -5751,7 +8017,7 @@
           <a:p>
             <a:fld id="{083A2CE0-18CD-4102-B738-4ACFF9E68BA4}" type="slidenum">
               <a:rPr lang="ko-KR" altLang="en-US" smtClean="0"/>
-              <a:t>16</a:t>
+              <a:t>23</a:t>
             </a:fld>
             <a:endParaRPr lang="ko-KR" altLang="en-US"/>
           </a:p>
@@ -5830,7 +8096,7 @@
 </p:sld>
 </file>
 
-<file path=ppt/slides/slide17.xml><?xml version="1.0" encoding="utf-8"?>
+<file path=ppt/slides/slide24.xml><?xml version="1.0" encoding="utf-8"?>
 <p:sld xmlns:a="http://schemas.openxmlformats.org/drawingml/2006/main" xmlns:r="http://schemas.openxmlformats.org/officeDocument/2006/relationships" xmlns:p="http://schemas.openxmlformats.org/presentationml/2006/main">
   <p:cSld>
     <p:spTree>
@@ -5940,7 +8206,7 @@
           <a:p>
             <a:fld id="{0F78D9C4-20C1-4B15-A116-16DC77AD9A1E}" type="datetime1">
               <a:rPr lang="ko-KR" altLang="en-US" smtClean="0"/>
-              <a:t>2024-12-11</a:t>
+              <a:t>2025-05-26</a:t>
             </a:fld>
             <a:endParaRPr lang="ko-KR" altLang="en-US"/>
           </a:p>
@@ -5969,7 +8235,7 @@
           <a:p>
             <a:fld id="{083A2CE0-18CD-4102-B738-4ACFF9E68BA4}" type="slidenum">
               <a:rPr lang="ko-KR" altLang="en-US" smtClean="0"/>
-              <a:t>17</a:t>
+              <a:t>24</a:t>
             </a:fld>
             <a:endParaRPr lang="ko-KR" altLang="en-US"/>
           </a:p>
@@ -6048,7 +8314,7 @@
 </p:sld>
 </file>
 
-<file path=ppt/slides/slide18.xml><?xml version="1.0" encoding="utf-8"?>
+<file path=ppt/slides/slide25.xml><?xml version="1.0" encoding="utf-8"?>
 <p:sld xmlns:a="http://schemas.openxmlformats.org/drawingml/2006/main" xmlns:r="http://schemas.openxmlformats.org/officeDocument/2006/relationships" xmlns:p="http://schemas.openxmlformats.org/presentationml/2006/main">
   <p:cSld>
     <p:spTree>
@@ -6166,7 +8432,7 @@
           <a:p>
             <a:fld id="{0F78D9C4-20C1-4B15-A116-16DC77AD9A1E}" type="datetime1">
               <a:rPr lang="ko-KR" altLang="en-US" smtClean="0"/>
-              <a:t>2024-12-11</a:t>
+              <a:t>2025-05-26</a:t>
             </a:fld>
             <a:endParaRPr lang="ko-KR" altLang="en-US"/>
           </a:p>
@@ -6195,7 +8461,7 @@
           <a:p>
             <a:fld id="{083A2CE0-18CD-4102-B738-4ACFF9E68BA4}" type="slidenum">
               <a:rPr lang="ko-KR" altLang="en-US" smtClean="0"/>
-              <a:t>18</a:t>
+              <a:t>25</a:t>
             </a:fld>
             <a:endParaRPr lang="ko-KR" altLang="en-US"/>
           </a:p>
@@ -6244,7 +8510,7 @@
 </p:sld>
 </file>
 
-<file path=ppt/slides/slide19.xml><?xml version="1.0" encoding="utf-8"?>
+<file path=ppt/slides/slide26.xml><?xml version="1.0" encoding="utf-8"?>
 <p:sld xmlns:a="http://schemas.openxmlformats.org/drawingml/2006/main" xmlns:r="http://schemas.openxmlformats.org/officeDocument/2006/relationships" xmlns:p="http://schemas.openxmlformats.org/presentationml/2006/main">
   <p:cSld>
     <p:spTree>
@@ -6438,7 +8704,7 @@
           <a:p>
             <a:fld id="{0F78D9C4-20C1-4B15-A116-16DC77AD9A1E}" type="datetime1">
               <a:rPr lang="ko-KR" altLang="en-US" smtClean="0"/>
-              <a:t>2024-12-11</a:t>
+              <a:t>2025-05-26</a:t>
             </a:fld>
             <a:endParaRPr lang="ko-KR" altLang="en-US"/>
           </a:p>
@@ -6467,7 +8733,7 @@
           <a:p>
             <a:fld id="{083A2CE0-18CD-4102-B738-4ACFF9E68BA4}" type="slidenum">
               <a:rPr lang="ko-KR" altLang="en-US" smtClean="0"/>
-              <a:t>19</a:t>
+              <a:t>26</a:t>
             </a:fld>
             <a:endParaRPr lang="ko-KR" altLang="en-US"/>
           </a:p>
@@ -6486,7 +8752,7 @@
 </p:sld>
 </file>
 
-<file path=ppt/slides/slide2.xml><?xml version="1.0" encoding="utf-8"?>
+<file path=ppt/slides/slide27.xml><?xml version="1.0" encoding="utf-8"?>
 <p:sld xmlns:a="http://schemas.openxmlformats.org/drawingml/2006/main" xmlns:r="http://schemas.openxmlformats.org/officeDocument/2006/relationships" xmlns:p="http://schemas.openxmlformats.org/presentationml/2006/main">
   <p:cSld>
     <p:spTree>
@@ -6508,150 +8774,6 @@
           <p:cNvPr id="2" name="제목 1">
             <a:extLst>
               <a:ext uri="{FF2B5EF4-FFF2-40B4-BE49-F238E27FC236}">
-                <a16:creationId xmlns:a16="http://schemas.microsoft.com/office/drawing/2014/main" id="{5CB49C79-8DE4-4842-D1E6-927CDD6D4464}"/>
-              </a:ext>
-            </a:extLst>
-          </p:cNvPr>
-          <p:cNvSpPr>
-            <a:spLocks noGrp="1"/>
-          </p:cNvSpPr>
-          <p:nvPr>
-            <p:ph type="ctrTitle"/>
-          </p:nvPr>
-        </p:nvSpPr>
-        <p:spPr>
-          <a:xfrm>
-            <a:off x="3065599" y="3429000"/>
-            <a:ext cx="6060801" cy="974422"/>
-          </a:xfrm>
-        </p:spPr>
-        <p:txBody>
-          <a:bodyPr>
-            <a:noAutofit/>
-          </a:bodyPr>
-          <a:lstStyle/>
-          <a:p>
-            <a:pPr>
-              <a:lnSpc>
-                <a:spcPct val="150000"/>
-              </a:lnSpc>
-            </a:pPr>
-            <a:r>
-              <a:rPr lang="en-US" altLang="ko-KR" dirty="0"/>
-              <a:t>C#</a:t>
-            </a:r>
-            <a:r>
-              <a:rPr lang="ko-KR" altLang="en-US" dirty="0"/>
-              <a:t> </a:t>
-            </a:r>
-            <a:r>
-              <a:rPr lang="en-US" altLang="ko-KR" dirty="0"/>
-              <a:t>WPF</a:t>
-            </a:r>
-            <a:br>
-              <a:rPr lang="en-US" altLang="ko-KR" dirty="0"/>
-            </a:br>
-            <a:r>
-              <a:rPr lang="en-US" altLang="ko-KR" dirty="0" err="1"/>
-              <a:t>Dataframe</a:t>
-            </a:r>
-            <a:endParaRPr lang="ko-KR" altLang="en-US" dirty="0"/>
-          </a:p>
-        </p:txBody>
-      </p:sp>
-      <p:sp>
-        <p:nvSpPr>
-          <p:cNvPr id="4" name="날짜 개체 틀 3">
-            <a:extLst>
-              <a:ext uri="{FF2B5EF4-FFF2-40B4-BE49-F238E27FC236}">
-                <a16:creationId xmlns:a16="http://schemas.microsoft.com/office/drawing/2014/main" id="{20223B3B-2FCF-58AF-BC81-E9824EB6B19E}"/>
-              </a:ext>
-            </a:extLst>
-          </p:cNvPr>
-          <p:cNvSpPr>
-            <a:spLocks noGrp="1"/>
-          </p:cNvSpPr>
-          <p:nvPr>
-            <p:ph type="dt" sz="half" idx="10"/>
-          </p:nvPr>
-        </p:nvSpPr>
-        <p:spPr/>
-        <p:txBody>
-          <a:bodyPr/>
-          <a:lstStyle/>
-          <a:p>
-            <a:fld id="{2E2BEDFA-D8AA-4914-9440-7DF713C99FA9}" type="datetime1">
-              <a:rPr lang="ko-KR" altLang="en-US" smtClean="0"/>
-              <a:t>2024-12-11</a:t>
-            </a:fld>
-            <a:endParaRPr lang="ko-KR" altLang="en-US"/>
-          </a:p>
-        </p:txBody>
-      </p:sp>
-      <p:sp>
-        <p:nvSpPr>
-          <p:cNvPr id="6" name="슬라이드 번호 개체 틀 5">
-            <a:extLst>
-              <a:ext uri="{FF2B5EF4-FFF2-40B4-BE49-F238E27FC236}">
-                <a16:creationId xmlns:a16="http://schemas.microsoft.com/office/drawing/2014/main" id="{AC7112DC-52CD-A148-06F6-6813E1A67427}"/>
-              </a:ext>
-            </a:extLst>
-          </p:cNvPr>
-          <p:cNvSpPr>
-            <a:spLocks noGrp="1"/>
-          </p:cNvSpPr>
-          <p:nvPr>
-            <p:ph type="sldNum" sz="quarter" idx="12"/>
-          </p:nvPr>
-        </p:nvSpPr>
-        <p:spPr/>
-        <p:txBody>
-          <a:bodyPr/>
-          <a:lstStyle/>
-          <a:p>
-            <a:fld id="{083A2CE0-18CD-4102-B738-4ACFF9E68BA4}" type="slidenum">
-              <a:rPr lang="ko-KR" altLang="en-US" smtClean="0"/>
-              <a:t>2</a:t>
-            </a:fld>
-            <a:endParaRPr lang="ko-KR" altLang="en-US"/>
-          </a:p>
-        </p:txBody>
-      </p:sp>
-    </p:spTree>
-    <p:extLst>
-      <p:ext uri="{BB962C8B-B14F-4D97-AF65-F5344CB8AC3E}">
-        <p14:creationId xmlns:p14="http://schemas.microsoft.com/office/powerpoint/2010/main" val="1611655305"/>
-      </p:ext>
-    </p:extLst>
-  </p:cSld>
-  <p:clrMapOvr>
-    <a:masterClrMapping/>
-  </p:clrMapOvr>
-</p:sld>
-</file>
-
-<file path=ppt/slides/slide20.xml><?xml version="1.0" encoding="utf-8"?>
-<p:sld xmlns:a="http://schemas.openxmlformats.org/drawingml/2006/main" xmlns:r="http://schemas.openxmlformats.org/officeDocument/2006/relationships" xmlns:p="http://schemas.openxmlformats.org/presentationml/2006/main">
-  <p:cSld>
-    <p:spTree>
-      <p:nvGrpSpPr>
-        <p:cNvPr id="1" name=""/>
-        <p:cNvGrpSpPr/>
-        <p:nvPr/>
-      </p:nvGrpSpPr>
-      <p:grpSpPr>
-        <a:xfrm>
-          <a:off x="0" y="0"/>
-          <a:ext cx="0" cy="0"/>
-          <a:chOff x="0" y="0"/>
-          <a:chExt cx="0" cy="0"/>
-        </a:xfrm>
-      </p:grpSpPr>
-      <p:sp>
-        <p:nvSpPr>
-          <p:cNvPr id="2" name="제목 1">
-            <a:extLst>
-              <a:ext uri="{FF2B5EF4-FFF2-40B4-BE49-F238E27FC236}">
                 <a16:creationId xmlns:a16="http://schemas.microsoft.com/office/drawing/2014/main" id="{061F91DF-B2CB-9B0A-089A-E7636D1C92E9}"/>
               </a:ext>
             </a:extLst>
@@ -6819,7 +8941,7 @@
           <a:p>
             <a:fld id="{0F78D9C4-20C1-4B15-A116-16DC77AD9A1E}" type="datetime1">
               <a:rPr lang="ko-KR" altLang="en-US" smtClean="0"/>
-              <a:t>2024-12-11</a:t>
+              <a:t>2025-05-26</a:t>
             </a:fld>
             <a:endParaRPr lang="ko-KR" altLang="en-US"/>
           </a:p>
@@ -6848,7 +8970,7 @@
           <a:p>
             <a:fld id="{083A2CE0-18CD-4102-B738-4ACFF9E68BA4}" type="slidenum">
               <a:rPr lang="ko-KR" altLang="en-US" smtClean="0"/>
-              <a:t>20</a:t>
+              <a:t>27</a:t>
             </a:fld>
             <a:endParaRPr lang="ko-KR" altLang="en-US"/>
           </a:p>
@@ -6897,7 +9019,7 @@
 </p:sld>
 </file>
 
-<file path=ppt/slides/slide21.xml><?xml version="1.0" encoding="utf-8"?>
+<file path=ppt/slides/slide28.xml><?xml version="1.0" encoding="utf-8"?>
 <p:sld xmlns:a="http://schemas.openxmlformats.org/drawingml/2006/main" xmlns:r="http://schemas.openxmlformats.org/officeDocument/2006/relationships" xmlns:p="http://schemas.openxmlformats.org/presentationml/2006/main">
   <p:cSld>
     <p:spTree>
@@ -7036,7 +9158,7 @@
           <a:p>
             <a:fld id="{0F78D9C4-20C1-4B15-A116-16DC77AD9A1E}" type="datetime1">
               <a:rPr lang="ko-KR" altLang="en-US" smtClean="0"/>
-              <a:t>2024-12-11</a:t>
+              <a:t>2025-05-26</a:t>
             </a:fld>
             <a:endParaRPr lang="ko-KR" altLang="en-US"/>
           </a:p>
@@ -7065,7 +9187,7 @@
           <a:p>
             <a:fld id="{083A2CE0-18CD-4102-B738-4ACFF9E68BA4}" type="slidenum">
               <a:rPr lang="ko-KR" altLang="en-US" smtClean="0"/>
-              <a:t>21</a:t>
+              <a:t>28</a:t>
             </a:fld>
             <a:endParaRPr lang="ko-KR" altLang="en-US"/>
           </a:p>
@@ -7114,7 +9236,7 @@
 </p:sld>
 </file>
 
-<file path=ppt/slides/slide22.xml><?xml version="1.0" encoding="utf-8"?>
+<file path=ppt/slides/slide29.xml><?xml version="1.0" encoding="utf-8"?>
 <p:sld xmlns:a="http://schemas.openxmlformats.org/drawingml/2006/main" xmlns:r="http://schemas.openxmlformats.org/officeDocument/2006/relationships" xmlns:p="http://schemas.openxmlformats.org/presentationml/2006/main">
   <p:cSld>
     <p:spTree>
@@ -7263,7 +9385,7 @@
           <a:p>
             <a:fld id="{0F78D9C4-20C1-4B15-A116-16DC77AD9A1E}" type="datetime1">
               <a:rPr lang="ko-KR" altLang="en-US" smtClean="0"/>
-              <a:t>2024-12-11</a:t>
+              <a:t>2025-05-26</a:t>
             </a:fld>
             <a:endParaRPr lang="ko-KR" altLang="en-US"/>
           </a:p>
@@ -7292,7 +9414,7 @@
           <a:p>
             <a:fld id="{083A2CE0-18CD-4102-B738-4ACFF9E68BA4}" type="slidenum">
               <a:rPr lang="ko-KR" altLang="en-US" smtClean="0"/>
-              <a:t>22</a:t>
+              <a:t>29</a:t>
             </a:fld>
             <a:endParaRPr lang="ko-KR" altLang="en-US"/>
           </a:p>
@@ -7341,7 +9463,7 @@
 </p:sld>
 </file>
 
-<file path=ppt/slides/slide23.xml><?xml version="1.0" encoding="utf-8"?>
+<file path=ppt/slides/slide3.xml><?xml version="1.0" encoding="utf-8"?>
 <p:sld xmlns:a="http://schemas.openxmlformats.org/drawingml/2006/main" xmlns:r="http://schemas.openxmlformats.org/officeDocument/2006/relationships" xmlns:p="http://schemas.openxmlformats.org/presentationml/2006/main">
   <p:cSld>
     <p:spTree>
@@ -7363,6 +9485,345 @@
           <p:cNvPr id="2" name="제목 1">
             <a:extLst>
               <a:ext uri="{FF2B5EF4-FFF2-40B4-BE49-F238E27FC236}">
+                <a16:creationId xmlns:a16="http://schemas.microsoft.com/office/drawing/2014/main" id="{8A1DB8B8-99D7-15FA-E225-02DC04E740E9}"/>
+              </a:ext>
+            </a:extLst>
+          </p:cNvPr>
+          <p:cNvSpPr>
+            <a:spLocks noGrp="1"/>
+          </p:cNvSpPr>
+          <p:nvPr>
+            <p:ph type="title"/>
+          </p:nvPr>
+        </p:nvSpPr>
+        <p:spPr/>
+        <p:txBody>
+          <a:bodyPr/>
+          <a:lstStyle/>
+          <a:p>
+            <a:r>
+              <a:rPr lang="ko-KR" altLang="en-US" dirty="0"/>
+              <a:t>릴리즈 빌드</a:t>
+            </a:r>
+          </a:p>
+        </p:txBody>
+      </p:sp>
+      <p:sp>
+        <p:nvSpPr>
+          <p:cNvPr id="4" name="날짜 개체 틀 3">
+            <a:extLst>
+              <a:ext uri="{FF2B5EF4-FFF2-40B4-BE49-F238E27FC236}">
+                <a16:creationId xmlns:a16="http://schemas.microsoft.com/office/drawing/2014/main" id="{E98717C0-F3BE-023F-9494-A252B27411F6}"/>
+              </a:ext>
+            </a:extLst>
+          </p:cNvPr>
+          <p:cNvSpPr>
+            <a:spLocks noGrp="1"/>
+          </p:cNvSpPr>
+          <p:nvPr>
+            <p:ph type="dt" sz="half" idx="10"/>
+          </p:nvPr>
+        </p:nvSpPr>
+        <p:spPr/>
+        <p:txBody>
+          <a:bodyPr/>
+          <a:lstStyle/>
+          <a:p>
+            <a:fld id="{0F78D9C4-20C1-4B15-A116-16DC77AD9A1E}" type="datetime1">
+              <a:rPr lang="ko-KR" altLang="en-US" smtClean="0"/>
+              <a:t>2025-05-26</a:t>
+            </a:fld>
+            <a:endParaRPr lang="ko-KR" altLang="en-US"/>
+          </a:p>
+        </p:txBody>
+      </p:sp>
+      <p:sp>
+        <p:nvSpPr>
+          <p:cNvPr id="5" name="슬라이드 번호 개체 틀 4">
+            <a:extLst>
+              <a:ext uri="{FF2B5EF4-FFF2-40B4-BE49-F238E27FC236}">
+                <a16:creationId xmlns:a16="http://schemas.microsoft.com/office/drawing/2014/main" id="{EC738FD2-126E-A4A0-34E1-FB5E8B7459D2}"/>
+              </a:ext>
+            </a:extLst>
+          </p:cNvPr>
+          <p:cNvSpPr>
+            <a:spLocks noGrp="1"/>
+          </p:cNvSpPr>
+          <p:nvPr>
+            <p:ph type="sldNum" sz="quarter" idx="12"/>
+          </p:nvPr>
+        </p:nvSpPr>
+        <p:spPr/>
+        <p:txBody>
+          <a:bodyPr/>
+          <a:lstStyle/>
+          <a:p>
+            <a:fld id="{083A2CE0-18CD-4102-B738-4ACFF9E68BA4}" type="slidenum">
+              <a:rPr lang="ko-KR" altLang="en-US" smtClean="0"/>
+              <a:t>3</a:t>
+            </a:fld>
+            <a:endParaRPr lang="ko-KR" altLang="en-US"/>
+          </a:p>
+        </p:txBody>
+      </p:sp>
+      <p:pic>
+        <p:nvPicPr>
+          <p:cNvPr id="3" name="그림 2">
+            <a:extLst>
+              <a:ext uri="{FF2B5EF4-FFF2-40B4-BE49-F238E27FC236}">
+                <a16:creationId xmlns:a16="http://schemas.microsoft.com/office/drawing/2014/main" id="{04F3F302-D3DD-A4D4-FF9F-427C9E79197B}"/>
+              </a:ext>
+            </a:extLst>
+          </p:cNvPr>
+          <p:cNvPicPr>
+            <a:picLocks noChangeAspect="1"/>
+          </p:cNvPicPr>
+          <p:nvPr/>
+        </p:nvPicPr>
+        <p:blipFill>
+          <a:blip r:embed="rId2"/>
+          <a:stretch>
+            <a:fillRect/>
+          </a:stretch>
+        </p:blipFill>
+        <p:spPr>
+          <a:xfrm>
+            <a:off x="835212" y="2026491"/>
+            <a:ext cx="3353268" cy="2210108"/>
+          </a:xfrm>
+          <a:prstGeom prst="rect">
+            <a:avLst/>
+          </a:prstGeom>
+        </p:spPr>
+      </p:pic>
+      <p:sp>
+        <p:nvSpPr>
+          <p:cNvPr id="11" name="TextBox 10">
+            <a:hlinkClick r:id="rId3"/>
+            <a:extLst>
+              <a:ext uri="{FF2B5EF4-FFF2-40B4-BE49-F238E27FC236}">
+                <a16:creationId xmlns:a16="http://schemas.microsoft.com/office/drawing/2014/main" id="{CF5CFF40-E97F-6E2C-1DC3-1DD6F319641C}"/>
+              </a:ext>
+            </a:extLst>
+          </p:cNvPr>
+          <p:cNvSpPr txBox="1"/>
+          <p:nvPr/>
+        </p:nvSpPr>
+        <p:spPr>
+          <a:xfrm>
+            <a:off x="5022082" y="1935292"/>
+            <a:ext cx="6315419" cy="369332"/>
+          </a:xfrm>
+          <a:prstGeom prst="rect">
+            <a:avLst/>
+          </a:prstGeom>
+          <a:noFill/>
+        </p:spPr>
+        <p:txBody>
+          <a:bodyPr wrap="square">
+            <a:spAutoFit/>
+          </a:bodyPr>
+          <a:lstStyle/>
+          <a:p>
+            <a:r>
+              <a:rPr lang="ko-KR" altLang="en-US">
+                <a:hlinkClick r:id="rId3"/>
+              </a:rPr>
+              <a:t>https://dotnet.microsoft.com/en-us/download/dotnet/8.0</a:t>
+            </a:r>
+            <a:endParaRPr lang="ko-KR" altLang="en-US"/>
+          </a:p>
+        </p:txBody>
+      </p:sp>
+      <p:pic>
+        <p:nvPicPr>
+          <p:cNvPr id="13" name="그림 12">
+            <a:extLst>
+              <a:ext uri="{FF2B5EF4-FFF2-40B4-BE49-F238E27FC236}">
+                <a16:creationId xmlns:a16="http://schemas.microsoft.com/office/drawing/2014/main" id="{4B939874-BAD4-A83D-FD92-AAFAD3535AF8}"/>
+              </a:ext>
+            </a:extLst>
+          </p:cNvPr>
+          <p:cNvPicPr>
+            <a:picLocks noChangeAspect="1"/>
+          </p:cNvPicPr>
+          <p:nvPr/>
+        </p:nvPicPr>
+        <p:blipFill>
+          <a:blip r:embed="rId4"/>
+          <a:stretch>
+            <a:fillRect/>
+          </a:stretch>
+        </p:blipFill>
+        <p:spPr>
+          <a:xfrm>
+            <a:off x="4913677" y="2866726"/>
+            <a:ext cx="6423824" cy="3054522"/>
+          </a:xfrm>
+          <a:prstGeom prst="rect">
+            <a:avLst/>
+          </a:prstGeom>
+        </p:spPr>
+      </p:pic>
+      <p:cxnSp>
+        <p:nvCxnSpPr>
+          <p:cNvPr id="19" name="직선 연결선 18">
+            <a:extLst>
+              <a:ext uri="{FF2B5EF4-FFF2-40B4-BE49-F238E27FC236}">
+                <a16:creationId xmlns:a16="http://schemas.microsoft.com/office/drawing/2014/main" id="{533D3E44-E1C1-6AC0-4C98-6DDE8E5AFE1A}"/>
+              </a:ext>
+            </a:extLst>
+          </p:cNvPr>
+          <p:cNvCxnSpPr/>
+          <p:nvPr/>
+        </p:nvCxnSpPr>
+        <p:spPr>
+          <a:xfrm>
+            <a:off x="5106544" y="3364717"/>
+            <a:ext cx="3833870" cy="0"/>
+          </a:xfrm>
+          <a:prstGeom prst="line">
+            <a:avLst/>
+          </a:prstGeom>
+        </p:spPr>
+        <p:style>
+          <a:lnRef idx="3">
+            <a:schemeClr val="accent2"/>
+          </a:lnRef>
+          <a:fillRef idx="0">
+            <a:schemeClr val="accent2"/>
+          </a:fillRef>
+          <a:effectRef idx="2">
+            <a:schemeClr val="accent2"/>
+          </a:effectRef>
+          <a:fontRef idx="minor">
+            <a:schemeClr val="tx1"/>
+          </a:fontRef>
+        </p:style>
+      </p:cxnSp>
+      <p:cxnSp>
+        <p:nvCxnSpPr>
+          <p:cNvPr id="20" name="직선 연결선 19">
+            <a:extLst>
+              <a:ext uri="{FF2B5EF4-FFF2-40B4-BE49-F238E27FC236}">
+                <a16:creationId xmlns:a16="http://schemas.microsoft.com/office/drawing/2014/main" id="{8E1C2EA5-7061-8C33-9241-64DE31A38300}"/>
+              </a:ext>
+            </a:extLst>
+          </p:cNvPr>
+          <p:cNvCxnSpPr>
+            <a:cxnSpLocks/>
+          </p:cNvCxnSpPr>
+          <p:nvPr/>
+        </p:nvCxnSpPr>
+        <p:spPr>
+          <a:xfrm>
+            <a:off x="6900458" y="5213715"/>
+            <a:ext cx="453527" cy="0"/>
+          </a:xfrm>
+          <a:prstGeom prst="line">
+            <a:avLst/>
+          </a:prstGeom>
+        </p:spPr>
+        <p:style>
+          <a:lnRef idx="3">
+            <a:schemeClr val="accent2"/>
+          </a:lnRef>
+          <a:fillRef idx="0">
+            <a:schemeClr val="accent2"/>
+          </a:fillRef>
+          <a:effectRef idx="2">
+            <a:schemeClr val="accent2"/>
+          </a:effectRef>
+          <a:fontRef idx="minor">
+            <a:schemeClr val="tx1"/>
+          </a:fontRef>
+        </p:style>
+      </p:cxnSp>
+      <p:sp>
+        <p:nvSpPr>
+          <p:cNvPr id="6" name="TextBox 5">
+            <a:extLst>
+              <a:ext uri="{FF2B5EF4-FFF2-40B4-BE49-F238E27FC236}">
+                <a16:creationId xmlns:a16="http://schemas.microsoft.com/office/drawing/2014/main" id="{2C94CE6F-FD94-54FE-15E8-B6D12C7DE002}"/>
+              </a:ext>
+            </a:extLst>
+          </p:cNvPr>
+          <p:cNvSpPr txBox="1"/>
+          <p:nvPr/>
+        </p:nvSpPr>
+        <p:spPr>
+          <a:xfrm>
+            <a:off x="659878" y="4363181"/>
+            <a:ext cx="3869970" cy="707886"/>
+          </a:xfrm>
+          <a:prstGeom prst="rect">
+            <a:avLst/>
+          </a:prstGeom>
+          <a:noFill/>
+        </p:spPr>
+        <p:txBody>
+          <a:bodyPr wrap="none" rtlCol="0">
+            <a:spAutoFit/>
+          </a:bodyPr>
+          <a:lstStyle/>
+          <a:p>
+            <a:r>
+              <a:rPr lang="ko-KR" altLang="en-US" sz="2000" dirty="0"/>
+              <a:t>닷넷이 설치되어 있지 않은 </a:t>
+            </a:r>
+            <a:r>
+              <a:rPr lang="en-US" altLang="ko-KR" sz="2000" dirty="0"/>
+              <a:t>PC</a:t>
+            </a:r>
+            <a:r>
+              <a:rPr lang="ko-KR" altLang="en-US" sz="2000" dirty="0"/>
+              <a:t>에서는</a:t>
+            </a:r>
+            <a:endParaRPr lang="en-US" altLang="ko-KR" sz="2000" dirty="0"/>
+          </a:p>
+          <a:p>
+            <a:r>
+              <a:rPr lang="ko-KR" altLang="en-US" sz="2000" dirty="0"/>
+              <a:t>닷넷 런타임 설치가 필요함</a:t>
+            </a:r>
+          </a:p>
+        </p:txBody>
+      </p:sp>
+    </p:spTree>
+    <p:extLst>
+      <p:ext uri="{BB962C8B-B14F-4D97-AF65-F5344CB8AC3E}">
+        <p14:creationId xmlns:p14="http://schemas.microsoft.com/office/powerpoint/2010/main" val="287351808"/>
+      </p:ext>
+    </p:extLst>
+  </p:cSld>
+  <p:clrMapOvr>
+    <a:masterClrMapping/>
+  </p:clrMapOvr>
+</p:sld>
+</file>
+
+<file path=ppt/slides/slide30.xml><?xml version="1.0" encoding="utf-8"?>
+<p:sld xmlns:a="http://schemas.openxmlformats.org/drawingml/2006/main" xmlns:r="http://schemas.openxmlformats.org/officeDocument/2006/relationships" xmlns:p="http://schemas.openxmlformats.org/presentationml/2006/main">
+  <p:cSld>
+    <p:spTree>
+      <p:nvGrpSpPr>
+        <p:cNvPr id="1" name=""/>
+        <p:cNvGrpSpPr/>
+        <p:nvPr/>
+      </p:nvGrpSpPr>
+      <p:grpSpPr>
+        <a:xfrm>
+          <a:off x="0" y="0"/>
+          <a:ext cx="0" cy="0"/>
+          <a:chOff x="0" y="0"/>
+          <a:chExt cx="0" cy="0"/>
+        </a:xfrm>
+      </p:grpSpPr>
+      <p:sp>
+        <p:nvSpPr>
+          <p:cNvPr id="2" name="제목 1">
+            <a:extLst>
+              <a:ext uri="{FF2B5EF4-FFF2-40B4-BE49-F238E27FC236}">
                 <a16:creationId xmlns:a16="http://schemas.microsoft.com/office/drawing/2014/main" id="{061F91DF-B2CB-9B0A-089A-E7636D1C92E9}"/>
               </a:ext>
             </a:extLst>
@@ -7505,7 +9966,7 @@
           <a:p>
             <a:fld id="{0F78D9C4-20C1-4B15-A116-16DC77AD9A1E}" type="datetime1">
               <a:rPr lang="ko-KR" altLang="en-US" smtClean="0"/>
-              <a:t>2024-12-11</a:t>
+              <a:t>2025-05-26</a:t>
             </a:fld>
             <a:endParaRPr lang="ko-KR" altLang="en-US"/>
           </a:p>
@@ -7534,7 +9995,7 @@
           <a:p>
             <a:fld id="{083A2CE0-18CD-4102-B738-4ACFF9E68BA4}" type="slidenum">
               <a:rPr lang="ko-KR" altLang="en-US" smtClean="0"/>
-              <a:t>23</a:t>
+              <a:t>30</a:t>
             </a:fld>
             <a:endParaRPr lang="ko-KR" altLang="en-US"/>
           </a:p>
@@ -7583,7 +10044,7 @@
 </p:sld>
 </file>
 
-<file path=ppt/slides/slide24.xml><?xml version="1.0" encoding="utf-8"?>
+<file path=ppt/slides/slide31.xml><?xml version="1.0" encoding="utf-8"?>
 <p:sld xmlns:a="http://schemas.openxmlformats.org/drawingml/2006/main" xmlns:r="http://schemas.openxmlformats.org/officeDocument/2006/relationships" xmlns:p="http://schemas.openxmlformats.org/presentationml/2006/main">
   <p:cSld>
     <p:spTree>
@@ -7747,7 +10208,7 @@
           <a:p>
             <a:fld id="{0F78D9C4-20C1-4B15-A116-16DC77AD9A1E}" type="datetime1">
               <a:rPr lang="ko-KR" altLang="en-US" smtClean="0"/>
-              <a:t>2024-12-11</a:t>
+              <a:t>2025-05-26</a:t>
             </a:fld>
             <a:endParaRPr lang="ko-KR" altLang="en-US"/>
           </a:p>
@@ -7776,7 +10237,7 @@
           <a:p>
             <a:fld id="{083A2CE0-18CD-4102-B738-4ACFF9E68BA4}" type="slidenum">
               <a:rPr lang="ko-KR" altLang="en-US" smtClean="0"/>
-              <a:t>24</a:t>
+              <a:t>31</a:t>
             </a:fld>
             <a:endParaRPr lang="ko-KR" altLang="en-US"/>
           </a:p>
@@ -7825,7 +10286,7 @@
 </p:sld>
 </file>
 
-<file path=ppt/slides/slide25.xml><?xml version="1.0" encoding="utf-8"?>
+<file path=ppt/slides/slide32.xml><?xml version="1.0" encoding="utf-8"?>
 <p:sld xmlns:a="http://schemas.openxmlformats.org/drawingml/2006/main" xmlns:r="http://schemas.openxmlformats.org/officeDocument/2006/relationships" xmlns:p="http://schemas.openxmlformats.org/presentationml/2006/main">
   <p:cSld>
     <p:spTree>
@@ -7962,7 +10423,7 @@
           <a:p>
             <a:fld id="{0F78D9C4-20C1-4B15-A116-16DC77AD9A1E}" type="datetime1">
               <a:rPr lang="ko-KR" altLang="en-US" smtClean="0"/>
-              <a:t>2024-12-11</a:t>
+              <a:t>2025-05-26</a:t>
             </a:fld>
             <a:endParaRPr lang="ko-KR" altLang="en-US"/>
           </a:p>
@@ -7991,7 +10452,7 @@
           <a:p>
             <a:fld id="{083A2CE0-18CD-4102-B738-4ACFF9E68BA4}" type="slidenum">
               <a:rPr lang="ko-KR" altLang="en-US" smtClean="0"/>
-              <a:t>25</a:t>
+              <a:t>32</a:t>
             </a:fld>
             <a:endParaRPr lang="ko-KR" altLang="en-US"/>
           </a:p>
@@ -8040,7 +10501,7 @@
 </p:sld>
 </file>
 
-<file path=ppt/slides/slide26.xml><?xml version="1.0" encoding="utf-8"?>
+<file path=ppt/slides/slide33.xml><?xml version="1.0" encoding="utf-8"?>
 <p:sld xmlns:a="http://schemas.openxmlformats.org/drawingml/2006/main" xmlns:r="http://schemas.openxmlformats.org/officeDocument/2006/relationships" xmlns:p="http://schemas.openxmlformats.org/presentationml/2006/main">
   <p:cSld>
     <p:spTree>
@@ -8162,7 +10623,7 @@
           <a:p>
             <a:fld id="{0F78D9C4-20C1-4B15-A116-16DC77AD9A1E}" type="datetime1">
               <a:rPr lang="ko-KR" altLang="en-US" smtClean="0"/>
-              <a:t>2024-12-11</a:t>
+              <a:t>2025-05-26</a:t>
             </a:fld>
             <a:endParaRPr lang="ko-KR" altLang="en-US"/>
           </a:p>
@@ -8191,7 +10652,7 @@
           <a:p>
             <a:fld id="{083A2CE0-18CD-4102-B738-4ACFF9E68BA4}" type="slidenum">
               <a:rPr lang="ko-KR" altLang="en-US" smtClean="0"/>
-              <a:t>26</a:t>
+              <a:t>33</a:t>
             </a:fld>
             <a:endParaRPr lang="ko-KR" altLang="en-US"/>
           </a:p>
@@ -8240,7 +10701,7 @@
 </p:sld>
 </file>
 
-<file path=ppt/slides/slide27.xml><?xml version="1.0" encoding="utf-8"?>
+<file path=ppt/slides/slide34.xml><?xml version="1.0" encoding="utf-8"?>
 <p:sld xmlns:a="http://schemas.openxmlformats.org/drawingml/2006/main" xmlns:r="http://schemas.openxmlformats.org/officeDocument/2006/relationships" xmlns:p="http://schemas.openxmlformats.org/presentationml/2006/main">
   <p:cSld>
     <p:spTree>
@@ -8350,7 +10811,7 @@
           <a:p>
             <a:fld id="{0F78D9C4-20C1-4B15-A116-16DC77AD9A1E}" type="datetime1">
               <a:rPr lang="ko-KR" altLang="en-US" smtClean="0"/>
-              <a:t>2024-12-11</a:t>
+              <a:t>2025-05-26</a:t>
             </a:fld>
             <a:endParaRPr lang="ko-KR" altLang="en-US"/>
           </a:p>
@@ -8379,7 +10840,7 @@
           <a:p>
             <a:fld id="{083A2CE0-18CD-4102-B738-4ACFF9E68BA4}" type="slidenum">
               <a:rPr lang="ko-KR" altLang="en-US" smtClean="0"/>
-              <a:t>27</a:t>
+              <a:t>34</a:t>
             </a:fld>
             <a:endParaRPr lang="ko-KR" altLang="en-US"/>
           </a:p>
@@ -8428,7 +10889,7 @@
 </p:sld>
 </file>
 
-<file path=ppt/slides/slide28.xml><?xml version="1.0" encoding="utf-8"?>
+<file path=ppt/slides/slide35.xml><?xml version="1.0" encoding="utf-8"?>
 <p:sld xmlns:a="http://schemas.openxmlformats.org/drawingml/2006/main" xmlns:r="http://schemas.openxmlformats.org/officeDocument/2006/relationships" xmlns:p="http://schemas.openxmlformats.org/presentationml/2006/main">
   <p:cSld>
     <p:spTree>
@@ -8538,7 +10999,7 @@
           <a:p>
             <a:fld id="{0F78D9C4-20C1-4B15-A116-16DC77AD9A1E}" type="datetime1">
               <a:rPr lang="ko-KR" altLang="en-US" smtClean="0"/>
-              <a:t>2024-12-11</a:t>
+              <a:t>2025-05-26</a:t>
             </a:fld>
             <a:endParaRPr lang="ko-KR" altLang="en-US"/>
           </a:p>
@@ -8567,7 +11028,7 @@
           <a:p>
             <a:fld id="{083A2CE0-18CD-4102-B738-4ACFF9E68BA4}" type="slidenum">
               <a:rPr lang="ko-KR" altLang="en-US" smtClean="0"/>
-              <a:t>28</a:t>
+              <a:t>35</a:t>
             </a:fld>
             <a:endParaRPr lang="ko-KR" altLang="en-US"/>
           </a:p>
@@ -8616,7 +11077,7 @@
 </p:sld>
 </file>
 
-<file path=ppt/slides/slide29.xml><?xml version="1.0" encoding="utf-8"?>
+<file path=ppt/slides/slide36.xml><?xml version="1.0" encoding="utf-8"?>
 <p:sld xmlns:a="http://schemas.openxmlformats.org/drawingml/2006/main" xmlns:r="http://schemas.openxmlformats.org/officeDocument/2006/relationships" xmlns:p="http://schemas.openxmlformats.org/presentationml/2006/main">
   <p:cSld>
     <p:spTree>
@@ -8808,7 +11269,7 @@
           <a:p>
             <a:fld id="{0F78D9C4-20C1-4B15-A116-16DC77AD9A1E}" type="datetime1">
               <a:rPr lang="ko-KR" altLang="en-US" smtClean="0"/>
-              <a:t>2024-12-11</a:t>
+              <a:t>2025-05-26</a:t>
             </a:fld>
             <a:endParaRPr lang="ko-KR" altLang="en-US"/>
           </a:p>
@@ -8837,7 +11298,7 @@
           <a:p>
             <a:fld id="{083A2CE0-18CD-4102-B738-4ACFF9E68BA4}" type="slidenum">
               <a:rPr lang="ko-KR" altLang="en-US" smtClean="0"/>
-              <a:t>29</a:t>
+              <a:t>36</a:t>
             </a:fld>
             <a:endParaRPr lang="ko-KR" altLang="en-US"/>
           </a:p>
@@ -8847,204 +11308,6 @@
     <p:extLst>
       <p:ext uri="{BB962C8B-B14F-4D97-AF65-F5344CB8AC3E}">
         <p14:creationId xmlns:p14="http://schemas.microsoft.com/office/powerpoint/2010/main" val="823890043"/>
-      </p:ext>
-    </p:extLst>
-  </p:cSld>
-  <p:clrMapOvr>
-    <a:masterClrMapping/>
-  </p:clrMapOvr>
-</p:sld>
-</file>
-
-<file path=ppt/slides/slide3.xml><?xml version="1.0" encoding="utf-8"?>
-<p:sld xmlns:a="http://schemas.openxmlformats.org/drawingml/2006/main" xmlns:r="http://schemas.openxmlformats.org/officeDocument/2006/relationships" xmlns:p="http://schemas.openxmlformats.org/presentationml/2006/main">
-  <p:cSld>
-    <p:spTree>
-      <p:nvGrpSpPr>
-        <p:cNvPr id="1" name=""/>
-        <p:cNvGrpSpPr/>
-        <p:nvPr/>
-      </p:nvGrpSpPr>
-      <p:grpSpPr>
-        <a:xfrm>
-          <a:off x="0" y="0"/>
-          <a:ext cx="0" cy="0"/>
-          <a:chOff x="0" y="0"/>
-          <a:chExt cx="0" cy="0"/>
-        </a:xfrm>
-      </p:grpSpPr>
-      <p:sp>
-        <p:nvSpPr>
-          <p:cNvPr id="2" name="제목 1">
-            <a:extLst>
-              <a:ext uri="{FF2B5EF4-FFF2-40B4-BE49-F238E27FC236}">
-                <a16:creationId xmlns:a16="http://schemas.microsoft.com/office/drawing/2014/main" id="{061F91DF-B2CB-9B0A-089A-E7636D1C92E9}"/>
-              </a:ext>
-            </a:extLst>
-          </p:cNvPr>
-          <p:cNvSpPr>
-            <a:spLocks noGrp="1"/>
-          </p:cNvSpPr>
-          <p:nvPr>
-            <p:ph type="title"/>
-          </p:nvPr>
-        </p:nvSpPr>
-        <p:spPr/>
-        <p:txBody>
-          <a:bodyPr/>
-          <a:lstStyle/>
-          <a:p>
-            <a:r>
-              <a:rPr lang="en-US" altLang="ko-KR" dirty="0" err="1"/>
-              <a:t>DataFrame</a:t>
-            </a:r>
-            <a:endParaRPr lang="ko-KR" altLang="en-US" dirty="0"/>
-          </a:p>
-        </p:txBody>
-      </p:sp>
-      <p:sp>
-        <p:nvSpPr>
-          <p:cNvPr id="6" name="내용 개체 틀 5">
-            <a:extLst>
-              <a:ext uri="{FF2B5EF4-FFF2-40B4-BE49-F238E27FC236}">
-                <a16:creationId xmlns:a16="http://schemas.microsoft.com/office/drawing/2014/main" id="{5EB2918C-1851-B2B5-60C1-B1A81C584C14}"/>
-              </a:ext>
-            </a:extLst>
-          </p:cNvPr>
-          <p:cNvSpPr>
-            <a:spLocks noGrp="1"/>
-          </p:cNvSpPr>
-          <p:nvPr>
-            <p:ph idx="1"/>
-          </p:nvPr>
-        </p:nvSpPr>
-        <p:spPr/>
-        <p:txBody>
-          <a:bodyPr/>
-          <a:lstStyle/>
-          <a:p>
-            <a:r>
-              <a:rPr lang="en-US" altLang="ko-KR" dirty="0"/>
-              <a:t>Python</a:t>
-            </a:r>
-            <a:r>
-              <a:rPr lang="ko-KR" altLang="en-US" dirty="0"/>
-              <a:t>의 </a:t>
-            </a:r>
-            <a:r>
-              <a:rPr lang="en-US" altLang="ko-KR" dirty="0"/>
-              <a:t>pandas </a:t>
-            </a:r>
-            <a:r>
-              <a:rPr lang="ko-KR" altLang="en-US" dirty="0"/>
-              <a:t>라이브러리의 </a:t>
-            </a:r>
-            <a:r>
-              <a:rPr lang="en-US" altLang="ko-KR" dirty="0" err="1"/>
-              <a:t>DataFrame</a:t>
-            </a:r>
-            <a:r>
-              <a:rPr lang="ko-KR" altLang="en-US" dirty="0"/>
-              <a:t>과 유사한 데이터 구조</a:t>
-            </a:r>
-            <a:endParaRPr lang="en-US" altLang="ko-KR" dirty="0"/>
-          </a:p>
-          <a:p>
-            <a:r>
-              <a:rPr lang="ko-KR" altLang="en-US" dirty="0"/>
-              <a:t>데이터 조작 및 분석을 위해서 설계</a:t>
-            </a:r>
-            <a:endParaRPr lang="en-US" altLang="ko-KR" dirty="0"/>
-          </a:p>
-          <a:p>
-            <a:r>
-              <a:rPr lang="ko-KR" altLang="en-US" dirty="0"/>
-              <a:t>표 형식으로 데이터를 처리하는 방법 제공</a:t>
-            </a:r>
-            <a:endParaRPr lang="en-US" altLang="ko-KR" dirty="0"/>
-          </a:p>
-          <a:p>
-            <a:endParaRPr lang="en-US" altLang="ko-KR" dirty="0"/>
-          </a:p>
-          <a:p>
-            <a:r>
-              <a:rPr lang="en-US" altLang="ko-KR" b="1" dirty="0" err="1"/>
-              <a:t>Microsoft.Data.Analysis</a:t>
-            </a:r>
-            <a:r>
-              <a:rPr lang="en-US" altLang="ko-KR" b="1" dirty="0"/>
-              <a:t> </a:t>
-            </a:r>
-            <a:r>
-              <a:rPr lang="ko-KR" altLang="en-US" b="1" dirty="0"/>
-              <a:t>에 포함</a:t>
-            </a:r>
-            <a:endParaRPr lang="ko-KR" altLang="en-US" dirty="0"/>
-          </a:p>
-        </p:txBody>
-      </p:sp>
-      <p:sp>
-        <p:nvSpPr>
-          <p:cNvPr id="4" name="날짜 개체 틀 3">
-            <a:extLst>
-              <a:ext uri="{FF2B5EF4-FFF2-40B4-BE49-F238E27FC236}">
-                <a16:creationId xmlns:a16="http://schemas.microsoft.com/office/drawing/2014/main" id="{4C9F154D-80D0-D2D6-C02A-E28620F9963F}"/>
-              </a:ext>
-            </a:extLst>
-          </p:cNvPr>
-          <p:cNvSpPr>
-            <a:spLocks noGrp="1"/>
-          </p:cNvSpPr>
-          <p:nvPr>
-            <p:ph type="dt" sz="half" idx="10"/>
-          </p:nvPr>
-        </p:nvSpPr>
-        <p:spPr/>
-        <p:txBody>
-          <a:bodyPr/>
-          <a:lstStyle/>
-          <a:p>
-            <a:fld id="{0F78D9C4-20C1-4B15-A116-16DC77AD9A1E}" type="datetime1">
-              <a:rPr lang="ko-KR" altLang="en-US" smtClean="0"/>
-              <a:t>2024-12-11</a:t>
-            </a:fld>
-            <a:endParaRPr lang="ko-KR" altLang="en-US"/>
-          </a:p>
-        </p:txBody>
-      </p:sp>
-      <p:sp>
-        <p:nvSpPr>
-          <p:cNvPr id="5" name="슬라이드 번호 개체 틀 4">
-            <a:extLst>
-              <a:ext uri="{FF2B5EF4-FFF2-40B4-BE49-F238E27FC236}">
-                <a16:creationId xmlns:a16="http://schemas.microsoft.com/office/drawing/2014/main" id="{7AAAC558-F07A-2E7F-8713-874FAB29BA07}"/>
-              </a:ext>
-            </a:extLst>
-          </p:cNvPr>
-          <p:cNvSpPr>
-            <a:spLocks noGrp="1"/>
-          </p:cNvSpPr>
-          <p:nvPr>
-            <p:ph type="sldNum" sz="quarter" idx="12"/>
-          </p:nvPr>
-        </p:nvSpPr>
-        <p:spPr/>
-        <p:txBody>
-          <a:bodyPr/>
-          <a:lstStyle/>
-          <a:p>
-            <a:fld id="{083A2CE0-18CD-4102-B738-4ACFF9E68BA4}" type="slidenum">
-              <a:rPr lang="ko-KR" altLang="en-US" smtClean="0"/>
-              <a:t>3</a:t>
-            </a:fld>
-            <a:endParaRPr lang="ko-KR" altLang="en-US"/>
-          </a:p>
-        </p:txBody>
-      </p:sp>
-    </p:spTree>
-    <p:extLst>
-      <p:ext uri="{BB962C8B-B14F-4D97-AF65-F5344CB8AC3E}">
-        <p14:creationId xmlns:p14="http://schemas.microsoft.com/office/powerpoint/2010/main" val="488401202"/>
       </p:ext>
     </p:extLst>
   </p:cSld>
@@ -9076,7 +11339,7 @@
           <p:cNvPr id="2" name="제목 1">
             <a:extLst>
               <a:ext uri="{FF2B5EF4-FFF2-40B4-BE49-F238E27FC236}">
-                <a16:creationId xmlns:a16="http://schemas.microsoft.com/office/drawing/2014/main" id="{061F91DF-B2CB-9B0A-089A-E7636D1C92E9}"/>
+                <a16:creationId xmlns:a16="http://schemas.microsoft.com/office/drawing/2014/main" id="{AFA082E6-BE48-B0D7-C1F7-7F3A49CE43B6}"/>
               </a:ext>
             </a:extLst>
           </p:cNvPr>
@@ -9094,7 +11357,7 @@
           <a:p>
             <a:r>
               <a:rPr lang="en-US" altLang="ko-KR" dirty="0" err="1"/>
-              <a:t>DataFrame</a:t>
+              <a:t>dll</a:t>
             </a:r>
             <a:r>
               <a:rPr lang="en-US" altLang="ko-KR" dirty="0"/>
@@ -9102,17 +11365,17 @@
             </a:r>
             <a:r>
               <a:rPr lang="ko-KR" altLang="en-US" dirty="0"/>
-              <a:t>설치방법</a:t>
-            </a:r>
-          </a:p>
-        </p:txBody>
-      </p:sp>
-      <p:sp>
-        <p:nvSpPr>
-          <p:cNvPr id="6" name="내용 개체 틀 5">
-            <a:extLst>
-              <a:ext uri="{FF2B5EF4-FFF2-40B4-BE49-F238E27FC236}">
-                <a16:creationId xmlns:a16="http://schemas.microsoft.com/office/drawing/2014/main" id="{5EB2918C-1851-B2B5-60C1-B1A81C584C14}"/>
+              <a:t>만들기</a:t>
+            </a:r>
+          </a:p>
+        </p:txBody>
+      </p:sp>
+      <p:sp>
+        <p:nvSpPr>
+          <p:cNvPr id="3" name="내용 개체 틀 2">
+            <a:extLst>
+              <a:ext uri="{FF2B5EF4-FFF2-40B4-BE49-F238E27FC236}">
+                <a16:creationId xmlns:a16="http://schemas.microsoft.com/office/drawing/2014/main" id="{763C456A-E688-7DCD-B6C4-5C49DEE12244}"/>
               </a:ext>
             </a:extLst>
           </p:cNvPr>
@@ -9125,58 +11388,114 @@
         </p:nvSpPr>
         <p:spPr/>
         <p:txBody>
-          <a:bodyPr/>
-          <a:lstStyle/>
-          <a:p>
-            <a:r>
-              <a:rPr lang="en-US" altLang="ko-KR" dirty="0"/>
-              <a:t>VS code</a:t>
-            </a:r>
-            <a:r>
-              <a:rPr lang="ko-KR" altLang="en-US" dirty="0"/>
-              <a:t>에 설치</a:t>
-            </a:r>
-            <a:endParaRPr lang="en-US" altLang="ko-KR" dirty="0"/>
-          </a:p>
-          <a:p>
-            <a:pPr lvl="1"/>
-            <a:r>
-              <a:rPr lang="en-US" altLang="ko-KR" b="1" dirty="0"/>
-              <a:t>Polyglot Notebooks </a:t>
-            </a:r>
-            <a:r>
-              <a:rPr lang="en-US" altLang="ko-KR" dirty="0"/>
-              <a:t>extension </a:t>
-            </a:r>
-            <a:r>
-              <a:rPr lang="ko-KR" altLang="en-US" dirty="0"/>
-              <a:t>설치</a:t>
-            </a:r>
-            <a:endParaRPr lang="en-US" altLang="ko-KR" dirty="0"/>
-          </a:p>
-          <a:p>
-            <a:pPr lvl="1"/>
-            <a:endParaRPr lang="en-US" altLang="ko-KR" dirty="0"/>
-          </a:p>
-          <a:p>
-            <a:pPr lvl="1"/>
-            <a:endParaRPr lang="en-US" altLang="ko-KR" dirty="0"/>
-          </a:p>
-          <a:p>
-            <a:pPr lvl="1"/>
-            <a:endParaRPr lang="en-US" altLang="ko-KR" dirty="0"/>
-          </a:p>
-          <a:p>
-            <a:pPr lvl="1"/>
-            <a:endParaRPr lang="en-US" altLang="ko-KR" dirty="0"/>
-          </a:p>
-          <a:p>
-            <a:pPr lvl="1"/>
-            <a:endParaRPr lang="en-US" altLang="ko-KR" dirty="0"/>
-          </a:p>
-          <a:p>
-            <a:pPr lvl="1"/>
-            <a:endParaRPr lang="en-US" altLang="ko-KR" dirty="0"/>
+          <a:bodyPr>
+            <a:normAutofit/>
+          </a:bodyPr>
+          <a:lstStyle/>
+          <a:p>
+            <a:r>
+              <a:rPr lang="ko-KR" altLang="en-US" sz="2400" dirty="0"/>
+              <a:t>프로젝트 속성 </a:t>
+            </a:r>
+            <a:r>
+              <a:rPr lang="en-US" altLang="ko-KR" sz="2400" dirty="0"/>
+              <a:t>(</a:t>
+            </a:r>
+            <a:r>
+              <a:rPr lang="ko-KR" altLang="en-US" sz="2400" dirty="0" err="1"/>
+              <a:t>우클릭</a:t>
+            </a:r>
+            <a:r>
+              <a:rPr lang="ko-KR" altLang="en-US" sz="2400" dirty="0"/>
+              <a:t> 맨 아래</a:t>
+            </a:r>
+            <a:r>
+              <a:rPr lang="en-US" altLang="ko-KR" sz="2400" dirty="0"/>
+              <a:t>) &gt; Output type: Class Library </a:t>
+            </a:r>
+            <a:r>
+              <a:rPr lang="ko-KR" altLang="en-US" sz="2400" dirty="0"/>
+              <a:t>로 변경</a:t>
+            </a:r>
+            <a:endParaRPr lang="en-US" altLang="ko-KR" sz="2400" dirty="0"/>
+          </a:p>
+          <a:p>
+            <a:r>
+              <a:rPr lang="ko-KR" altLang="en-US" sz="2400" dirty="0"/>
+              <a:t>프로젝트 빌드 후 프로젝트 폴더</a:t>
+            </a:r>
+            <a:r>
+              <a:rPr lang="en-US" altLang="ko-KR" sz="2400" dirty="0"/>
+              <a:t>/bin/(</a:t>
+            </a:r>
+            <a:r>
+              <a:rPr lang="ko-KR" altLang="en-US" sz="2400" dirty="0"/>
+              <a:t>빌드 모드</a:t>
+            </a:r>
+            <a:r>
+              <a:rPr lang="en-US" altLang="ko-KR" sz="2400" dirty="0"/>
+              <a:t>)/(</a:t>
+            </a:r>
+            <a:r>
+              <a:rPr lang="ko-KR" altLang="en-US" sz="2400" dirty="0"/>
+              <a:t>프로젝트 이름</a:t>
+            </a:r>
+            <a:r>
+              <a:rPr lang="en-US" altLang="ko-KR" sz="2400" dirty="0"/>
+              <a:t>).</a:t>
+            </a:r>
+            <a:r>
+              <a:rPr lang="en-US" altLang="ko-KR" sz="2400" dirty="0" err="1"/>
+              <a:t>dll</a:t>
+            </a:r>
+            <a:r>
+              <a:rPr lang="en-US" altLang="ko-KR" sz="2400" dirty="0"/>
+              <a:t> </a:t>
+            </a:r>
+            <a:r>
+              <a:rPr lang="ko-KR" altLang="en-US" sz="2400" dirty="0"/>
+              <a:t>생성</a:t>
+            </a:r>
+            <a:endParaRPr lang="en-US" altLang="ko-KR" sz="2400" dirty="0"/>
+          </a:p>
+          <a:p>
+            <a:r>
+              <a:rPr lang="en-US" altLang="ko-KR" sz="2400" dirty="0"/>
+              <a:t>Debug </a:t>
+            </a:r>
+            <a:r>
+              <a:rPr lang="ko-KR" altLang="en-US" sz="2400" dirty="0"/>
+              <a:t>모드로 만든 </a:t>
+            </a:r>
+            <a:r>
+              <a:rPr lang="en-US" altLang="ko-KR" sz="2400" dirty="0" err="1"/>
+              <a:t>dll</a:t>
+            </a:r>
+            <a:r>
+              <a:rPr lang="ko-KR" altLang="en-US" sz="2400" dirty="0"/>
+              <a:t>은 </a:t>
+            </a:r>
+            <a:r>
+              <a:rPr lang="en-US" altLang="ko-KR" sz="2400" dirty="0"/>
+              <a:t>Debug </a:t>
+            </a:r>
+            <a:r>
+              <a:rPr lang="ko-KR" altLang="en-US" sz="2400" dirty="0"/>
+              <a:t>모드에서만 사용 가능 </a:t>
+            </a:r>
+            <a:r>
+              <a:rPr lang="en-US" altLang="ko-KR" sz="2400" dirty="0"/>
+              <a:t>(</a:t>
+            </a:r>
+            <a:r>
+              <a:rPr lang="ko-KR" altLang="en-US" sz="2400" dirty="0"/>
+              <a:t>반대도 마찬가지</a:t>
+            </a:r>
+            <a:r>
+              <a:rPr lang="en-US" altLang="ko-KR" sz="2400" dirty="0"/>
+              <a:t>)</a:t>
+            </a:r>
+            <a:endParaRPr lang="ko-KR" altLang="en-US" sz="2400" dirty="0"/>
           </a:p>
         </p:txBody>
       </p:sp>
@@ -9185,7 +11504,7 @@
           <p:cNvPr id="4" name="날짜 개체 틀 3">
             <a:extLst>
               <a:ext uri="{FF2B5EF4-FFF2-40B4-BE49-F238E27FC236}">
-                <a16:creationId xmlns:a16="http://schemas.microsoft.com/office/drawing/2014/main" id="{4C9F154D-80D0-D2D6-C02A-E28620F9963F}"/>
+                <a16:creationId xmlns:a16="http://schemas.microsoft.com/office/drawing/2014/main" id="{3DDA3093-30E6-6920-43B0-70C9C09CB456}"/>
               </a:ext>
             </a:extLst>
           </p:cNvPr>
@@ -9203,7 +11522,7 @@
           <a:p>
             <a:fld id="{0F78D9C4-20C1-4B15-A116-16DC77AD9A1E}" type="datetime1">
               <a:rPr lang="ko-KR" altLang="en-US" smtClean="0"/>
-              <a:t>2024-12-11</a:t>
+              <a:t>2025-05-26</a:t>
             </a:fld>
             <a:endParaRPr lang="ko-KR" altLang="en-US"/>
           </a:p>
@@ -9214,7 +11533,7 @@
           <p:cNvPr id="5" name="슬라이드 번호 개체 틀 4">
             <a:extLst>
               <a:ext uri="{FF2B5EF4-FFF2-40B4-BE49-F238E27FC236}">
-                <a16:creationId xmlns:a16="http://schemas.microsoft.com/office/drawing/2014/main" id="{7AAAC558-F07A-2E7F-8713-874FAB29BA07}"/>
+                <a16:creationId xmlns:a16="http://schemas.microsoft.com/office/drawing/2014/main" id="{A7A04B1D-DFD9-0B6F-23FA-5BABB0563277}"/>
               </a:ext>
             </a:extLst>
           </p:cNvPr>
@@ -9243,7 +11562,7 @@
           <p:cNvPr id="7" name="그림 6">
             <a:extLst>
               <a:ext uri="{FF2B5EF4-FFF2-40B4-BE49-F238E27FC236}">
-                <a16:creationId xmlns:a16="http://schemas.microsoft.com/office/drawing/2014/main" id="{173CC92C-6C13-5AC5-38E3-C8A89BC4ABFB}"/>
+                <a16:creationId xmlns:a16="http://schemas.microsoft.com/office/drawing/2014/main" id="{53B89D4D-D0F5-CD20-1434-A601C8F47701}"/>
               </a:ext>
             </a:extLst>
           </p:cNvPr>
@@ -9260,18 +11579,89 @@
         </p:blipFill>
         <p:spPr>
           <a:xfrm>
-            <a:off x="1597704" y="2767299"/>
-            <a:ext cx="7421011" cy="2181529"/>
+            <a:off x="1747368" y="3347902"/>
+            <a:ext cx="4622773" cy="2980190"/>
           </a:xfrm>
           <a:prstGeom prst="rect">
             <a:avLst/>
           </a:prstGeom>
         </p:spPr>
       </p:pic>
+      <p:pic>
+        <p:nvPicPr>
+          <p:cNvPr id="9" name="그림 8">
+            <a:extLst>
+              <a:ext uri="{FF2B5EF4-FFF2-40B4-BE49-F238E27FC236}">
+                <a16:creationId xmlns:a16="http://schemas.microsoft.com/office/drawing/2014/main" id="{DCD04757-D612-6C2F-E50E-29D2D8801EFE}"/>
+              </a:ext>
+            </a:extLst>
+          </p:cNvPr>
+          <p:cNvPicPr>
+            <a:picLocks noChangeAspect="1"/>
+          </p:cNvPicPr>
+          <p:nvPr/>
+        </p:nvPicPr>
+        <p:blipFill>
+          <a:blip r:embed="rId3"/>
+          <a:stretch>
+            <a:fillRect/>
+          </a:stretch>
+        </p:blipFill>
+        <p:spPr>
+          <a:xfrm>
+            <a:off x="6737838" y="3429000"/>
+            <a:ext cx="2710962" cy="1676722"/>
+          </a:xfrm>
+          <a:prstGeom prst="rect">
+            <a:avLst/>
+          </a:prstGeom>
+        </p:spPr>
+      </p:pic>
+      <p:cxnSp>
+        <p:nvCxnSpPr>
+          <p:cNvPr id="11" name="직선 연결선 10">
+            <a:extLst>
+              <a:ext uri="{FF2B5EF4-FFF2-40B4-BE49-F238E27FC236}">
+                <a16:creationId xmlns:a16="http://schemas.microsoft.com/office/drawing/2014/main" id="{9020A4A3-B392-D78E-D26D-F3214962F287}"/>
+              </a:ext>
+            </a:extLst>
+          </p:cNvPr>
+          <p:cNvCxnSpPr/>
+          <p:nvPr/>
+        </p:nvCxnSpPr>
+        <p:spPr>
+          <a:xfrm>
+            <a:off x="4247147" y="4319337"/>
+            <a:ext cx="469231" cy="0"/>
+          </a:xfrm>
+          <a:prstGeom prst="line">
+            <a:avLst/>
+          </a:prstGeom>
+          <a:ln w="28575">
+            <a:solidFill>
+              <a:srgbClr val="00B050"/>
+            </a:solidFill>
+          </a:ln>
+        </p:spPr>
+        <p:style>
+          <a:lnRef idx="1">
+            <a:schemeClr val="accent1"/>
+          </a:lnRef>
+          <a:fillRef idx="0">
+            <a:schemeClr val="accent1"/>
+          </a:fillRef>
+          <a:effectRef idx="0">
+            <a:schemeClr val="accent1"/>
+          </a:effectRef>
+          <a:fontRef idx="minor">
+            <a:schemeClr val="tx1"/>
+          </a:fontRef>
+        </p:style>
+      </p:cxnSp>
     </p:spTree>
     <p:extLst>
       <p:ext uri="{BB962C8B-B14F-4D97-AF65-F5344CB8AC3E}">
-        <p14:creationId xmlns:p14="http://schemas.microsoft.com/office/powerpoint/2010/main" val="1076201096"/>
+        <p14:creationId xmlns:p14="http://schemas.microsoft.com/office/powerpoint/2010/main" val="4135368676"/>
       </p:ext>
     </p:extLst>
   </p:cSld>
@@ -9286,7 +11676,13 @@
   <p:cSld>
     <p:spTree>
       <p:nvGrpSpPr>
-        <p:cNvPr id="1" name=""/>
+        <p:cNvPr id="1" name="">
+          <a:extLst>
+            <a:ext uri="{FF2B5EF4-FFF2-40B4-BE49-F238E27FC236}">
+              <a16:creationId xmlns:a16="http://schemas.microsoft.com/office/drawing/2014/main" id="{BB879F42-CE0F-1645-9897-A22567725317}"/>
+            </a:ext>
+          </a:extLst>
+        </p:cNvPr>
         <p:cNvGrpSpPr/>
         <p:nvPr/>
       </p:nvGrpSpPr>
@@ -9303,7 +11699,7 @@
           <p:cNvPr id="2" name="제목 1">
             <a:extLst>
               <a:ext uri="{FF2B5EF4-FFF2-40B4-BE49-F238E27FC236}">
-                <a16:creationId xmlns:a16="http://schemas.microsoft.com/office/drawing/2014/main" id="{061F91DF-B2CB-9B0A-089A-E7636D1C92E9}"/>
+                <a16:creationId xmlns:a16="http://schemas.microsoft.com/office/drawing/2014/main" id="{659812F2-9F52-09AD-C35F-54B201CE45FF}"/>
               </a:ext>
             </a:extLst>
           </p:cNvPr>
@@ -9321,7 +11717,7 @@
           <a:p>
             <a:r>
               <a:rPr lang="en-US" altLang="ko-KR" dirty="0" err="1"/>
-              <a:t>DataFrame</a:t>
+              <a:t>dll</a:t>
             </a:r>
             <a:r>
               <a:rPr lang="en-US" altLang="ko-KR" dirty="0"/>
@@ -9329,17 +11725,17 @@
             </a:r>
             <a:r>
               <a:rPr lang="ko-KR" altLang="en-US" dirty="0"/>
-              <a:t>설치방법</a:t>
-            </a:r>
-          </a:p>
-        </p:txBody>
-      </p:sp>
-      <p:sp>
-        <p:nvSpPr>
-          <p:cNvPr id="6" name="내용 개체 틀 5">
-            <a:extLst>
-              <a:ext uri="{FF2B5EF4-FFF2-40B4-BE49-F238E27FC236}">
-                <a16:creationId xmlns:a16="http://schemas.microsoft.com/office/drawing/2014/main" id="{5EB2918C-1851-B2B5-60C1-B1A81C584C14}"/>
+              <a:t>가져오기</a:t>
+            </a:r>
+          </a:p>
+        </p:txBody>
+      </p:sp>
+      <p:sp>
+        <p:nvSpPr>
+          <p:cNvPr id="3" name="내용 개체 틀 2">
+            <a:extLst>
+              <a:ext uri="{FF2B5EF4-FFF2-40B4-BE49-F238E27FC236}">
+                <a16:creationId xmlns:a16="http://schemas.microsoft.com/office/drawing/2014/main" id="{45F89D23-F17D-544A-2C3F-7B814B58C64E}"/>
               </a:ext>
             </a:extLst>
           </p:cNvPr>
@@ -9352,36 +11748,104 @@
         </p:nvSpPr>
         <p:spPr/>
         <p:txBody>
-          <a:bodyPr/>
-          <a:lstStyle/>
-          <a:p>
-            <a:r>
-              <a:rPr lang="en-US" altLang="ko-KR" dirty="0"/>
-              <a:t>VS code</a:t>
-            </a:r>
-            <a:r>
-              <a:rPr lang="ko-KR" altLang="en-US" dirty="0"/>
-              <a:t>에 설치</a:t>
-            </a:r>
-            <a:endParaRPr lang="en-US" altLang="ko-KR" dirty="0"/>
-          </a:p>
-          <a:p>
-            <a:pPr lvl="1"/>
-            <a:r>
-              <a:rPr lang="ko-KR" altLang="en-US" dirty="0"/>
-              <a:t>커널을 </a:t>
-            </a:r>
-            <a:r>
-              <a:rPr lang="en-US" altLang="ko-KR" b="1" dirty="0"/>
-              <a:t>.NET Interactive</a:t>
-            </a:r>
-            <a:r>
-              <a:rPr lang="en-US" altLang="ko-KR" dirty="0"/>
+          <a:bodyPr>
+            <a:normAutofit/>
+          </a:bodyPr>
+          <a:lstStyle/>
+          <a:p>
+            <a:r>
+              <a:rPr lang="ko-KR" altLang="en-US" sz="2400" dirty="0"/>
+              <a:t>프로젝트 </a:t>
+            </a:r>
+            <a:r>
+              <a:rPr lang="ko-KR" altLang="en-US" sz="2400" dirty="0" err="1"/>
+              <a:t>우클릭</a:t>
+            </a:r>
+            <a:r>
+              <a:rPr lang="ko-KR" altLang="en-US" sz="2400" dirty="0"/>
               <a:t> </a:t>
             </a:r>
             <a:r>
-              <a:rPr lang="ko-KR" altLang="en-US" dirty="0"/>
-              <a:t>선택</a:t>
+              <a:rPr lang="en-US" altLang="ko-KR" sz="2400" dirty="0"/>
+              <a:t>&gt; Add &gt; Project</a:t>
+            </a:r>
+            <a:r>
+              <a:rPr lang="ko-KR" altLang="en-US" sz="2400" dirty="0"/>
+              <a:t> </a:t>
+            </a:r>
+            <a:r>
+              <a:rPr lang="en-US" altLang="ko-KR" sz="2400" dirty="0"/>
+              <a:t>Reference &gt;</a:t>
+            </a:r>
+            <a:r>
+              <a:rPr lang="ko-KR" altLang="en-US" sz="2400" dirty="0"/>
+              <a:t> </a:t>
+            </a:r>
+            <a:r>
+              <a:rPr lang="en-US" altLang="ko-KR" sz="2400" dirty="0"/>
+              <a:t>Browse &gt; </a:t>
+            </a:r>
+            <a:r>
+              <a:rPr lang="en-US" altLang="ko-KR" sz="2400" dirty="0" err="1"/>
+              <a:t>dll</a:t>
+            </a:r>
+            <a:r>
+              <a:rPr lang="en-US" altLang="ko-KR" sz="2400" dirty="0"/>
+              <a:t> </a:t>
+            </a:r>
+            <a:r>
+              <a:rPr lang="ko-KR" altLang="en-US" sz="2400" dirty="0"/>
+              <a:t>파일 선택</a:t>
+            </a:r>
+            <a:endParaRPr lang="en-US" altLang="ko-KR" sz="2400" dirty="0"/>
+          </a:p>
+          <a:p>
+            <a:r>
+              <a:rPr lang="ko-KR" altLang="en-US" sz="2400" dirty="0"/>
+              <a:t>프로젝트</a:t>
+            </a:r>
+            <a:r>
+              <a:rPr lang="en-US" altLang="ko-KR" sz="2400" dirty="0"/>
+              <a:t>/</a:t>
+            </a:r>
+            <a:r>
+              <a:rPr lang="en-US" altLang="ko-KR" sz="2400" dirty="0" err="1"/>
+              <a:t>Depedencies</a:t>
+            </a:r>
+            <a:r>
+              <a:rPr lang="en-US" altLang="ko-KR" sz="2400" dirty="0"/>
+              <a:t>/Assemblies</a:t>
+            </a:r>
+            <a:r>
+              <a:rPr lang="ko-KR" altLang="en-US" sz="2400" dirty="0"/>
+              <a:t>에 </a:t>
+            </a:r>
+            <a:r>
+              <a:rPr lang="en-US" altLang="ko-KR" sz="2400" dirty="0"/>
+              <a:t>namespace</a:t>
+            </a:r>
+            <a:r>
+              <a:rPr lang="ko-KR" altLang="en-US" sz="2400" dirty="0"/>
+              <a:t>가 추가된 것을 확인</a:t>
+            </a:r>
+            <a:endParaRPr lang="en-US" altLang="ko-KR" sz="2400" dirty="0"/>
+          </a:p>
+          <a:p>
+            <a:r>
+              <a:rPr lang="en-US" altLang="ko-KR" sz="2400" dirty="0"/>
+              <a:t>using</a:t>
+            </a:r>
+            <a:r>
+              <a:rPr lang="ko-KR" altLang="en-US" sz="2400" dirty="0"/>
+              <a:t>으로 </a:t>
+            </a:r>
+            <a:r>
+              <a:rPr lang="en-US" altLang="ko-KR" sz="2400" dirty="0"/>
+              <a:t>namespace</a:t>
+            </a:r>
+            <a:r>
+              <a:rPr lang="ko-KR" altLang="en-US" sz="2400" dirty="0"/>
+              <a:t>를 가져오거나 전체 이름을 지정하여 사용</a:t>
             </a:r>
           </a:p>
         </p:txBody>
@@ -9391,7 +11855,7 @@
           <p:cNvPr id="4" name="날짜 개체 틀 3">
             <a:extLst>
               <a:ext uri="{FF2B5EF4-FFF2-40B4-BE49-F238E27FC236}">
-                <a16:creationId xmlns:a16="http://schemas.microsoft.com/office/drawing/2014/main" id="{4C9F154D-80D0-D2D6-C02A-E28620F9963F}"/>
+                <a16:creationId xmlns:a16="http://schemas.microsoft.com/office/drawing/2014/main" id="{F513B2C1-268F-54CD-3A91-29E0D79631CE}"/>
               </a:ext>
             </a:extLst>
           </p:cNvPr>
@@ -9409,7 +11873,7 @@
           <a:p>
             <a:fld id="{0F78D9C4-20C1-4B15-A116-16DC77AD9A1E}" type="datetime1">
               <a:rPr lang="ko-KR" altLang="en-US" smtClean="0"/>
-              <a:t>2024-12-11</a:t>
+              <a:t>2025-05-26</a:t>
             </a:fld>
             <a:endParaRPr lang="ko-KR" altLang="en-US"/>
           </a:p>
@@ -9420,7 +11884,7 @@
           <p:cNvPr id="5" name="슬라이드 번호 개체 틀 4">
             <a:extLst>
               <a:ext uri="{FF2B5EF4-FFF2-40B4-BE49-F238E27FC236}">
-                <a16:creationId xmlns:a16="http://schemas.microsoft.com/office/drawing/2014/main" id="{7AAAC558-F07A-2E7F-8713-874FAB29BA07}"/>
+                <a16:creationId xmlns:a16="http://schemas.microsoft.com/office/drawing/2014/main" id="{D034ABD6-AD46-D906-115B-9FC339BCE14A}"/>
               </a:ext>
             </a:extLst>
           </p:cNvPr>
@@ -9446,10 +11910,10 @@
       </p:sp>
       <p:pic>
         <p:nvPicPr>
-          <p:cNvPr id="8" name="그림 7">
-            <a:extLst>
-              <a:ext uri="{FF2B5EF4-FFF2-40B4-BE49-F238E27FC236}">
-                <a16:creationId xmlns:a16="http://schemas.microsoft.com/office/drawing/2014/main" id="{24AE81E7-7A60-6CE0-377E-9ED4A227B406}"/>
+          <p:cNvPr id="11" name="그림 10">
+            <a:extLst>
+              <a:ext uri="{FF2B5EF4-FFF2-40B4-BE49-F238E27FC236}">
+                <a16:creationId xmlns:a16="http://schemas.microsoft.com/office/drawing/2014/main" id="{40834622-150B-FD87-4754-3361D8425ADC}"/>
               </a:ext>
             </a:extLst>
           </p:cNvPr>
@@ -9466,18 +11930,118 @@
         </p:blipFill>
         <p:spPr>
           <a:xfrm>
-            <a:off x="1656587" y="2766920"/>
-            <a:ext cx="7878274" cy="1324160"/>
+            <a:off x="387269" y="3429000"/>
+            <a:ext cx="3362794" cy="2048161"/>
           </a:xfrm>
           <a:prstGeom prst="rect">
             <a:avLst/>
           </a:prstGeom>
         </p:spPr>
       </p:pic>
+      <p:pic>
+        <p:nvPicPr>
+          <p:cNvPr id="13" name="그림 12">
+            <a:extLst>
+              <a:ext uri="{FF2B5EF4-FFF2-40B4-BE49-F238E27FC236}">
+                <a16:creationId xmlns:a16="http://schemas.microsoft.com/office/drawing/2014/main" id="{F15B56F3-CE63-8592-F403-EDE89A5FF0A1}"/>
+              </a:ext>
+            </a:extLst>
+          </p:cNvPr>
+          <p:cNvPicPr>
+            <a:picLocks noChangeAspect="1"/>
+          </p:cNvPicPr>
+          <p:nvPr/>
+        </p:nvPicPr>
+        <p:blipFill>
+          <a:blip r:embed="rId3"/>
+          <a:srcRect b="58265"/>
+          <a:stretch/>
+        </p:blipFill>
+        <p:spPr>
+          <a:xfrm>
+            <a:off x="3893118" y="3653076"/>
+            <a:ext cx="5555682" cy="1600008"/>
+          </a:xfrm>
+          <a:prstGeom prst="rect">
+            <a:avLst/>
+          </a:prstGeom>
+        </p:spPr>
+      </p:pic>
+      <p:pic>
+        <p:nvPicPr>
+          <p:cNvPr id="15" name="그림 14">
+            <a:extLst>
+              <a:ext uri="{FF2B5EF4-FFF2-40B4-BE49-F238E27FC236}">
+                <a16:creationId xmlns:a16="http://schemas.microsoft.com/office/drawing/2014/main" id="{26C9169D-0950-C12E-CC46-BECA386F875A}"/>
+              </a:ext>
+            </a:extLst>
+          </p:cNvPr>
+          <p:cNvPicPr>
+            <a:picLocks noChangeAspect="1"/>
+          </p:cNvPicPr>
+          <p:nvPr/>
+        </p:nvPicPr>
+        <p:blipFill>
+          <a:blip r:embed="rId4"/>
+          <a:stretch>
+            <a:fillRect/>
+          </a:stretch>
+        </p:blipFill>
+        <p:spPr>
+          <a:xfrm>
+            <a:off x="9591855" y="3538345"/>
+            <a:ext cx="2057687" cy="1714739"/>
+          </a:xfrm>
+          <a:prstGeom prst="rect">
+            <a:avLst/>
+          </a:prstGeom>
+        </p:spPr>
+      </p:pic>
+      <p:cxnSp>
+        <p:nvCxnSpPr>
+          <p:cNvPr id="17" name="직선 연결선 16">
+            <a:extLst>
+              <a:ext uri="{FF2B5EF4-FFF2-40B4-BE49-F238E27FC236}">
+                <a16:creationId xmlns:a16="http://schemas.microsoft.com/office/drawing/2014/main" id="{E811D93E-49C2-0FE0-5BD2-30157504AD32}"/>
+              </a:ext>
+            </a:extLst>
+          </p:cNvPr>
+          <p:cNvCxnSpPr/>
+          <p:nvPr/>
+        </p:nvCxnSpPr>
+        <p:spPr>
+          <a:xfrm>
+            <a:off x="10431379" y="4620125"/>
+            <a:ext cx="922421" cy="0"/>
+          </a:xfrm>
+          <a:prstGeom prst="line">
+            <a:avLst/>
+          </a:prstGeom>
+          <a:ln w="28575">
+            <a:solidFill>
+              <a:srgbClr val="00B050"/>
+            </a:solidFill>
+          </a:ln>
+        </p:spPr>
+        <p:style>
+          <a:lnRef idx="1">
+            <a:schemeClr val="accent1"/>
+          </a:lnRef>
+          <a:fillRef idx="0">
+            <a:schemeClr val="accent1"/>
+          </a:fillRef>
+          <a:effectRef idx="0">
+            <a:schemeClr val="accent1"/>
+          </a:effectRef>
+          <a:fontRef idx="minor">
+            <a:schemeClr val="tx1"/>
+          </a:fontRef>
+        </p:style>
+      </p:cxnSp>
     </p:spTree>
     <p:extLst>
       <p:ext uri="{BB962C8B-B14F-4D97-AF65-F5344CB8AC3E}">
-        <p14:creationId xmlns:p14="http://schemas.microsoft.com/office/powerpoint/2010/main" val="320472504"/>
+        <p14:creationId xmlns:p14="http://schemas.microsoft.com/office/powerpoint/2010/main" val="4005216409"/>
       </p:ext>
     </p:extLst>
   </p:cSld>
@@ -9509,7 +12073,7 @@
           <p:cNvPr id="2" name="제목 1">
             <a:extLst>
               <a:ext uri="{FF2B5EF4-FFF2-40B4-BE49-F238E27FC236}">
-                <a16:creationId xmlns:a16="http://schemas.microsoft.com/office/drawing/2014/main" id="{061F91DF-B2CB-9B0A-089A-E7636D1C92E9}"/>
+                <a16:creationId xmlns:a16="http://schemas.microsoft.com/office/drawing/2014/main" id="{02E3818A-5629-8D68-1AB1-AC8F9A0DCBC4}"/>
               </a:ext>
             </a:extLst>
           </p:cNvPr>
@@ -9526,8 +12090,56 @@
           <a:lstStyle/>
           <a:p>
             <a:r>
+              <a:rPr lang="ko-KR" altLang="en-US" dirty="0">
+                <a:solidFill>
+                  <a:srgbClr val="00B050"/>
+                </a:solidFill>
+              </a:rPr>
+              <a:t>실습</a:t>
+            </a:r>
+            <a:r>
+              <a:rPr lang="en-US" altLang="ko-KR" dirty="0">
+                <a:solidFill>
+                  <a:srgbClr val="00B050"/>
+                </a:solidFill>
+              </a:rPr>
+              <a:t>. </a:t>
+            </a:r>
+            <a:r>
+              <a:rPr lang="ko-KR" altLang="en-US" dirty="0">
+                <a:solidFill>
+                  <a:srgbClr val="00B050"/>
+                </a:solidFill>
+              </a:rPr>
+              <a:t>계산기 릴리즈</a:t>
+            </a:r>
+          </a:p>
+        </p:txBody>
+      </p:sp>
+      <p:sp>
+        <p:nvSpPr>
+          <p:cNvPr id="3" name="내용 개체 틀 2">
+            <a:extLst>
+              <a:ext uri="{FF2B5EF4-FFF2-40B4-BE49-F238E27FC236}">
+                <a16:creationId xmlns:a16="http://schemas.microsoft.com/office/drawing/2014/main" id="{CEE0565B-A383-5C05-9F8B-8053206FC414}"/>
+              </a:ext>
+            </a:extLst>
+          </p:cNvPr>
+          <p:cNvSpPr>
+            <a:spLocks noGrp="1"/>
+          </p:cNvSpPr>
+          <p:nvPr>
+            <p:ph idx="1"/>
+          </p:nvPr>
+        </p:nvSpPr>
+        <p:spPr/>
+        <p:txBody>
+          <a:bodyPr/>
+          <a:lstStyle/>
+          <a:p>
+            <a:r>
               <a:rPr lang="en-US" altLang="ko-KR" dirty="0" err="1"/>
-              <a:t>DataFrame</a:t>
+              <a:t>WinForm</a:t>
             </a:r>
             <a:r>
               <a:rPr lang="en-US" altLang="ko-KR" dirty="0"/>
@@ -9535,129 +12147,78 @@
             </a:r>
             <a:r>
               <a:rPr lang="ko-KR" altLang="en-US" dirty="0"/>
-              <a:t>설치방법</a:t>
-            </a:r>
-          </a:p>
-        </p:txBody>
-      </p:sp>
-      <p:sp>
-        <p:nvSpPr>
-          <p:cNvPr id="6" name="내용 개체 틀 5">
-            <a:extLst>
-              <a:ext uri="{FF2B5EF4-FFF2-40B4-BE49-F238E27FC236}">
-                <a16:creationId xmlns:a16="http://schemas.microsoft.com/office/drawing/2014/main" id="{5EB2918C-1851-B2B5-60C1-B1A81C584C14}"/>
-              </a:ext>
-            </a:extLst>
-          </p:cNvPr>
-          <p:cNvSpPr>
-            <a:spLocks noGrp="1"/>
-          </p:cNvSpPr>
-          <p:nvPr>
-            <p:ph idx="1"/>
-          </p:nvPr>
-        </p:nvSpPr>
-        <p:spPr/>
-        <p:txBody>
-          <a:bodyPr/>
-          <a:lstStyle/>
-          <a:p>
+              <a:t>미니 프로젝트 </a:t>
+            </a:r>
             <a:r>
               <a:rPr lang="en-US" altLang="ko-KR" dirty="0"/>
-              <a:t>Jupiter</a:t>
+              <a:t>- </a:t>
             </a:r>
             <a:r>
               <a:rPr lang="ko-KR" altLang="en-US" dirty="0"/>
+              <a:t>계산기 만들기를 통해 개발한 프로그램을 </a:t>
+            </a:r>
+            <a:r>
+              <a:rPr lang="en-US" altLang="ko-KR" dirty="0"/>
+              <a:t>WPF </a:t>
+            </a:r>
+            <a:r>
+              <a:rPr lang="ko-KR" altLang="en-US" dirty="0"/>
+              <a:t>프로젝트로 이주</a:t>
+            </a:r>
+            <a:r>
+              <a:rPr lang="en-US" altLang="ko-KR" dirty="0"/>
+              <a:t>(Migration)</a:t>
+            </a:r>
+          </a:p>
+          <a:p>
+            <a:r>
+              <a:rPr lang="ko-KR" altLang="en-US" dirty="0"/>
+              <a:t>릴리즈 버전으로 빌드</a:t>
+            </a:r>
+            <a:endParaRPr lang="en-US" altLang="ko-KR" dirty="0"/>
+          </a:p>
+          <a:p>
+            <a:r>
+              <a:rPr lang="en-US" altLang="ko-KR" dirty="0"/>
+              <a:t>Visual Studio</a:t>
+            </a:r>
+            <a:r>
+              <a:rPr lang="ko-KR" altLang="en-US" dirty="0"/>
+              <a:t>와 상관없이 독립적으로 실행 가능한 상태의 </a:t>
+            </a:r>
+            <a:r>
+              <a:rPr lang="en-US" altLang="ko-KR" dirty="0"/>
+              <a:t>exe, </a:t>
+            </a:r>
+            <a:r>
+              <a:rPr lang="en-US" altLang="ko-KR" dirty="0" err="1"/>
+              <a:t>dll</a:t>
+            </a:r>
+            <a:r>
+              <a:rPr lang="en-US" altLang="ko-KR" dirty="0"/>
+              <a:t>, </a:t>
+            </a:r>
+            <a:r>
+              <a:rPr lang="en-US" altLang="ko-KR" dirty="0" err="1"/>
+              <a:t>json</a:t>
+            </a:r>
+            <a:r>
+              <a:rPr lang="en-US" altLang="ko-KR" dirty="0"/>
               <a:t> </a:t>
             </a:r>
             <a:r>
+              <a:rPr lang="ko-KR" altLang="en-US" dirty="0"/>
+              <a:t>파일을 압축하여 제출</a:t>
+            </a:r>
+            <a:r>
               <a:rPr lang="en-US" altLang="ko-KR" dirty="0"/>
-              <a:t>Notebook</a:t>
-            </a:r>
-            <a:r>
-              <a:rPr lang="ko-KR" altLang="en-US" dirty="0"/>
-              <a:t>에 설치</a:t>
-            </a:r>
-            <a:endParaRPr lang="en-US" altLang="ko-KR" dirty="0"/>
-          </a:p>
-          <a:p>
-            <a:pPr lvl="1"/>
-            <a:r>
-              <a:rPr lang="en-US" altLang="ko-KR" dirty="0"/>
-              <a:t>dotnet tool install -g </a:t>
-            </a:r>
-            <a:r>
-              <a:rPr lang="en-US" altLang="ko-KR" dirty="0" err="1"/>
-              <a:t>Microsoft.dotnet</a:t>
-            </a:r>
-            <a:r>
-              <a:rPr lang="en-US" altLang="ko-KR" dirty="0"/>
-              <a:t>-interactive </a:t>
-            </a:r>
-          </a:p>
-          <a:p>
-            <a:pPr lvl="1"/>
-            <a:r>
-              <a:rPr lang="ko-KR" altLang="en-US" dirty="0"/>
-              <a:t>실행 안될 경우에</a:t>
-            </a:r>
-            <a:endParaRPr lang="en-US" altLang="ko-KR" dirty="0"/>
-          </a:p>
-          <a:p>
-            <a:pPr lvl="2"/>
-            <a:r>
-              <a:rPr lang="en-US" altLang="ko-KR" dirty="0"/>
-              <a:t>dotnet </a:t>
-            </a:r>
-            <a:r>
-              <a:rPr lang="en-US" altLang="ko-KR" dirty="0" err="1"/>
-              <a:t>nuget</a:t>
-            </a:r>
-            <a:r>
-              <a:rPr lang="en-US" altLang="ko-KR" dirty="0"/>
-              <a:t> add source </a:t>
-            </a:r>
-            <a:r>
-              <a:rPr lang="en-US" altLang="ko-KR" dirty="0">
-                <a:hlinkClick r:id="rId2"/>
-              </a:rPr>
-              <a:t>https://api.nuget.org/v3/index.json -n nuget.org</a:t>
-            </a:r>
-            <a:endParaRPr lang="en-US" altLang="ko-KR" dirty="0"/>
-          </a:p>
-          <a:p>
-            <a:pPr lvl="2"/>
-            <a:r>
-              <a:rPr lang="ko-KR" altLang="en-US" dirty="0"/>
-              <a:t>위 명령어 실행 후 다시 실행</a:t>
-            </a:r>
-            <a:endParaRPr lang="en-US" altLang="ko-KR" dirty="0"/>
-          </a:p>
-          <a:p>
-            <a:pPr lvl="1"/>
-            <a:r>
-              <a:rPr lang="en-US" altLang="ko-KR" dirty="0"/>
-              <a:t>dotnet interactive </a:t>
-            </a:r>
-            <a:r>
-              <a:rPr lang="en-US" altLang="ko-KR" dirty="0" err="1"/>
-              <a:t>jupyter</a:t>
-            </a:r>
-            <a:r>
-              <a:rPr lang="en-US" altLang="ko-KR" dirty="0"/>
-              <a:t> install</a:t>
-            </a:r>
-          </a:p>
-          <a:p>
-            <a:pPr lvl="1"/>
-            <a:r>
-              <a:rPr lang="en-US" altLang="ko-KR" dirty="0" err="1"/>
-              <a:t>mkdir</a:t>
-            </a:r>
-            <a:r>
-              <a:rPr lang="en-US" altLang="ko-KR" dirty="0"/>
-              <a:t> -p C:\Users\SPREATICS\AppData\Roaming\jupyter\kernels</a:t>
-            </a:r>
-            <a:endParaRPr lang="ko-KR" altLang="en-US" dirty="0"/>
+              <a:t>!</a:t>
+            </a:r>
+            <a:endParaRPr lang="ko-KR" altLang="en-US" dirty="0">
+              <a:solidFill>
+                <a:schemeClr val="accent5"/>
+              </a:solidFill>
+            </a:endParaRPr>
           </a:p>
         </p:txBody>
       </p:sp>
@@ -9666,7 +12227,7 @@
           <p:cNvPr id="4" name="날짜 개체 틀 3">
             <a:extLst>
               <a:ext uri="{FF2B5EF4-FFF2-40B4-BE49-F238E27FC236}">
-                <a16:creationId xmlns:a16="http://schemas.microsoft.com/office/drawing/2014/main" id="{4C9F154D-80D0-D2D6-C02A-E28620F9963F}"/>
+                <a16:creationId xmlns:a16="http://schemas.microsoft.com/office/drawing/2014/main" id="{85B1AA7E-F2DB-3FA5-D889-B76B97F985AB}"/>
               </a:ext>
             </a:extLst>
           </p:cNvPr>
@@ -9684,7 +12245,7 @@
           <a:p>
             <a:fld id="{0F78D9C4-20C1-4B15-A116-16DC77AD9A1E}" type="datetime1">
               <a:rPr lang="ko-KR" altLang="en-US" smtClean="0"/>
-              <a:t>2024-12-11</a:t>
+              <a:t>2025-05-26</a:t>
             </a:fld>
             <a:endParaRPr lang="ko-KR" altLang="en-US"/>
           </a:p>
@@ -9695,7 +12256,7 @@
           <p:cNvPr id="5" name="슬라이드 번호 개체 틀 4">
             <a:extLst>
               <a:ext uri="{FF2B5EF4-FFF2-40B4-BE49-F238E27FC236}">
-                <a16:creationId xmlns:a16="http://schemas.microsoft.com/office/drawing/2014/main" id="{7AAAC558-F07A-2E7F-8713-874FAB29BA07}"/>
+                <a16:creationId xmlns:a16="http://schemas.microsoft.com/office/drawing/2014/main" id="{75B6E68E-5274-5F3A-F601-36F17D2AC2ED}"/>
               </a:ext>
             </a:extLst>
           </p:cNvPr>
@@ -9722,7 +12283,7 @@
     </p:spTree>
     <p:extLst>
       <p:ext uri="{BB962C8B-B14F-4D97-AF65-F5344CB8AC3E}">
-        <p14:creationId xmlns:p14="http://schemas.microsoft.com/office/powerpoint/2010/main" val="1868331962"/>
+        <p14:creationId xmlns:p14="http://schemas.microsoft.com/office/powerpoint/2010/main" val="3997159292"/>
       </p:ext>
     </p:extLst>
   </p:cSld>
@@ -9754,7 +12315,7 @@
           <p:cNvPr id="2" name="제목 1">
             <a:extLst>
               <a:ext uri="{FF2B5EF4-FFF2-40B4-BE49-F238E27FC236}">
-                <a16:creationId xmlns:a16="http://schemas.microsoft.com/office/drawing/2014/main" id="{061F91DF-B2CB-9B0A-089A-E7636D1C92E9}"/>
+                <a16:creationId xmlns:a16="http://schemas.microsoft.com/office/drawing/2014/main" id="{092A5A5D-A6A2-0396-AE2D-D5AC9FBCC51B}"/>
               </a:ext>
             </a:extLst>
           </p:cNvPr>
@@ -9771,58 +12332,65 @@
           <a:lstStyle/>
           <a:p>
             <a:r>
+              <a:rPr lang="en-US" altLang="ko-KR" dirty="0"/>
+              <a:t>WPF </a:t>
+            </a:r>
+            <a:r>
+              <a:rPr lang="ko-KR" altLang="en-US" dirty="0"/>
+              <a:t>크로스 스레드 해결</a:t>
+            </a:r>
+          </a:p>
+        </p:txBody>
+      </p:sp>
+      <p:sp>
+        <p:nvSpPr>
+          <p:cNvPr id="3" name="내용 개체 틀 2">
+            <a:extLst>
+              <a:ext uri="{FF2B5EF4-FFF2-40B4-BE49-F238E27FC236}">
+                <a16:creationId xmlns:a16="http://schemas.microsoft.com/office/drawing/2014/main" id="{2774465A-F72E-263F-030C-D356E0B12E04}"/>
+              </a:ext>
+            </a:extLst>
+          </p:cNvPr>
+          <p:cNvSpPr>
+            <a:spLocks noGrp="1"/>
+          </p:cNvSpPr>
+          <p:nvPr>
+            <p:ph idx="1"/>
+          </p:nvPr>
+        </p:nvSpPr>
+        <p:spPr/>
+        <p:txBody>
+          <a:bodyPr/>
+          <a:lstStyle/>
+          <a:p>
+            <a:r>
               <a:rPr lang="en-US" altLang="ko-KR" dirty="0" err="1"/>
-              <a:t>DataFrame</a:t>
+              <a:t>WinForm</a:t>
+            </a:r>
+            <a:r>
+              <a:rPr lang="ko-KR" altLang="en-US" dirty="0"/>
+              <a:t>의 </a:t>
             </a:r>
             <a:r>
               <a:rPr lang="en-US" altLang="ko-KR" dirty="0"/>
-              <a:t> </a:t>
+              <a:t>Invoke() </a:t>
             </a:r>
             <a:r>
               <a:rPr lang="ko-KR" altLang="en-US" dirty="0"/>
-              <a:t>설치방법</a:t>
-            </a:r>
-          </a:p>
-        </p:txBody>
-      </p:sp>
-      <p:sp>
-        <p:nvSpPr>
-          <p:cNvPr id="6" name="내용 개체 틀 5">
-            <a:extLst>
-              <a:ext uri="{FF2B5EF4-FFF2-40B4-BE49-F238E27FC236}">
-                <a16:creationId xmlns:a16="http://schemas.microsoft.com/office/drawing/2014/main" id="{5EB2918C-1851-B2B5-60C1-B1A81C584C14}"/>
-              </a:ext>
-            </a:extLst>
-          </p:cNvPr>
-          <p:cNvSpPr>
-            <a:spLocks noGrp="1"/>
-          </p:cNvSpPr>
-          <p:nvPr>
-            <p:ph idx="1"/>
-          </p:nvPr>
-        </p:nvSpPr>
-        <p:spPr/>
-        <p:txBody>
-          <a:bodyPr/>
-          <a:lstStyle/>
-          <a:p>
+              <a:t>대신 </a:t>
+            </a:r>
+            <a:r>
+              <a:rPr lang="en-US" altLang="ko-KR" dirty="0" err="1"/>
+              <a:t>Dispatcher.Invoke</a:t>
+            </a:r>
             <a:r>
               <a:rPr lang="en-US" altLang="ko-KR" dirty="0"/>
-              <a:t>Jupiter</a:t>
+              <a:t>()</a:t>
             </a:r>
             <a:r>
               <a:rPr lang="ko-KR" altLang="en-US" dirty="0"/>
-              <a:t> </a:t>
-            </a:r>
-            <a:r>
-              <a:rPr lang="en-US" altLang="ko-KR" dirty="0"/>
-              <a:t>Notebook</a:t>
-            </a:r>
-            <a:r>
-              <a:rPr lang="ko-KR" altLang="en-US" dirty="0"/>
-              <a:t>에 설치</a:t>
-            </a:r>
-            <a:endParaRPr lang="en-US" altLang="ko-KR" dirty="0"/>
+              <a:t>를 사용</a:t>
+            </a:r>
           </a:p>
         </p:txBody>
       </p:sp>
@@ -9831,7 +12399,7 @@
           <p:cNvPr id="4" name="날짜 개체 틀 3">
             <a:extLst>
               <a:ext uri="{FF2B5EF4-FFF2-40B4-BE49-F238E27FC236}">
-                <a16:creationId xmlns:a16="http://schemas.microsoft.com/office/drawing/2014/main" id="{4C9F154D-80D0-D2D6-C02A-E28620F9963F}"/>
+                <a16:creationId xmlns:a16="http://schemas.microsoft.com/office/drawing/2014/main" id="{C1D9E62B-41C3-EAE7-FC4D-A52217EAF2A6}"/>
               </a:ext>
             </a:extLst>
           </p:cNvPr>
@@ -9849,7 +12417,7 @@
           <a:p>
             <a:fld id="{0F78D9C4-20C1-4B15-A116-16DC77AD9A1E}" type="datetime1">
               <a:rPr lang="ko-KR" altLang="en-US" smtClean="0"/>
-              <a:t>2024-12-11</a:t>
+              <a:t>2025-05-26</a:t>
             </a:fld>
             <a:endParaRPr lang="ko-KR" altLang="en-US"/>
           </a:p>
@@ -9860,7 +12428,7 @@
           <p:cNvPr id="5" name="슬라이드 번호 개체 틀 4">
             <a:extLst>
               <a:ext uri="{FF2B5EF4-FFF2-40B4-BE49-F238E27FC236}">
-                <a16:creationId xmlns:a16="http://schemas.microsoft.com/office/drawing/2014/main" id="{7AAAC558-F07A-2E7F-8713-874FAB29BA07}"/>
+                <a16:creationId xmlns:a16="http://schemas.microsoft.com/office/drawing/2014/main" id="{8EC48E86-E88D-A09E-31AE-AB8B359E898D}"/>
               </a:ext>
             </a:extLst>
           </p:cNvPr>
@@ -9889,7 +12457,7 @@
           <p:cNvPr id="7" name="그림 6">
             <a:extLst>
               <a:ext uri="{FF2B5EF4-FFF2-40B4-BE49-F238E27FC236}">
-                <a16:creationId xmlns:a16="http://schemas.microsoft.com/office/drawing/2014/main" id="{55808094-1BEB-1D3B-4234-2A9E418647CD}"/>
+                <a16:creationId xmlns:a16="http://schemas.microsoft.com/office/drawing/2014/main" id="{E45C5E83-6C14-ED7C-B5A8-A6FB2A9ED379}"/>
               </a:ext>
             </a:extLst>
           </p:cNvPr>
@@ -9906,8 +12474,8 @@
         </p:blipFill>
         <p:spPr>
           <a:xfrm>
-            <a:off x="1223889" y="2547220"/>
-            <a:ext cx="7554379" cy="2410161"/>
+            <a:off x="1371600" y="2547262"/>
+            <a:ext cx="5009203" cy="3113830"/>
           </a:xfrm>
           <a:prstGeom prst="rect">
             <a:avLst/>
@@ -9917,7 +12485,7 @@
     </p:spTree>
     <p:extLst>
       <p:ext uri="{BB962C8B-B14F-4D97-AF65-F5344CB8AC3E}">
-        <p14:creationId xmlns:p14="http://schemas.microsoft.com/office/powerpoint/2010/main" val="2877573840"/>
+        <p14:creationId xmlns:p14="http://schemas.microsoft.com/office/powerpoint/2010/main" val="2253084875"/>
       </p:ext>
     </p:extLst>
   </p:cSld>
@@ -9949,132 +12517,44 @@
           <p:cNvPr id="2" name="제목 1">
             <a:extLst>
               <a:ext uri="{FF2B5EF4-FFF2-40B4-BE49-F238E27FC236}">
-                <a16:creationId xmlns:a16="http://schemas.microsoft.com/office/drawing/2014/main" id="{061F91DF-B2CB-9B0A-089A-E7636D1C92E9}"/>
-              </a:ext>
-            </a:extLst>
-          </p:cNvPr>
-          <p:cNvSpPr>
-            <a:spLocks noGrp="1"/>
-          </p:cNvSpPr>
-          <p:nvPr>
-            <p:ph type="title"/>
-          </p:nvPr>
-        </p:nvSpPr>
-        <p:spPr/>
-        <p:txBody>
-          <a:bodyPr/>
-          <a:lstStyle/>
-          <a:p>
-            <a:r>
-              <a:rPr lang="en-US" altLang="ko-KR" dirty="0" err="1"/>
-              <a:t>DataFrame</a:t>
-            </a:r>
-            <a:r>
-              <a:rPr lang="en-US" altLang="ko-KR" dirty="0"/>
-              <a:t> </a:t>
-            </a:r>
-            <a:r>
-              <a:rPr lang="ko-KR" altLang="en-US" dirty="0"/>
-              <a:t>설치방법</a:t>
-            </a:r>
-          </a:p>
-        </p:txBody>
-      </p:sp>
-      <p:sp>
-        <p:nvSpPr>
-          <p:cNvPr id="6" name="내용 개체 틀 5">
-            <a:extLst>
-              <a:ext uri="{FF2B5EF4-FFF2-40B4-BE49-F238E27FC236}">
-                <a16:creationId xmlns:a16="http://schemas.microsoft.com/office/drawing/2014/main" id="{5EB2918C-1851-B2B5-60C1-B1A81C584C14}"/>
-              </a:ext>
-            </a:extLst>
-          </p:cNvPr>
-          <p:cNvSpPr>
-            <a:spLocks noGrp="1"/>
-          </p:cNvSpPr>
-          <p:nvPr>
-            <p:ph idx="1"/>
-          </p:nvPr>
-        </p:nvSpPr>
-        <p:spPr/>
-        <p:txBody>
-          <a:bodyPr/>
-          <a:lstStyle/>
-          <a:p>
-            <a:r>
-              <a:rPr lang="en-US" altLang="ko-KR" dirty="0"/>
-              <a:t>NuGet</a:t>
-            </a:r>
-            <a:r>
-              <a:rPr lang="ko-KR" altLang="en-US" dirty="0"/>
-              <a:t>에서 </a:t>
-            </a:r>
-            <a:r>
-              <a:rPr lang="en-US" altLang="ko-KR" dirty="0" err="1"/>
-              <a:t>dataframe</a:t>
-            </a:r>
-            <a:r>
-              <a:rPr lang="ko-KR" altLang="en-US" dirty="0"/>
-              <a:t> 검색하여 설치</a:t>
-            </a:r>
-          </a:p>
-        </p:txBody>
-      </p:sp>
-      <p:sp>
-        <p:nvSpPr>
-          <p:cNvPr id="4" name="날짜 개체 틀 3">
-            <a:extLst>
-              <a:ext uri="{FF2B5EF4-FFF2-40B4-BE49-F238E27FC236}">
-                <a16:creationId xmlns:a16="http://schemas.microsoft.com/office/drawing/2014/main" id="{4C9F154D-80D0-D2D6-C02A-E28620F9963F}"/>
-              </a:ext>
-            </a:extLst>
-          </p:cNvPr>
-          <p:cNvSpPr>
-            <a:spLocks noGrp="1"/>
-          </p:cNvSpPr>
-          <p:nvPr>
-            <p:ph type="dt" sz="half" idx="10"/>
-          </p:nvPr>
-        </p:nvSpPr>
-        <p:spPr/>
-        <p:txBody>
-          <a:bodyPr/>
-          <a:lstStyle/>
-          <a:p>
-            <a:fld id="{0F78D9C4-20C1-4B15-A116-16DC77AD9A1E}" type="datetime1">
-              <a:rPr lang="ko-KR" altLang="en-US" smtClean="0"/>
-              <a:t>2024-12-11</a:t>
-            </a:fld>
-            <a:endParaRPr lang="ko-KR" altLang="en-US"/>
-          </a:p>
-        </p:txBody>
-      </p:sp>
-      <p:sp>
-        <p:nvSpPr>
-          <p:cNvPr id="5" name="슬라이드 번호 개체 틀 4">
-            <a:extLst>
-              <a:ext uri="{FF2B5EF4-FFF2-40B4-BE49-F238E27FC236}">
-                <a16:creationId xmlns:a16="http://schemas.microsoft.com/office/drawing/2014/main" id="{7AAAC558-F07A-2E7F-8713-874FAB29BA07}"/>
-              </a:ext>
-            </a:extLst>
-          </p:cNvPr>
-          <p:cNvSpPr>
-            <a:spLocks noGrp="1"/>
-          </p:cNvSpPr>
-          <p:nvPr>
-            <p:ph type="sldNum" sz="quarter" idx="12"/>
-          </p:nvPr>
-        </p:nvSpPr>
-        <p:spPr/>
-        <p:txBody>
-          <a:bodyPr/>
-          <a:lstStyle/>
-          <a:p>
-            <a:fld id="{083A2CE0-18CD-4102-B738-4ACFF9E68BA4}" type="slidenum">
-              <a:rPr lang="ko-KR" altLang="en-US" smtClean="0"/>
-              <a:t>8</a:t>
-            </a:fld>
-            <a:endParaRPr lang="ko-KR" altLang="en-US"/>
+                <a16:creationId xmlns:a16="http://schemas.microsoft.com/office/drawing/2014/main" id="{CBEFE122-E831-904C-0AAE-87F481BD3AE0}"/>
+              </a:ext>
+            </a:extLst>
+          </p:cNvPr>
+          <p:cNvSpPr>
+            <a:spLocks noGrp="1"/>
+          </p:cNvSpPr>
+          <p:nvPr>
+            <p:ph type="ctrTitle"/>
+          </p:nvPr>
+        </p:nvSpPr>
+        <p:spPr/>
+        <p:txBody>
+          <a:bodyPr/>
+          <a:lstStyle/>
+          <a:p>
+            <a:r>
+              <a:rPr lang="en-US" altLang="ko-KR" b="1" dirty="0">
+                <a:solidFill>
+                  <a:schemeClr val="accent2"/>
+                </a:solidFill>
+              </a:rPr>
+              <a:t>    </a:t>
+            </a:r>
+            <a:r>
+              <a:rPr lang="en-US" altLang="ko-KR" b="1" dirty="0">
+                <a:latin typeface="나눔바른고딕" panose="020B0603020101020101" pitchFamily="50" charset="-127"/>
+                <a:ea typeface="나눔바른고딕" panose="020B0603020101020101" pitchFamily="50" charset="-127"/>
+              </a:rPr>
+              <a:t>x</a:t>
+            </a:r>
+            <a:endParaRPr lang="ko-KR" altLang="en-US" b="1" dirty="0">
+              <a:solidFill>
+                <a:srgbClr val="0070C0"/>
+              </a:solidFill>
+              <a:latin typeface="나눔바른고딕" panose="020B0603020101020101" pitchFamily="50" charset="-127"/>
+              <a:ea typeface="나눔바른고딕" panose="020B0603020101020101" pitchFamily="50" charset="-127"/>
+            </a:endParaRPr>
           </a:p>
         </p:txBody>
       </p:sp>
@@ -10083,7 +12563,7 @@
           <p:cNvPr id="9" name="그림 8">
             <a:extLst>
               <a:ext uri="{FF2B5EF4-FFF2-40B4-BE49-F238E27FC236}">
-                <a16:creationId xmlns:a16="http://schemas.microsoft.com/office/drawing/2014/main" id="{E7EFC436-6BD3-A5B0-E771-75A7E2178470}"/>
+                <a16:creationId xmlns:a16="http://schemas.microsoft.com/office/drawing/2014/main" id="{CE78D3EA-D15D-AC23-FCDE-3921C42927AA}"/>
               </a:ext>
             </a:extLst>
           </p:cNvPr>
@@ -10093,77 +12573,123 @@
           <p:nvPr/>
         </p:nvPicPr>
         <p:blipFill>
-          <a:blip r:embed="rId2"/>
+          <a:blip r:embed="rId3">
+            <a:extLst>
+              <a:ext uri="{28A0092B-C50C-407E-A947-70E740481C1C}">
+                <a14:useLocalDpi xmlns:a14="http://schemas.microsoft.com/office/drawing/2010/main" val="0"/>
+              </a:ext>
+            </a:extLst>
+          </a:blip>
           <a:stretch>
             <a:fillRect/>
           </a:stretch>
         </p:blipFill>
         <p:spPr>
           <a:xfrm>
-            <a:off x="1107331" y="2448502"/>
-            <a:ext cx="7163800" cy="3105583"/>
+            <a:off x="7069307" y="2667000"/>
+            <a:ext cx="2996917" cy="935038"/>
           </a:xfrm>
           <a:prstGeom prst="rect">
             <a:avLst/>
           </a:prstGeom>
         </p:spPr>
       </p:pic>
-      <p:sp>
-        <p:nvSpPr>
-          <p:cNvPr id="11" name="직사각형 10">
-            <a:extLst>
-              <a:ext uri="{FF2B5EF4-FFF2-40B4-BE49-F238E27FC236}">
-                <a16:creationId xmlns:a16="http://schemas.microsoft.com/office/drawing/2014/main" id="{ECE2880C-CEEF-C74C-5BA9-41D6F1CAAC81}"/>
-              </a:ext>
-            </a:extLst>
-          </p:cNvPr>
-          <p:cNvSpPr/>
+      <p:pic>
+        <p:nvPicPr>
+          <p:cNvPr id="7" name="그림 6">
+            <a:extLst>
+              <a:ext uri="{FF2B5EF4-FFF2-40B4-BE49-F238E27FC236}">
+                <a16:creationId xmlns:a16="http://schemas.microsoft.com/office/drawing/2014/main" id="{63D59D44-8929-10F4-AB8C-A6FAA90497EF}"/>
+              </a:ext>
+            </a:extLst>
+          </p:cNvPr>
+          <p:cNvPicPr>
+            <a:picLocks noChangeAspect="1"/>
+          </p:cNvPicPr>
           <p:nvPr/>
-        </p:nvSpPr>
+        </p:nvPicPr>
+        <p:blipFill>
+          <a:blip r:embed="rId4" cstate="hqprint">
+            <a:extLst>
+              <a:ext uri="{28A0092B-C50C-407E-A947-70E740481C1C}">
+                <a14:useLocalDpi xmlns:a14="http://schemas.microsoft.com/office/drawing/2010/main" val="0"/>
+              </a:ext>
+            </a:extLst>
+          </a:blip>
+          <a:stretch>
+            <a:fillRect/>
+          </a:stretch>
+        </p:blipFill>
         <p:spPr>
           <a:xfrm>
-            <a:off x="1107331" y="3429000"/>
-            <a:ext cx="5999871" cy="608428"/>
+            <a:off x="2363836" y="2667000"/>
+            <a:ext cx="3698753" cy="795104"/>
           </a:xfrm>
           <a:prstGeom prst="rect">
             <a:avLst/>
           </a:prstGeom>
-          <a:noFill/>
-          <a:ln>
-            <a:solidFill>
-              <a:schemeClr val="accent2"/>
-            </a:solidFill>
-          </a:ln>
         </p:spPr>
-        <p:style>
-          <a:lnRef idx="2">
-            <a:schemeClr val="accent1">
-              <a:shade val="15000"/>
-            </a:schemeClr>
-          </a:lnRef>
-          <a:fillRef idx="1">
-            <a:schemeClr val="accent1"/>
-          </a:fillRef>
-          <a:effectRef idx="0">
-            <a:schemeClr val="accent1"/>
-          </a:effectRef>
-          <a:fontRef idx="minor">
-            <a:schemeClr val="lt1"/>
-          </a:fontRef>
-        </p:style>
-        <p:txBody>
-          <a:bodyPr rtlCol="0" anchor="ctr"/>
-          <a:lstStyle/>
-          <a:p>
-            <a:pPr algn="ctr"/>
-            <a:endParaRPr lang="ko-KR" altLang="en-US"/>
+      </p:pic>
+      <p:sp>
+        <p:nvSpPr>
+          <p:cNvPr id="6" name="부제목 5">
+            <a:extLst>
+              <a:ext uri="{FF2B5EF4-FFF2-40B4-BE49-F238E27FC236}">
+                <a16:creationId xmlns:a16="http://schemas.microsoft.com/office/drawing/2014/main" id="{FF576DF6-99CD-A87A-B713-47EC34274334}"/>
+              </a:ext>
+            </a:extLst>
+          </p:cNvPr>
+          <p:cNvSpPr>
+            <a:spLocks noGrp="1"/>
+          </p:cNvSpPr>
+          <p:nvPr>
+            <p:ph type="subTitle" idx="1"/>
+          </p:nvPr>
+        </p:nvSpPr>
+        <p:spPr/>
+        <p:txBody>
+          <a:bodyPr/>
+          <a:lstStyle/>
+          <a:p>
+            <a:r>
+              <a:rPr lang="en-US" altLang="ko-KR" dirty="0"/>
+              <a:t>K-Digital Training  </a:t>
+            </a:r>
+            <a:r>
+              <a:rPr lang="ko-KR" altLang="en-US" dirty="0" err="1"/>
+              <a:t>스마트팩토리</a:t>
+            </a:r>
+            <a:r>
+              <a:rPr lang="ko-KR" altLang="en-US" dirty="0"/>
+              <a:t> 단기 </a:t>
+            </a:r>
+            <a:r>
+              <a:rPr lang="en-US" altLang="ko-KR" dirty="0"/>
+              <a:t>3</a:t>
+            </a:r>
+            <a:r>
+              <a:rPr lang="ko-KR" altLang="en-US" dirty="0"/>
+              <a:t>기</a:t>
+            </a:r>
+          </a:p>
+          <a:p>
+            <a:endParaRPr lang="ko-KR" altLang="en-US" dirty="0"/>
+          </a:p>
+          <a:p>
+            <a:endParaRPr lang="ko-KR" altLang="en-US" dirty="0"/>
+          </a:p>
+          <a:p>
+            <a:endParaRPr lang="ko-KR" altLang="en-US" dirty="0"/>
+          </a:p>
+          <a:p>
+            <a:endParaRPr lang="ko-KR" altLang="en-US" dirty="0"/>
           </a:p>
         </p:txBody>
       </p:sp>
     </p:spTree>
     <p:extLst>
       <p:ext uri="{BB962C8B-B14F-4D97-AF65-F5344CB8AC3E}">
-        <p14:creationId xmlns:p14="http://schemas.microsoft.com/office/powerpoint/2010/main" val="4183649854"/>
+        <p14:creationId xmlns:p14="http://schemas.microsoft.com/office/powerpoint/2010/main" val="2452028597"/>
       </p:ext>
     </p:extLst>
   </p:cSld>
@@ -10195,76 +12721,53 @@
           <p:cNvPr id="2" name="제목 1">
             <a:extLst>
               <a:ext uri="{FF2B5EF4-FFF2-40B4-BE49-F238E27FC236}">
-                <a16:creationId xmlns:a16="http://schemas.microsoft.com/office/drawing/2014/main" id="{061F91DF-B2CB-9B0A-089A-E7636D1C92E9}"/>
-              </a:ext>
-            </a:extLst>
-          </p:cNvPr>
-          <p:cNvSpPr>
-            <a:spLocks noGrp="1"/>
-          </p:cNvSpPr>
-          <p:nvPr>
-            <p:ph type="title"/>
-          </p:nvPr>
-        </p:nvSpPr>
-        <p:spPr/>
-        <p:txBody>
-          <a:bodyPr/>
-          <a:lstStyle/>
-          <a:p>
-            <a:r>
-              <a:rPr lang="en-US" altLang="ko-KR" dirty="0" err="1"/>
-              <a:t>DataFrame</a:t>
-            </a:r>
-            <a:endParaRPr lang="ko-KR" altLang="en-US" dirty="0"/>
-          </a:p>
-        </p:txBody>
-      </p:sp>
-      <p:sp>
-        <p:nvSpPr>
-          <p:cNvPr id="6" name="내용 개체 틀 5">
-            <a:extLst>
-              <a:ext uri="{FF2B5EF4-FFF2-40B4-BE49-F238E27FC236}">
-                <a16:creationId xmlns:a16="http://schemas.microsoft.com/office/drawing/2014/main" id="{5EB2918C-1851-B2B5-60C1-B1A81C584C14}"/>
-              </a:ext>
-            </a:extLst>
-          </p:cNvPr>
-          <p:cNvSpPr>
-            <a:spLocks noGrp="1"/>
-          </p:cNvSpPr>
-          <p:nvPr>
-            <p:ph idx="1"/>
-          </p:nvPr>
-        </p:nvSpPr>
-        <p:spPr/>
-        <p:txBody>
-          <a:bodyPr/>
-          <a:lstStyle/>
-          <a:p>
+                <a16:creationId xmlns:a16="http://schemas.microsoft.com/office/drawing/2014/main" id="{5CB49C79-8DE4-4842-D1E6-927CDD6D4464}"/>
+              </a:ext>
+            </a:extLst>
+          </p:cNvPr>
+          <p:cNvSpPr>
+            <a:spLocks noGrp="1"/>
+          </p:cNvSpPr>
+          <p:nvPr>
+            <p:ph type="ctrTitle"/>
+          </p:nvPr>
+        </p:nvSpPr>
+        <p:spPr>
+          <a:xfrm>
+            <a:off x="3065599" y="3429000"/>
+            <a:ext cx="6060801" cy="974422"/>
+          </a:xfrm>
+        </p:spPr>
+        <p:txBody>
+          <a:bodyPr>
+            <a:noAutofit/>
+          </a:bodyPr>
+          <a:lstStyle/>
+          <a:p>
+            <a:pPr>
+              <a:lnSpc>
+                <a:spcPct val="150000"/>
+              </a:lnSpc>
+            </a:pPr>
+            <a:r>
+              <a:rPr lang="en-US" altLang="ko-KR" dirty="0"/>
+              <a:t>C#</a:t>
+            </a:r>
             <a:r>
               <a:rPr lang="ko-KR" altLang="en-US" dirty="0"/>
-              <a:t>패키지 설치</a:t>
-            </a:r>
-            <a:endParaRPr lang="en-US" altLang="ko-KR" dirty="0"/>
-          </a:p>
-          <a:p>
-            <a:pPr lvl="1"/>
-            <a:endParaRPr lang="en-US" altLang="ko-KR" dirty="0"/>
-          </a:p>
-          <a:p>
-            <a:pPr lvl="1"/>
-            <a:endParaRPr lang="en-US" altLang="ko-KR" dirty="0"/>
-          </a:p>
-          <a:p>
+              <a:t> </a:t>
+            </a:r>
+            <a:r>
+              <a:rPr lang="en-US" altLang="ko-KR" dirty="0"/>
+              <a:t>WPF</a:t>
+            </a:r>
+            <a:br>
+              <a:rPr lang="en-US" altLang="ko-KR" dirty="0"/>
+            </a:br>
             <a:r>
               <a:rPr lang="en-US" altLang="ko-KR" dirty="0" err="1"/>
               <a:t>Dataframe</a:t>
             </a:r>
-            <a:r>
-              <a:rPr lang="en-US" altLang="ko-KR" dirty="0"/>
-              <a:t> import</a:t>
-            </a:r>
-          </a:p>
-          <a:p>
             <a:endParaRPr lang="ko-KR" altLang="en-US" dirty="0"/>
           </a:p>
         </p:txBody>
@@ -10274,7 +12777,7 @@
           <p:cNvPr id="4" name="날짜 개체 틀 3">
             <a:extLst>
               <a:ext uri="{FF2B5EF4-FFF2-40B4-BE49-F238E27FC236}">
-                <a16:creationId xmlns:a16="http://schemas.microsoft.com/office/drawing/2014/main" id="{4C9F154D-80D0-D2D6-C02A-E28620F9963F}"/>
+                <a16:creationId xmlns:a16="http://schemas.microsoft.com/office/drawing/2014/main" id="{20223B3B-2FCF-58AF-BC81-E9824EB6B19E}"/>
               </a:ext>
             </a:extLst>
           </p:cNvPr>
@@ -10290,9 +12793,9 @@
           <a:bodyPr/>
           <a:lstStyle/>
           <a:p>
-            <a:fld id="{0F78D9C4-20C1-4B15-A116-16DC77AD9A1E}" type="datetime1">
+            <a:fld id="{2E2BEDFA-D8AA-4914-9440-7DF713C99FA9}" type="datetime1">
               <a:rPr lang="ko-KR" altLang="en-US" smtClean="0"/>
-              <a:t>2024-12-11</a:t>
+              <a:t>2025-05-26</a:t>
             </a:fld>
             <a:endParaRPr lang="ko-KR" altLang="en-US"/>
           </a:p>
@@ -10300,10 +12803,10 @@
       </p:sp>
       <p:sp>
         <p:nvSpPr>
-          <p:cNvPr id="5" name="슬라이드 번호 개체 틀 4">
-            <a:extLst>
-              <a:ext uri="{FF2B5EF4-FFF2-40B4-BE49-F238E27FC236}">
-                <a16:creationId xmlns:a16="http://schemas.microsoft.com/office/drawing/2014/main" id="{7AAAC558-F07A-2E7F-8713-874FAB29BA07}"/>
+          <p:cNvPr id="6" name="슬라이드 번호 개체 틀 5">
+            <a:extLst>
+              <a:ext uri="{FF2B5EF4-FFF2-40B4-BE49-F238E27FC236}">
+                <a16:creationId xmlns:a16="http://schemas.microsoft.com/office/drawing/2014/main" id="{AC7112DC-52CD-A148-06F6-6813E1A67427}"/>
               </a:ext>
             </a:extLst>
           </p:cNvPr>
@@ -10327,70 +12830,10 @@
           </a:p>
         </p:txBody>
       </p:sp>
-      <p:pic>
-        <p:nvPicPr>
-          <p:cNvPr id="10" name="그림 9">
-            <a:extLst>
-              <a:ext uri="{FF2B5EF4-FFF2-40B4-BE49-F238E27FC236}">
-                <a16:creationId xmlns:a16="http://schemas.microsoft.com/office/drawing/2014/main" id="{A3B6C196-421B-06EB-10A1-FF4DAF157A87}"/>
-              </a:ext>
-            </a:extLst>
-          </p:cNvPr>
-          <p:cNvPicPr>
-            <a:picLocks noChangeAspect="1"/>
-          </p:cNvPicPr>
-          <p:nvPr/>
-        </p:nvPicPr>
-        <p:blipFill>
-          <a:blip r:embed="rId2"/>
-          <a:stretch>
-            <a:fillRect/>
-          </a:stretch>
-        </p:blipFill>
-        <p:spPr>
-          <a:xfrm>
-            <a:off x="1441259" y="2314768"/>
-            <a:ext cx="8141561" cy="547450"/>
-          </a:xfrm>
-          <a:prstGeom prst="rect">
-            <a:avLst/>
-          </a:prstGeom>
-        </p:spPr>
-      </p:pic>
-      <p:pic>
-        <p:nvPicPr>
-          <p:cNvPr id="13" name="그림 12">
-            <a:extLst>
-              <a:ext uri="{FF2B5EF4-FFF2-40B4-BE49-F238E27FC236}">
-                <a16:creationId xmlns:a16="http://schemas.microsoft.com/office/drawing/2014/main" id="{77F65470-995A-A420-FB1C-5B83BCBC9F52}"/>
-              </a:ext>
-            </a:extLst>
-          </p:cNvPr>
-          <p:cNvPicPr>
-            <a:picLocks noChangeAspect="1"/>
-          </p:cNvPicPr>
-          <p:nvPr/>
-        </p:nvPicPr>
-        <p:blipFill>
-          <a:blip r:embed="rId3"/>
-          <a:stretch>
-            <a:fillRect/>
-          </a:stretch>
-        </p:blipFill>
-        <p:spPr>
-          <a:xfrm>
-            <a:off x="1441258" y="3686925"/>
-            <a:ext cx="7133437" cy="547450"/>
-          </a:xfrm>
-          <a:prstGeom prst="rect">
-            <a:avLst/>
-          </a:prstGeom>
-        </p:spPr>
-      </p:pic>
     </p:spTree>
     <p:extLst>
       <p:ext uri="{BB962C8B-B14F-4D97-AF65-F5344CB8AC3E}">
-        <p14:creationId xmlns:p14="http://schemas.microsoft.com/office/powerpoint/2010/main" val="3896698845"/>
+        <p14:creationId xmlns:p14="http://schemas.microsoft.com/office/powerpoint/2010/main" val="1611655305"/>
       </p:ext>
     </p:extLst>
   </p:cSld>
